--- a/talk/dtreeviz.pptx
+++ b/talk/dtreeviz.pptx
@@ -5,11 +5,21 @@
     <p:sldMasterId id="2147483648" r:id="rId1"/>
   </p:sldMasterIdLst>
   <p:notesMasterIdLst>
-    <p:notesMasterId r:id="rId4"/>
+    <p:notesMasterId r:id="rId14"/>
   </p:notesMasterIdLst>
   <p:sldIdLst>
     <p:sldId id="256" r:id="rId2"/>
     <p:sldId id="257" r:id="rId3"/>
+    <p:sldId id="263" r:id="rId4"/>
+    <p:sldId id="266" r:id="rId5"/>
+    <p:sldId id="267" r:id="rId6"/>
+    <p:sldId id="264" r:id="rId7"/>
+    <p:sldId id="259" r:id="rId8"/>
+    <p:sldId id="261" r:id="rId9"/>
+    <p:sldId id="260" r:id="rId10"/>
+    <p:sldId id="262" r:id="rId11"/>
+    <p:sldId id="258" r:id="rId12"/>
+    <p:sldId id="265" r:id="rId13"/>
   </p:sldIdLst>
   <p:sldSz cx="12192000" cy="6858000"/>
   <p:notesSz cx="6858000" cy="9144000"/>
@@ -3852,7 +3862,7 @@
             <a:pPr algn="l"/>
             <a:r>
               <a:rPr lang="en-US" dirty="0"/>
-              <a:t>How to lead a fulfilling life by being dissatisfied</a:t>
+              <a:t>(How to lead a fulfilling life by being dissatisfied)</a:t>
             </a:r>
             <a:br>
               <a:rPr lang="en-US" dirty="0"/>
@@ -3923,6 +3933,380 @@
     <p:extLst>
       <p:ext uri="{BB962C8B-B14F-4D97-AF65-F5344CB8AC3E}">
         <p14:creationId xmlns:p14="http://schemas.microsoft.com/office/powerpoint/2010/main" val="1593366124"/>
+      </p:ext>
+    </p:extLst>
+  </p:cSld>
+  <p:clrMapOvr>
+    <a:masterClrMapping/>
+  </p:clrMapOvr>
+</p:sld>
+</file>
+
+<file path=ppt/slides/slide10.xml><?xml version="1.0" encoding="utf-8"?>
+<p:sld xmlns:a="http://schemas.openxmlformats.org/drawingml/2006/main" xmlns:r="http://schemas.openxmlformats.org/officeDocument/2006/relationships" xmlns:p="http://schemas.openxmlformats.org/presentationml/2006/main">
+  <p:cSld>
+    <p:spTree>
+      <p:nvGrpSpPr>
+        <p:cNvPr id="1" name=""/>
+        <p:cNvGrpSpPr/>
+        <p:nvPr/>
+      </p:nvGrpSpPr>
+      <p:grpSpPr>
+        <a:xfrm>
+          <a:off x="0" y="0"/>
+          <a:ext cx="0" cy="0"/>
+          <a:chOff x="0" y="0"/>
+          <a:chExt cx="0" cy="0"/>
+        </a:xfrm>
+      </p:grpSpPr>
+      <p:sp>
+        <p:nvSpPr>
+          <p:cNvPr id="2" name="Title 1">
+            <a:extLst>
+              <a:ext uri="{FF2B5EF4-FFF2-40B4-BE49-F238E27FC236}">
+                <a16:creationId xmlns:a16="http://schemas.microsoft.com/office/drawing/2014/main" id="{24D88B2F-1763-0844-AA1F-F51EA7806F68}"/>
+              </a:ext>
+            </a:extLst>
+          </p:cNvPr>
+          <p:cNvSpPr>
+            <a:spLocks noGrp="1"/>
+          </p:cNvSpPr>
+          <p:nvPr>
+            <p:ph type="title"/>
+          </p:nvPr>
+        </p:nvSpPr>
+        <p:spPr/>
+        <p:txBody>
+          <a:bodyPr/>
+          <a:lstStyle/>
+          <a:p>
+            <a:r>
+              <a:rPr lang="en-US" dirty="0"/>
+              <a:t>Be unreasonably tenacious</a:t>
+            </a:r>
+          </a:p>
+        </p:txBody>
+      </p:sp>
+      <p:sp>
+        <p:nvSpPr>
+          <p:cNvPr id="3" name="Content Placeholder 2">
+            <a:extLst>
+              <a:ext uri="{FF2B5EF4-FFF2-40B4-BE49-F238E27FC236}">
+                <a16:creationId xmlns:a16="http://schemas.microsoft.com/office/drawing/2014/main" id="{863524B9-BE6F-6D44-8B7F-DBD4F355BA6F}"/>
+              </a:ext>
+            </a:extLst>
+          </p:cNvPr>
+          <p:cNvSpPr>
+            <a:spLocks noGrp="1"/>
+          </p:cNvSpPr>
+          <p:nvPr>
+            <p:ph idx="1"/>
+          </p:nvPr>
+        </p:nvSpPr>
+        <p:spPr/>
+        <p:txBody>
+          <a:bodyPr/>
+          <a:lstStyle/>
+          <a:p>
+            <a:r>
+              <a:rPr lang="en-US" dirty="0"/>
+              <a:t>Reagan</a:t>
+            </a:r>
+          </a:p>
+          <a:p>
+            <a:r>
+              <a:rPr lang="en-US" dirty="0"/>
+              <a:t>“Why program by hand in five days, …”</a:t>
+            </a:r>
+          </a:p>
+          <a:p>
+            <a:r>
+              <a:rPr lang="en-US" dirty="0"/>
+              <a:t>Matplotlib mashup</a:t>
+            </a:r>
+          </a:p>
+          <a:p>
+            <a:r>
+              <a:rPr lang="en-US" dirty="0"/>
+              <a:t>SVG not </a:t>
+            </a:r>
+            <a:r>
+              <a:rPr lang="en-US" dirty="0" err="1"/>
+              <a:t>png</a:t>
+            </a:r>
+            <a:endParaRPr lang="en-US" dirty="0"/>
+          </a:p>
+        </p:txBody>
+      </p:sp>
+    </p:spTree>
+    <p:extLst>
+      <p:ext uri="{BB962C8B-B14F-4D97-AF65-F5344CB8AC3E}">
+        <p14:creationId xmlns:p14="http://schemas.microsoft.com/office/powerpoint/2010/main" val="1316979302"/>
+      </p:ext>
+    </p:extLst>
+  </p:cSld>
+  <p:clrMapOvr>
+    <a:masterClrMapping/>
+  </p:clrMapOvr>
+</p:sld>
+</file>
+
+<file path=ppt/slides/slide11.xml><?xml version="1.0" encoding="utf-8"?>
+<p:sld xmlns:a="http://schemas.openxmlformats.org/drawingml/2006/main" xmlns:r="http://schemas.openxmlformats.org/officeDocument/2006/relationships" xmlns:p="http://schemas.openxmlformats.org/presentationml/2006/main">
+  <p:cSld>
+    <p:spTree>
+      <p:nvGrpSpPr>
+        <p:cNvPr id="1" name=""/>
+        <p:cNvGrpSpPr/>
+        <p:nvPr/>
+      </p:nvGrpSpPr>
+      <p:grpSpPr>
+        <a:xfrm>
+          <a:off x="0" y="0"/>
+          <a:ext cx="0" cy="0"/>
+          <a:chOff x="0" y="0"/>
+          <a:chExt cx="0" cy="0"/>
+        </a:xfrm>
+      </p:grpSpPr>
+      <p:sp>
+        <p:nvSpPr>
+          <p:cNvPr id="2" name="Title 1">
+            <a:extLst>
+              <a:ext uri="{FF2B5EF4-FFF2-40B4-BE49-F238E27FC236}">
+                <a16:creationId xmlns:a16="http://schemas.microsoft.com/office/drawing/2014/main" id="{7FD57E0C-5A20-444B-9961-DECFF85B1B5B}"/>
+              </a:ext>
+            </a:extLst>
+          </p:cNvPr>
+          <p:cNvSpPr>
+            <a:spLocks noGrp="1"/>
+          </p:cNvSpPr>
+          <p:nvPr>
+            <p:ph type="title"/>
+          </p:nvPr>
+        </p:nvSpPr>
+        <p:spPr/>
+        <p:txBody>
+          <a:bodyPr>
+            <a:normAutofit/>
+          </a:bodyPr>
+          <a:lstStyle/>
+          <a:p>
+            <a:r>
+              <a:rPr lang="en-US" dirty="0"/>
+              <a:t>How to contribute and make a difference</a:t>
+            </a:r>
+          </a:p>
+        </p:txBody>
+      </p:sp>
+      <p:sp>
+        <p:nvSpPr>
+          <p:cNvPr id="3" name="Content Placeholder 2">
+            <a:extLst>
+              <a:ext uri="{FF2B5EF4-FFF2-40B4-BE49-F238E27FC236}">
+                <a16:creationId xmlns:a16="http://schemas.microsoft.com/office/drawing/2014/main" id="{72C91041-5C8E-EA40-B673-0BB872B78EF6}"/>
+              </a:ext>
+            </a:extLst>
+          </p:cNvPr>
+          <p:cNvSpPr>
+            <a:spLocks noGrp="1"/>
+          </p:cNvSpPr>
+          <p:nvPr>
+            <p:ph idx="1"/>
+          </p:nvPr>
+        </p:nvSpPr>
+        <p:spPr/>
+        <p:txBody>
+          <a:bodyPr/>
+          <a:lstStyle/>
+          <a:p>
+            <a:r>
+              <a:rPr lang="en-US" dirty="0"/>
+              <a:t>Look for the pain</a:t>
+            </a:r>
+          </a:p>
+          <a:p>
+            <a:r>
+              <a:rPr lang="en-US" dirty="0"/>
+              <a:t>Look for a hole in the market</a:t>
+            </a:r>
+          </a:p>
+          <a:p>
+            <a:r>
+              <a:rPr lang="en-US" dirty="0"/>
+              <a:t>Erase the pain with reusable and general code</a:t>
+            </a:r>
+          </a:p>
+          <a:p>
+            <a:r>
+              <a:rPr lang="en-US" dirty="0"/>
+              <a:t>Learn tactics from existing successful projects</a:t>
+            </a:r>
+          </a:p>
+          <a:p>
+            <a:pPr lvl="1"/>
+            <a:r>
+              <a:rPr lang="en-US" dirty="0"/>
+              <a:t>Website</a:t>
+            </a:r>
+          </a:p>
+          <a:p>
+            <a:pPr lvl="1"/>
+            <a:r>
+              <a:rPr lang="en-US" dirty="0"/>
+              <a:t>doc</a:t>
+            </a:r>
+          </a:p>
+          <a:p>
+            <a:pPr lvl="1"/>
+            <a:r>
+              <a:rPr lang="en-US" dirty="0"/>
+              <a:t>API design</a:t>
+            </a:r>
+          </a:p>
+          <a:p>
+            <a:pPr lvl="1"/>
+            <a:r>
+              <a:rPr lang="en-US" dirty="0"/>
+              <a:t>consistent style</a:t>
+            </a:r>
+          </a:p>
+          <a:p>
+            <a:pPr lvl="1"/>
+            <a:r>
+              <a:rPr lang="en-US" dirty="0"/>
+              <a:t>Give it pizzazz or flash</a:t>
+            </a:r>
+          </a:p>
+        </p:txBody>
+      </p:sp>
+    </p:spTree>
+    <p:extLst>
+      <p:ext uri="{BB962C8B-B14F-4D97-AF65-F5344CB8AC3E}">
+        <p14:creationId xmlns:p14="http://schemas.microsoft.com/office/powerpoint/2010/main" val="3602942115"/>
+      </p:ext>
+    </p:extLst>
+  </p:cSld>
+  <p:clrMapOvr>
+    <a:masterClrMapping/>
+  </p:clrMapOvr>
+</p:sld>
+</file>
+
+<file path=ppt/slides/slide12.xml><?xml version="1.0" encoding="utf-8"?>
+<p:sld xmlns:a="http://schemas.openxmlformats.org/drawingml/2006/main" xmlns:r="http://schemas.openxmlformats.org/officeDocument/2006/relationships" xmlns:p="http://schemas.openxmlformats.org/presentationml/2006/main">
+  <p:cSld>
+    <p:spTree>
+      <p:nvGrpSpPr>
+        <p:cNvPr id="1" name=""/>
+        <p:cNvGrpSpPr/>
+        <p:nvPr/>
+      </p:nvGrpSpPr>
+      <p:grpSpPr>
+        <a:xfrm>
+          <a:off x="0" y="0"/>
+          <a:ext cx="0" cy="0"/>
+          <a:chOff x="0" y="0"/>
+          <a:chExt cx="0" cy="0"/>
+        </a:xfrm>
+      </p:grpSpPr>
+      <p:sp>
+        <p:nvSpPr>
+          <p:cNvPr id="2" name="Title 1">
+            <a:extLst>
+              <a:ext uri="{FF2B5EF4-FFF2-40B4-BE49-F238E27FC236}">
+                <a16:creationId xmlns:a16="http://schemas.microsoft.com/office/drawing/2014/main" id="{0DAF806B-5FB5-3749-9CAC-2892B9632D7A}"/>
+              </a:ext>
+            </a:extLst>
+          </p:cNvPr>
+          <p:cNvSpPr>
+            <a:spLocks noGrp="1"/>
+          </p:cNvSpPr>
+          <p:nvPr>
+            <p:ph type="title"/>
+          </p:nvPr>
+        </p:nvSpPr>
+        <p:spPr/>
+        <p:txBody>
+          <a:bodyPr>
+            <a:normAutofit/>
+          </a:bodyPr>
+          <a:lstStyle/>
+          <a:p>
+            <a:r>
+              <a:rPr lang="en-US" dirty="0"/>
+              <a:t>Be courageous</a:t>
+            </a:r>
+          </a:p>
+        </p:txBody>
+      </p:sp>
+      <p:sp>
+        <p:nvSpPr>
+          <p:cNvPr id="3" name="Content Placeholder 2">
+            <a:extLst>
+              <a:ext uri="{FF2B5EF4-FFF2-40B4-BE49-F238E27FC236}">
+                <a16:creationId xmlns:a16="http://schemas.microsoft.com/office/drawing/2014/main" id="{9AEEAA17-8A89-4742-BC81-C603F17BA925}"/>
+              </a:ext>
+            </a:extLst>
+          </p:cNvPr>
+          <p:cNvSpPr>
+            <a:spLocks noGrp="1"/>
+          </p:cNvSpPr>
+          <p:nvPr>
+            <p:ph idx="1"/>
+          </p:nvPr>
+        </p:nvSpPr>
+        <p:spPr/>
+        <p:txBody>
+          <a:bodyPr/>
+          <a:lstStyle/>
+          <a:p>
+            <a:r>
+              <a:rPr lang="en-US" dirty="0"/>
+              <a:t>Slap it up on </a:t>
+            </a:r>
+            <a:r>
+              <a:rPr lang="en-US" dirty="0" err="1"/>
+              <a:t>github</a:t>
+            </a:r>
+            <a:endParaRPr lang="en-US" dirty="0"/>
+          </a:p>
+          <a:p>
+            <a:r>
+              <a:rPr lang="en-US" dirty="0"/>
+              <a:t>Write articles or blog entries</a:t>
+            </a:r>
+          </a:p>
+          <a:p>
+            <a:r>
+              <a:rPr lang="en-US" dirty="0"/>
+              <a:t>You might think you don’t know anything</a:t>
+            </a:r>
+          </a:p>
+          <a:p>
+            <a:pPr lvl="1"/>
+            <a:r>
+              <a:rPr lang="en-US" dirty="0"/>
+              <a:t>(might be true at the beginning)</a:t>
+            </a:r>
+          </a:p>
+          <a:p>
+            <a:r>
+              <a:rPr lang="en-US" dirty="0"/>
+              <a:t>Building code and writing articles exposes holes in your understanding</a:t>
+            </a:r>
+          </a:p>
+          <a:p>
+            <a:r>
+              <a:rPr lang="en-US" dirty="0"/>
+              <a:t>Face that fear; it is so valuable to identify your weakness because then you can fix it. Don’t hide from it</a:t>
+            </a:r>
+          </a:p>
+        </p:txBody>
+      </p:sp>
+    </p:spTree>
+    <p:extLst>
+      <p:ext uri="{BB962C8B-B14F-4D97-AF65-F5344CB8AC3E}">
+        <p14:creationId xmlns:p14="http://schemas.microsoft.com/office/powerpoint/2010/main" val="2107203289"/>
       </p:ext>
     </p:extLst>
   </p:cSld>
@@ -4027,6 +4411,1542 @@
     <p:extLst>
       <p:ext uri="{BB962C8B-B14F-4D97-AF65-F5344CB8AC3E}">
         <p14:creationId xmlns:p14="http://schemas.microsoft.com/office/powerpoint/2010/main" val="2439290592"/>
+      </p:ext>
+    </p:extLst>
+  </p:cSld>
+  <p:clrMapOvr>
+    <a:masterClrMapping/>
+  </p:clrMapOvr>
+</p:sld>
+</file>
+
+<file path=ppt/slides/slide3.xml><?xml version="1.0" encoding="utf-8"?>
+<p:sld xmlns:a="http://schemas.openxmlformats.org/drawingml/2006/main" xmlns:r="http://schemas.openxmlformats.org/officeDocument/2006/relationships" xmlns:p="http://schemas.openxmlformats.org/presentationml/2006/main">
+  <p:cSld>
+    <p:spTree>
+      <p:nvGrpSpPr>
+        <p:cNvPr id="1" name=""/>
+        <p:cNvGrpSpPr/>
+        <p:nvPr/>
+      </p:nvGrpSpPr>
+      <p:grpSpPr>
+        <a:xfrm>
+          <a:off x="0" y="0"/>
+          <a:ext cx="0" cy="0"/>
+          <a:chOff x="0" y="0"/>
+          <a:chExt cx="0" cy="0"/>
+        </a:xfrm>
+      </p:grpSpPr>
+      <p:sp>
+        <p:nvSpPr>
+          <p:cNvPr id="2" name="Title 1">
+            <a:extLst>
+              <a:ext uri="{FF2B5EF4-FFF2-40B4-BE49-F238E27FC236}">
+                <a16:creationId xmlns:a16="http://schemas.microsoft.com/office/drawing/2014/main" id="{15B653DF-196F-B948-A99F-64195A19F661}"/>
+              </a:ext>
+            </a:extLst>
+          </p:cNvPr>
+          <p:cNvSpPr>
+            <a:spLocks noGrp="1"/>
+          </p:cNvSpPr>
+          <p:nvPr>
+            <p:ph type="title"/>
+          </p:nvPr>
+        </p:nvSpPr>
+        <p:spPr/>
+        <p:txBody>
+          <a:bodyPr/>
+          <a:lstStyle/>
+          <a:p>
+            <a:r>
+              <a:rPr lang="en-US" dirty="0"/>
+              <a:t>Decision trees</a:t>
+            </a:r>
+          </a:p>
+        </p:txBody>
+      </p:sp>
+      <p:sp>
+        <p:nvSpPr>
+          <p:cNvPr id="3" name="Text Placeholder 2">
+            <a:extLst>
+              <a:ext uri="{FF2B5EF4-FFF2-40B4-BE49-F238E27FC236}">
+                <a16:creationId xmlns:a16="http://schemas.microsoft.com/office/drawing/2014/main" id="{A130551D-F101-0A4F-AFCF-264470ACE062}"/>
+              </a:ext>
+            </a:extLst>
+          </p:cNvPr>
+          <p:cNvSpPr>
+            <a:spLocks noGrp="1"/>
+          </p:cNvSpPr>
+          <p:nvPr>
+            <p:ph type="body" idx="1"/>
+          </p:nvPr>
+        </p:nvSpPr>
+        <p:spPr/>
+        <p:txBody>
+          <a:bodyPr/>
+          <a:lstStyle/>
+          <a:p>
+            <a:endParaRPr lang="en-US"/>
+          </a:p>
+        </p:txBody>
+      </p:sp>
+    </p:spTree>
+    <p:extLst>
+      <p:ext uri="{BB962C8B-B14F-4D97-AF65-F5344CB8AC3E}">
+        <p14:creationId xmlns:p14="http://schemas.microsoft.com/office/powerpoint/2010/main" val="100416545"/>
+      </p:ext>
+    </p:extLst>
+  </p:cSld>
+  <p:clrMapOvr>
+    <a:masterClrMapping/>
+  </p:clrMapOvr>
+</p:sld>
+</file>
+
+<file path=ppt/slides/slide4.xml><?xml version="1.0" encoding="utf-8"?>
+<p:sld xmlns:a="http://schemas.openxmlformats.org/drawingml/2006/main" xmlns:r="http://schemas.openxmlformats.org/officeDocument/2006/relationships" xmlns:p="http://schemas.openxmlformats.org/presentationml/2006/main">
+  <p:cSld>
+    <p:spTree>
+      <p:nvGrpSpPr>
+        <p:cNvPr id="1" name=""/>
+        <p:cNvGrpSpPr/>
+        <p:nvPr/>
+      </p:nvGrpSpPr>
+      <p:grpSpPr>
+        <a:xfrm>
+          <a:off x="0" y="0"/>
+          <a:ext cx="0" cy="0"/>
+          <a:chOff x="0" y="0"/>
+          <a:chExt cx="0" cy="0"/>
+        </a:xfrm>
+      </p:grpSpPr>
+      <p:sp>
+        <p:nvSpPr>
+          <p:cNvPr id="2" name="Title 1">
+            <a:extLst>
+              <a:ext uri="{FF2B5EF4-FFF2-40B4-BE49-F238E27FC236}">
+                <a16:creationId xmlns:a16="http://schemas.microsoft.com/office/drawing/2014/main" id="{A635CC5E-35CB-EE4F-92B1-28E459CFA7DA}"/>
+              </a:ext>
+            </a:extLst>
+          </p:cNvPr>
+          <p:cNvSpPr>
+            <a:spLocks noGrp="1"/>
+          </p:cNvSpPr>
+          <p:nvPr>
+            <p:ph type="title"/>
+          </p:nvPr>
+        </p:nvSpPr>
+        <p:spPr/>
+        <p:txBody>
+          <a:bodyPr/>
+          <a:lstStyle/>
+          <a:p>
+            <a:r>
+              <a:rPr lang="en-US" dirty="0"/>
+              <a:t>Regression versus classification</a:t>
+            </a:r>
+          </a:p>
+        </p:txBody>
+      </p:sp>
+      <p:pic>
+        <p:nvPicPr>
+          <p:cNvPr id="5" name="Content Placeholder 4">
+            <a:extLst>
+              <a:ext uri="{FF2B5EF4-FFF2-40B4-BE49-F238E27FC236}">
+                <a16:creationId xmlns:a16="http://schemas.microsoft.com/office/drawing/2014/main" id="{5B308111-CB40-1C45-B55F-80D564C132D0}"/>
+              </a:ext>
+            </a:extLst>
+          </p:cNvPr>
+          <p:cNvPicPr>
+            <a:picLocks noGrp="1" noChangeAspect="1"/>
+          </p:cNvPicPr>
+          <p:nvPr>
+            <p:ph idx="1"/>
+          </p:nvPr>
+        </p:nvPicPr>
+        <p:blipFill>
+          <a:blip r:embed="rId2">
+            <a:extLst>
+              <a:ext uri="{96DAC541-7B7A-43D3-8B79-37D633B846F1}">
+                <asvg:svgBlip xmlns:asvg="http://schemas.microsoft.com/office/drawing/2016/SVG/main" r:embed="rId3"/>
+              </a:ext>
+            </a:extLst>
+          </a:blip>
+          <a:stretch>
+            <a:fillRect/>
+          </a:stretch>
+        </p:blipFill>
+        <p:spPr>
+          <a:xfrm>
+            <a:off x="838200" y="2024732"/>
+            <a:ext cx="4800600" cy="3644900"/>
+          </a:xfrm>
+        </p:spPr>
+      </p:pic>
+      <p:pic>
+        <p:nvPicPr>
+          <p:cNvPr id="7" name="Graphic 6">
+            <a:extLst>
+              <a:ext uri="{FF2B5EF4-FFF2-40B4-BE49-F238E27FC236}">
+                <a16:creationId xmlns:a16="http://schemas.microsoft.com/office/drawing/2014/main" id="{F04910F3-FE41-ED44-9479-7F3693826501}"/>
+              </a:ext>
+            </a:extLst>
+          </p:cNvPr>
+          <p:cNvPicPr>
+            <a:picLocks noChangeAspect="1"/>
+          </p:cNvPicPr>
+          <p:nvPr/>
+        </p:nvPicPr>
+        <p:blipFill>
+          <a:blip r:embed="rId4">
+            <a:extLst>
+              <a:ext uri="{96DAC541-7B7A-43D3-8B79-37D633B846F1}">
+                <asvg:svgBlip xmlns:asvg="http://schemas.microsoft.com/office/drawing/2016/SVG/main" r:embed="rId5"/>
+              </a:ext>
+            </a:extLst>
+          </a:blip>
+          <a:stretch>
+            <a:fillRect/>
+          </a:stretch>
+        </p:blipFill>
+        <p:spPr>
+          <a:xfrm>
+            <a:off x="6243691" y="2024732"/>
+            <a:ext cx="4800600" cy="3644900"/>
+          </a:xfrm>
+          <a:prstGeom prst="rect">
+            <a:avLst/>
+          </a:prstGeom>
+        </p:spPr>
+      </p:pic>
+      <p:cxnSp>
+        <p:nvCxnSpPr>
+          <p:cNvPr id="9" name="Straight Connector 8">
+            <a:extLst>
+              <a:ext uri="{FF2B5EF4-FFF2-40B4-BE49-F238E27FC236}">
+                <a16:creationId xmlns:a16="http://schemas.microsoft.com/office/drawing/2014/main" id="{1C398277-4A09-274F-98DC-FCFB458935D0}"/>
+              </a:ext>
+            </a:extLst>
+          </p:cNvPr>
+          <p:cNvCxnSpPr/>
+          <p:nvPr/>
+        </p:nvCxnSpPr>
+        <p:spPr>
+          <a:xfrm flipV="1">
+            <a:off x="1240077" y="2655518"/>
+            <a:ext cx="4196220" cy="2655517"/>
+          </a:xfrm>
+          <a:prstGeom prst="line">
+            <a:avLst/>
+          </a:prstGeom>
+          <a:ln w="22225">
+            <a:solidFill>
+              <a:srgbClr val="C00000"/>
+            </a:solidFill>
+          </a:ln>
+        </p:spPr>
+        <p:style>
+          <a:lnRef idx="1">
+            <a:schemeClr val="accent1"/>
+          </a:lnRef>
+          <a:fillRef idx="0">
+            <a:schemeClr val="accent1"/>
+          </a:fillRef>
+          <a:effectRef idx="0">
+            <a:schemeClr val="accent1"/>
+          </a:effectRef>
+          <a:fontRef idx="minor">
+            <a:schemeClr val="tx1"/>
+          </a:fontRef>
+        </p:style>
+      </p:cxnSp>
+      <p:cxnSp>
+        <p:nvCxnSpPr>
+          <p:cNvPr id="10" name="Straight Connector 9">
+            <a:extLst>
+              <a:ext uri="{FF2B5EF4-FFF2-40B4-BE49-F238E27FC236}">
+                <a16:creationId xmlns:a16="http://schemas.microsoft.com/office/drawing/2014/main" id="{D5D96E86-3AB1-5741-AA39-F4810086B9CB}"/>
+              </a:ext>
+            </a:extLst>
+          </p:cNvPr>
+          <p:cNvCxnSpPr>
+            <a:cxnSpLocks/>
+          </p:cNvCxnSpPr>
+          <p:nvPr/>
+        </p:nvCxnSpPr>
+        <p:spPr>
+          <a:xfrm flipV="1">
+            <a:off x="8432105" y="2918564"/>
+            <a:ext cx="1589749" cy="1160110"/>
+          </a:xfrm>
+          <a:prstGeom prst="line">
+            <a:avLst/>
+          </a:prstGeom>
+          <a:ln w="22225">
+            <a:solidFill>
+              <a:srgbClr val="C00000"/>
+            </a:solidFill>
+          </a:ln>
+        </p:spPr>
+        <p:style>
+          <a:lnRef idx="1">
+            <a:schemeClr val="accent1"/>
+          </a:lnRef>
+          <a:fillRef idx="0">
+            <a:schemeClr val="accent1"/>
+          </a:fillRef>
+          <a:effectRef idx="0">
+            <a:schemeClr val="accent1"/>
+          </a:effectRef>
+          <a:fontRef idx="minor">
+            <a:schemeClr val="tx1"/>
+          </a:fontRef>
+        </p:style>
+      </p:cxnSp>
+      <p:cxnSp>
+        <p:nvCxnSpPr>
+          <p:cNvPr id="12" name="Straight Connector 11">
+            <a:extLst>
+              <a:ext uri="{FF2B5EF4-FFF2-40B4-BE49-F238E27FC236}">
+                <a16:creationId xmlns:a16="http://schemas.microsoft.com/office/drawing/2014/main" id="{4930BD2F-E716-B14A-8F4A-92DA3A73813C}"/>
+              </a:ext>
+            </a:extLst>
+          </p:cNvPr>
+          <p:cNvCxnSpPr>
+            <a:cxnSpLocks/>
+          </p:cNvCxnSpPr>
+          <p:nvPr/>
+        </p:nvCxnSpPr>
+        <p:spPr>
+          <a:xfrm>
+            <a:off x="6751529" y="2818356"/>
+            <a:ext cx="1680576" cy="1260318"/>
+          </a:xfrm>
+          <a:prstGeom prst="line">
+            <a:avLst/>
+          </a:prstGeom>
+          <a:ln w="22225">
+            <a:solidFill>
+              <a:srgbClr val="C00000"/>
+            </a:solidFill>
+          </a:ln>
+        </p:spPr>
+        <p:style>
+          <a:lnRef idx="1">
+            <a:schemeClr val="accent1"/>
+          </a:lnRef>
+          <a:fillRef idx="0">
+            <a:schemeClr val="accent1"/>
+          </a:fillRef>
+          <a:effectRef idx="0">
+            <a:schemeClr val="accent1"/>
+          </a:effectRef>
+          <a:fontRef idx="minor">
+            <a:schemeClr val="tx1"/>
+          </a:fontRef>
+        </p:style>
+      </p:cxnSp>
+      <p:cxnSp>
+        <p:nvCxnSpPr>
+          <p:cNvPr id="15" name="Straight Connector 14">
+            <a:extLst>
+              <a:ext uri="{FF2B5EF4-FFF2-40B4-BE49-F238E27FC236}">
+                <a16:creationId xmlns:a16="http://schemas.microsoft.com/office/drawing/2014/main" id="{C29C7BD4-D042-2A4A-8057-5F1BACF60250}"/>
+              </a:ext>
+            </a:extLst>
+          </p:cNvPr>
+          <p:cNvCxnSpPr>
+            <a:cxnSpLocks/>
+          </p:cNvCxnSpPr>
+          <p:nvPr/>
+        </p:nvCxnSpPr>
+        <p:spPr>
+          <a:xfrm flipH="1" flipV="1">
+            <a:off x="8432104" y="4078674"/>
+            <a:ext cx="1" cy="1395200"/>
+          </a:xfrm>
+          <a:prstGeom prst="line">
+            <a:avLst/>
+          </a:prstGeom>
+          <a:ln w="22225">
+            <a:solidFill>
+              <a:srgbClr val="C00000"/>
+            </a:solidFill>
+          </a:ln>
+        </p:spPr>
+        <p:style>
+          <a:lnRef idx="1">
+            <a:schemeClr val="accent1"/>
+          </a:lnRef>
+          <a:fillRef idx="0">
+            <a:schemeClr val="accent1"/>
+          </a:fillRef>
+          <a:effectRef idx="0">
+            <a:schemeClr val="accent1"/>
+          </a:effectRef>
+          <a:fontRef idx="minor">
+            <a:schemeClr val="tx1"/>
+          </a:fontRef>
+        </p:style>
+      </p:cxnSp>
+    </p:spTree>
+    <p:extLst>
+      <p:ext uri="{BB962C8B-B14F-4D97-AF65-F5344CB8AC3E}">
+        <p14:creationId xmlns:p14="http://schemas.microsoft.com/office/powerpoint/2010/main" val="2582480925"/>
+      </p:ext>
+    </p:extLst>
+  </p:cSld>
+  <p:clrMapOvr>
+    <a:masterClrMapping/>
+  </p:clrMapOvr>
+  <p:timing>
+    <p:tnLst>
+      <p:par>
+        <p:cTn id="1" dur="indefinite" restart="never" nodeType="tmRoot">
+          <p:childTnLst>
+            <p:seq concurrent="1" nextAc="seek">
+              <p:cTn id="2" dur="indefinite" nodeType="mainSeq">
+                <p:childTnLst>
+                  <p:par>
+                    <p:cTn id="3" fill="hold">
+                      <p:stCondLst>
+                        <p:cond delay="indefinite"/>
+                      </p:stCondLst>
+                      <p:childTnLst>
+                        <p:par>
+                          <p:cTn id="4" fill="hold">
+                            <p:stCondLst>
+                              <p:cond delay="0"/>
+                            </p:stCondLst>
+                            <p:childTnLst>
+                              <p:par>
+                                <p:cTn id="5" presetID="1" presetClass="entr" presetSubtype="0" fill="hold" nodeType="clickEffect">
+                                  <p:stCondLst>
+                                    <p:cond delay="0"/>
+                                  </p:stCondLst>
+                                  <p:childTnLst>
+                                    <p:set>
+                                      <p:cBhvr>
+                                        <p:cTn id="6" dur="1" fill="hold">
+                                          <p:stCondLst>
+                                            <p:cond delay="0"/>
+                                          </p:stCondLst>
+                                        </p:cTn>
+                                        <p:tgtEl>
+                                          <p:spTgt spid="9"/>
+                                        </p:tgtEl>
+                                        <p:attrNameLst>
+                                          <p:attrName>style.visibility</p:attrName>
+                                        </p:attrNameLst>
+                                      </p:cBhvr>
+                                      <p:to>
+                                        <p:strVal val="visible"/>
+                                      </p:to>
+                                    </p:set>
+                                  </p:childTnLst>
+                                </p:cTn>
+                              </p:par>
+                            </p:childTnLst>
+                          </p:cTn>
+                        </p:par>
+                      </p:childTnLst>
+                    </p:cTn>
+                  </p:par>
+                  <p:par>
+                    <p:cTn id="7" fill="hold">
+                      <p:stCondLst>
+                        <p:cond delay="indefinite"/>
+                      </p:stCondLst>
+                      <p:childTnLst>
+                        <p:par>
+                          <p:cTn id="8" fill="hold">
+                            <p:stCondLst>
+                              <p:cond delay="0"/>
+                            </p:stCondLst>
+                            <p:childTnLst>
+                              <p:par>
+                                <p:cTn id="9" presetID="1" presetClass="entr" presetSubtype="0" fill="hold" nodeType="clickEffect">
+                                  <p:stCondLst>
+                                    <p:cond delay="0"/>
+                                  </p:stCondLst>
+                                  <p:childTnLst>
+                                    <p:set>
+                                      <p:cBhvr>
+                                        <p:cTn id="10" dur="1" fill="hold">
+                                          <p:stCondLst>
+                                            <p:cond delay="0"/>
+                                          </p:stCondLst>
+                                        </p:cTn>
+                                        <p:tgtEl>
+                                          <p:spTgt spid="10"/>
+                                        </p:tgtEl>
+                                        <p:attrNameLst>
+                                          <p:attrName>style.visibility</p:attrName>
+                                        </p:attrNameLst>
+                                      </p:cBhvr>
+                                      <p:to>
+                                        <p:strVal val="visible"/>
+                                      </p:to>
+                                    </p:set>
+                                  </p:childTnLst>
+                                </p:cTn>
+                              </p:par>
+                            </p:childTnLst>
+                          </p:cTn>
+                        </p:par>
+                      </p:childTnLst>
+                    </p:cTn>
+                  </p:par>
+                  <p:par>
+                    <p:cTn id="11" fill="hold">
+                      <p:stCondLst>
+                        <p:cond delay="indefinite"/>
+                      </p:stCondLst>
+                      <p:childTnLst>
+                        <p:par>
+                          <p:cTn id="12" fill="hold">
+                            <p:stCondLst>
+                              <p:cond delay="0"/>
+                            </p:stCondLst>
+                            <p:childTnLst>
+                              <p:par>
+                                <p:cTn id="13" presetID="1" presetClass="entr" presetSubtype="0" fill="hold" nodeType="clickEffect">
+                                  <p:stCondLst>
+                                    <p:cond delay="0"/>
+                                  </p:stCondLst>
+                                  <p:childTnLst>
+                                    <p:set>
+                                      <p:cBhvr>
+                                        <p:cTn id="14" dur="1" fill="hold">
+                                          <p:stCondLst>
+                                            <p:cond delay="0"/>
+                                          </p:stCondLst>
+                                        </p:cTn>
+                                        <p:tgtEl>
+                                          <p:spTgt spid="12"/>
+                                        </p:tgtEl>
+                                        <p:attrNameLst>
+                                          <p:attrName>style.visibility</p:attrName>
+                                        </p:attrNameLst>
+                                      </p:cBhvr>
+                                      <p:to>
+                                        <p:strVal val="visible"/>
+                                      </p:to>
+                                    </p:set>
+                                  </p:childTnLst>
+                                </p:cTn>
+                              </p:par>
+                            </p:childTnLst>
+                          </p:cTn>
+                        </p:par>
+                      </p:childTnLst>
+                    </p:cTn>
+                  </p:par>
+                  <p:par>
+                    <p:cTn id="15" fill="hold">
+                      <p:stCondLst>
+                        <p:cond delay="indefinite"/>
+                      </p:stCondLst>
+                      <p:childTnLst>
+                        <p:par>
+                          <p:cTn id="16" fill="hold">
+                            <p:stCondLst>
+                              <p:cond delay="0"/>
+                            </p:stCondLst>
+                            <p:childTnLst>
+                              <p:par>
+                                <p:cTn id="17" presetID="1" presetClass="entr" presetSubtype="0" fill="hold" nodeType="clickEffect">
+                                  <p:stCondLst>
+                                    <p:cond delay="0"/>
+                                  </p:stCondLst>
+                                  <p:childTnLst>
+                                    <p:set>
+                                      <p:cBhvr>
+                                        <p:cTn id="18" dur="1" fill="hold">
+                                          <p:stCondLst>
+                                            <p:cond delay="0"/>
+                                          </p:stCondLst>
+                                        </p:cTn>
+                                        <p:tgtEl>
+                                          <p:spTgt spid="15"/>
+                                        </p:tgtEl>
+                                        <p:attrNameLst>
+                                          <p:attrName>style.visibility</p:attrName>
+                                        </p:attrNameLst>
+                                      </p:cBhvr>
+                                      <p:to>
+                                        <p:strVal val="visible"/>
+                                      </p:to>
+                                    </p:set>
+                                  </p:childTnLst>
+                                </p:cTn>
+                              </p:par>
+                            </p:childTnLst>
+                          </p:cTn>
+                        </p:par>
+                      </p:childTnLst>
+                    </p:cTn>
+                  </p:par>
+                </p:childTnLst>
+              </p:cTn>
+              <p:prevCondLst>
+                <p:cond evt="onPrev" delay="0">
+                  <p:tgtEl>
+                    <p:sldTgt/>
+                  </p:tgtEl>
+                </p:cond>
+              </p:prevCondLst>
+              <p:nextCondLst>
+                <p:cond evt="onNext" delay="0">
+                  <p:tgtEl>
+                    <p:sldTgt/>
+                  </p:tgtEl>
+                </p:cond>
+              </p:nextCondLst>
+            </p:seq>
+          </p:childTnLst>
+        </p:cTn>
+      </p:par>
+    </p:tnLst>
+  </p:timing>
+</p:sld>
+</file>
+
+<file path=ppt/slides/slide5.xml><?xml version="1.0" encoding="utf-8"?>
+<p:sld xmlns:a="http://schemas.openxmlformats.org/drawingml/2006/main" xmlns:r="http://schemas.openxmlformats.org/officeDocument/2006/relationships" xmlns:p="http://schemas.openxmlformats.org/presentationml/2006/main">
+  <p:cSld>
+    <p:spTree>
+      <p:nvGrpSpPr>
+        <p:cNvPr id="1" name=""/>
+        <p:cNvGrpSpPr/>
+        <p:nvPr/>
+      </p:nvGrpSpPr>
+      <p:grpSpPr>
+        <a:xfrm>
+          <a:off x="0" y="0"/>
+          <a:ext cx="0" cy="0"/>
+          <a:chOff x="0" y="0"/>
+          <a:chExt cx="0" cy="0"/>
+        </a:xfrm>
+      </p:grpSpPr>
+      <p:sp>
+        <p:nvSpPr>
+          <p:cNvPr id="2" name="Title 1">
+            <a:extLst>
+              <a:ext uri="{FF2B5EF4-FFF2-40B4-BE49-F238E27FC236}">
+                <a16:creationId xmlns:a16="http://schemas.microsoft.com/office/drawing/2014/main" id="{A1632F17-CD50-E541-ACE7-C9011B18B66E}"/>
+              </a:ext>
+            </a:extLst>
+          </p:cNvPr>
+          <p:cNvSpPr>
+            <a:spLocks noGrp="1"/>
+          </p:cNvSpPr>
+          <p:nvPr>
+            <p:ph type="title"/>
+          </p:nvPr>
+        </p:nvSpPr>
+        <p:spPr/>
+        <p:txBody>
+          <a:bodyPr/>
+          <a:lstStyle/>
+          <a:p>
+            <a:r>
+              <a:rPr lang="en-US" dirty="0"/>
+              <a:t>Different models have different surfaces</a:t>
+            </a:r>
+          </a:p>
+        </p:txBody>
+      </p:sp>
+      <p:sp>
+        <p:nvSpPr>
+          <p:cNvPr id="3" name="Content Placeholder 2">
+            <a:extLst>
+              <a:ext uri="{FF2B5EF4-FFF2-40B4-BE49-F238E27FC236}">
+                <a16:creationId xmlns:a16="http://schemas.microsoft.com/office/drawing/2014/main" id="{FF92918F-36D7-7243-8504-C54FBE7E76AC}"/>
+              </a:ext>
+            </a:extLst>
+          </p:cNvPr>
+          <p:cNvSpPr>
+            <a:spLocks noGrp="1"/>
+          </p:cNvSpPr>
+          <p:nvPr>
+            <p:ph idx="1"/>
+          </p:nvPr>
+        </p:nvSpPr>
+        <p:spPr/>
+        <p:txBody>
+          <a:bodyPr/>
+          <a:lstStyle/>
+          <a:p>
+            <a:endParaRPr lang="en-US"/>
+          </a:p>
+        </p:txBody>
+      </p:sp>
+      <p:pic>
+        <p:nvPicPr>
+          <p:cNvPr id="4" name="Content Placeholder 4">
+            <a:extLst>
+              <a:ext uri="{FF2B5EF4-FFF2-40B4-BE49-F238E27FC236}">
+                <a16:creationId xmlns:a16="http://schemas.microsoft.com/office/drawing/2014/main" id="{EC20AB06-9D09-1D4F-826B-71425FC9B4C3}"/>
+              </a:ext>
+            </a:extLst>
+          </p:cNvPr>
+          <p:cNvPicPr>
+            <a:picLocks noChangeAspect="1"/>
+          </p:cNvPicPr>
+          <p:nvPr/>
+        </p:nvPicPr>
+        <p:blipFill>
+          <a:blip r:embed="rId2">
+            <a:extLst>
+              <a:ext uri="{96DAC541-7B7A-43D3-8B79-37D633B846F1}">
+                <asvg:svgBlip xmlns:asvg="http://schemas.microsoft.com/office/drawing/2016/SVG/main" r:embed="rId3"/>
+              </a:ext>
+            </a:extLst>
+          </a:blip>
+          <a:stretch>
+            <a:fillRect/>
+          </a:stretch>
+        </p:blipFill>
+        <p:spPr>
+          <a:xfrm>
+            <a:off x="838200" y="2024732"/>
+            <a:ext cx="4800600" cy="3644900"/>
+          </a:xfrm>
+          <a:prstGeom prst="rect">
+            <a:avLst/>
+          </a:prstGeom>
+        </p:spPr>
+      </p:pic>
+      <p:pic>
+        <p:nvPicPr>
+          <p:cNvPr id="5" name="Graphic 4">
+            <a:extLst>
+              <a:ext uri="{FF2B5EF4-FFF2-40B4-BE49-F238E27FC236}">
+                <a16:creationId xmlns:a16="http://schemas.microsoft.com/office/drawing/2014/main" id="{F07266C4-CAF6-5D4C-8E6E-242B714FF98E}"/>
+              </a:ext>
+            </a:extLst>
+          </p:cNvPr>
+          <p:cNvPicPr>
+            <a:picLocks noChangeAspect="1"/>
+          </p:cNvPicPr>
+          <p:nvPr/>
+        </p:nvPicPr>
+        <p:blipFill>
+          <a:blip r:embed="rId4">
+            <a:extLst>
+              <a:ext uri="{96DAC541-7B7A-43D3-8B79-37D633B846F1}">
+                <asvg:svgBlip xmlns:asvg="http://schemas.microsoft.com/office/drawing/2016/SVG/main" r:embed="rId5"/>
+              </a:ext>
+            </a:extLst>
+          </a:blip>
+          <a:stretch>
+            <a:fillRect/>
+          </a:stretch>
+        </p:blipFill>
+        <p:spPr>
+          <a:xfrm>
+            <a:off x="6243691" y="2024732"/>
+            <a:ext cx="4800600" cy="3644900"/>
+          </a:xfrm>
+          <a:prstGeom prst="rect">
+            <a:avLst/>
+          </a:prstGeom>
+        </p:spPr>
+      </p:pic>
+      <p:cxnSp>
+        <p:nvCxnSpPr>
+          <p:cNvPr id="9" name="Straight Connector 8">
+            <a:extLst>
+              <a:ext uri="{FF2B5EF4-FFF2-40B4-BE49-F238E27FC236}">
+                <a16:creationId xmlns:a16="http://schemas.microsoft.com/office/drawing/2014/main" id="{2D75FB2A-A45A-304C-B403-0AE6A9B31E70}"/>
+              </a:ext>
+            </a:extLst>
+          </p:cNvPr>
+          <p:cNvCxnSpPr>
+            <a:cxnSpLocks/>
+          </p:cNvCxnSpPr>
+          <p:nvPr/>
+        </p:nvCxnSpPr>
+        <p:spPr>
+          <a:xfrm flipV="1">
+            <a:off x="1129431" y="4709786"/>
+            <a:ext cx="1526087" cy="633457"/>
+          </a:xfrm>
+          <a:prstGeom prst="line">
+            <a:avLst/>
+          </a:prstGeom>
+          <a:ln w="22225">
+            <a:solidFill>
+              <a:srgbClr val="C00000"/>
+            </a:solidFill>
+          </a:ln>
+        </p:spPr>
+        <p:style>
+          <a:lnRef idx="1">
+            <a:schemeClr val="accent1"/>
+          </a:lnRef>
+          <a:fillRef idx="0">
+            <a:schemeClr val="accent1"/>
+          </a:fillRef>
+          <a:effectRef idx="0">
+            <a:schemeClr val="accent1"/>
+          </a:effectRef>
+          <a:fontRef idx="minor">
+            <a:schemeClr val="tx1"/>
+          </a:fontRef>
+        </p:style>
+      </p:cxnSp>
+      <p:cxnSp>
+        <p:nvCxnSpPr>
+          <p:cNvPr id="11" name="Straight Connector 10">
+            <a:extLst>
+              <a:ext uri="{FF2B5EF4-FFF2-40B4-BE49-F238E27FC236}">
+                <a16:creationId xmlns:a16="http://schemas.microsoft.com/office/drawing/2014/main" id="{9C94E913-6FF0-724D-9664-EA6EF68B45D3}"/>
+              </a:ext>
+            </a:extLst>
+          </p:cNvPr>
+          <p:cNvCxnSpPr>
+            <a:cxnSpLocks/>
+          </p:cNvCxnSpPr>
+          <p:nvPr/>
+        </p:nvCxnSpPr>
+        <p:spPr>
+          <a:xfrm flipV="1">
+            <a:off x="2655518" y="3549676"/>
+            <a:ext cx="1589749" cy="1160110"/>
+          </a:xfrm>
+          <a:prstGeom prst="line">
+            <a:avLst/>
+          </a:prstGeom>
+          <a:ln w="22225">
+            <a:solidFill>
+              <a:srgbClr val="C00000"/>
+            </a:solidFill>
+          </a:ln>
+        </p:spPr>
+        <p:style>
+          <a:lnRef idx="1">
+            <a:schemeClr val="accent1"/>
+          </a:lnRef>
+          <a:fillRef idx="0">
+            <a:schemeClr val="accent1"/>
+          </a:fillRef>
+          <a:effectRef idx="0">
+            <a:schemeClr val="accent1"/>
+          </a:effectRef>
+          <a:fontRef idx="minor">
+            <a:schemeClr val="tx1"/>
+          </a:fontRef>
+        </p:style>
+      </p:cxnSp>
+      <p:cxnSp>
+        <p:nvCxnSpPr>
+          <p:cNvPr id="12" name="Straight Connector 11">
+            <a:extLst>
+              <a:ext uri="{FF2B5EF4-FFF2-40B4-BE49-F238E27FC236}">
+                <a16:creationId xmlns:a16="http://schemas.microsoft.com/office/drawing/2014/main" id="{B1813A5C-4367-C943-92B4-C329EF04E05F}"/>
+              </a:ext>
+            </a:extLst>
+          </p:cNvPr>
+          <p:cNvCxnSpPr>
+            <a:cxnSpLocks/>
+          </p:cNvCxnSpPr>
+          <p:nvPr/>
+        </p:nvCxnSpPr>
+        <p:spPr>
+          <a:xfrm flipV="1">
+            <a:off x="4245267" y="2329841"/>
+            <a:ext cx="990612" cy="1219835"/>
+          </a:xfrm>
+          <a:prstGeom prst="line">
+            <a:avLst/>
+          </a:prstGeom>
+          <a:ln w="22225">
+            <a:solidFill>
+              <a:srgbClr val="C00000"/>
+            </a:solidFill>
+          </a:ln>
+        </p:spPr>
+        <p:style>
+          <a:lnRef idx="1">
+            <a:schemeClr val="accent1"/>
+          </a:lnRef>
+          <a:fillRef idx="0">
+            <a:schemeClr val="accent1"/>
+          </a:fillRef>
+          <a:effectRef idx="0">
+            <a:schemeClr val="accent1"/>
+          </a:effectRef>
+          <a:fontRef idx="minor">
+            <a:schemeClr val="tx1"/>
+          </a:fontRef>
+        </p:style>
+      </p:cxnSp>
+      <p:sp>
+        <p:nvSpPr>
+          <p:cNvPr id="15" name="Freeform 14">
+            <a:extLst>
+              <a:ext uri="{FF2B5EF4-FFF2-40B4-BE49-F238E27FC236}">
+                <a16:creationId xmlns:a16="http://schemas.microsoft.com/office/drawing/2014/main" id="{E3E9B221-CBB8-814B-AF62-CBF2C19C951D}"/>
+              </a:ext>
+            </a:extLst>
+          </p:cNvPr>
+          <p:cNvSpPr/>
+          <p:nvPr/>
+        </p:nvSpPr>
+        <p:spPr>
+          <a:xfrm>
+            <a:off x="6926893" y="3219189"/>
+            <a:ext cx="1579190" cy="2267211"/>
+          </a:xfrm>
+          <a:custGeom>
+            <a:avLst/>
+            <a:gdLst>
+              <a:gd name="connsiteX0" fmla="*/ 0 w 1579190"/>
+              <a:gd name="connsiteY0" fmla="*/ 0 h 2267211"/>
+              <a:gd name="connsiteX1" fmla="*/ 726510 w 1579190"/>
+              <a:gd name="connsiteY1" fmla="*/ 601249 h 2267211"/>
+              <a:gd name="connsiteX2" fmla="*/ 1327759 w 1579190"/>
+              <a:gd name="connsiteY2" fmla="*/ 926926 h 2267211"/>
+              <a:gd name="connsiteX3" fmla="*/ 1540702 w 1579190"/>
+              <a:gd name="connsiteY3" fmla="*/ 1478071 h 2267211"/>
+              <a:gd name="connsiteX4" fmla="*/ 1578280 w 1579190"/>
+              <a:gd name="connsiteY4" fmla="*/ 2267211 h 2267211"/>
+            </a:gdLst>
+            <a:ahLst/>
+            <a:cxnLst>
+              <a:cxn ang="0">
+                <a:pos x="connsiteX0" y="connsiteY0"/>
+              </a:cxn>
+              <a:cxn ang="0">
+                <a:pos x="connsiteX1" y="connsiteY1"/>
+              </a:cxn>
+              <a:cxn ang="0">
+                <a:pos x="connsiteX2" y="connsiteY2"/>
+              </a:cxn>
+              <a:cxn ang="0">
+                <a:pos x="connsiteX3" y="connsiteY3"/>
+              </a:cxn>
+              <a:cxn ang="0">
+                <a:pos x="connsiteX4" y="connsiteY4"/>
+              </a:cxn>
+            </a:cxnLst>
+            <a:rect l="l" t="t" r="r" b="b"/>
+            <a:pathLst>
+              <a:path w="1579190" h="2267211">
+                <a:moveTo>
+                  <a:pt x="0" y="0"/>
+                </a:moveTo>
+                <a:cubicBezTo>
+                  <a:pt x="252608" y="223380"/>
+                  <a:pt x="505217" y="446761"/>
+                  <a:pt x="726510" y="601249"/>
+                </a:cubicBezTo>
+                <a:cubicBezTo>
+                  <a:pt x="947803" y="755737"/>
+                  <a:pt x="1192060" y="780789"/>
+                  <a:pt x="1327759" y="926926"/>
+                </a:cubicBezTo>
+                <a:cubicBezTo>
+                  <a:pt x="1463458" y="1073063"/>
+                  <a:pt x="1498949" y="1254690"/>
+                  <a:pt x="1540702" y="1478071"/>
+                </a:cubicBezTo>
+                <a:cubicBezTo>
+                  <a:pt x="1582455" y="1701452"/>
+                  <a:pt x="1580367" y="1984331"/>
+                  <a:pt x="1578280" y="2267211"/>
+                </a:cubicBezTo>
+              </a:path>
+            </a:pathLst>
+          </a:custGeom>
+          <a:noFill/>
+        </p:spPr>
+        <p:style>
+          <a:lnRef idx="2">
+            <a:schemeClr val="accent1">
+              <a:shade val="50000"/>
+            </a:schemeClr>
+          </a:lnRef>
+          <a:fillRef idx="1">
+            <a:schemeClr val="accent1"/>
+          </a:fillRef>
+          <a:effectRef idx="0">
+            <a:schemeClr val="accent1"/>
+          </a:effectRef>
+          <a:fontRef idx="minor">
+            <a:schemeClr val="lt1"/>
+          </a:fontRef>
+        </p:style>
+        <p:txBody>
+          <a:bodyPr rtlCol="0" anchor="ctr"/>
+          <a:lstStyle/>
+          <a:p>
+            <a:pPr algn="ctr"/>
+            <a:endParaRPr lang="en-US"/>
+          </a:p>
+        </p:txBody>
+      </p:sp>
+    </p:spTree>
+    <p:extLst>
+      <p:ext uri="{BB962C8B-B14F-4D97-AF65-F5344CB8AC3E}">
+        <p14:creationId xmlns:p14="http://schemas.microsoft.com/office/powerpoint/2010/main" val="3320491347"/>
+      </p:ext>
+    </p:extLst>
+  </p:cSld>
+  <p:clrMapOvr>
+    <a:masterClrMapping/>
+  </p:clrMapOvr>
+  <p:timing>
+    <p:tnLst>
+      <p:par>
+        <p:cTn id="1" dur="indefinite" restart="never" nodeType="tmRoot">
+          <p:childTnLst>
+            <p:seq concurrent="1" nextAc="seek">
+              <p:cTn id="2" dur="indefinite" nodeType="mainSeq">
+                <p:childTnLst>
+                  <p:par>
+                    <p:cTn id="3" fill="hold">
+                      <p:stCondLst>
+                        <p:cond delay="indefinite"/>
+                      </p:stCondLst>
+                      <p:childTnLst>
+                        <p:par>
+                          <p:cTn id="4" fill="hold">
+                            <p:stCondLst>
+                              <p:cond delay="0"/>
+                            </p:stCondLst>
+                            <p:childTnLst>
+                              <p:par>
+                                <p:cTn id="5" presetID="1" presetClass="entr" presetSubtype="0" fill="hold" nodeType="clickEffect">
+                                  <p:stCondLst>
+                                    <p:cond delay="0"/>
+                                  </p:stCondLst>
+                                  <p:childTnLst>
+                                    <p:set>
+                                      <p:cBhvr>
+                                        <p:cTn id="6" dur="1" fill="hold">
+                                          <p:stCondLst>
+                                            <p:cond delay="0"/>
+                                          </p:stCondLst>
+                                        </p:cTn>
+                                        <p:tgtEl>
+                                          <p:spTgt spid="9"/>
+                                        </p:tgtEl>
+                                        <p:attrNameLst>
+                                          <p:attrName>style.visibility</p:attrName>
+                                        </p:attrNameLst>
+                                      </p:cBhvr>
+                                      <p:to>
+                                        <p:strVal val="visible"/>
+                                      </p:to>
+                                    </p:set>
+                                  </p:childTnLst>
+                                </p:cTn>
+                              </p:par>
+                            </p:childTnLst>
+                          </p:cTn>
+                        </p:par>
+                      </p:childTnLst>
+                    </p:cTn>
+                  </p:par>
+                  <p:par>
+                    <p:cTn id="7" fill="hold">
+                      <p:stCondLst>
+                        <p:cond delay="indefinite"/>
+                      </p:stCondLst>
+                      <p:childTnLst>
+                        <p:par>
+                          <p:cTn id="8" fill="hold">
+                            <p:stCondLst>
+                              <p:cond delay="0"/>
+                            </p:stCondLst>
+                            <p:childTnLst>
+                              <p:par>
+                                <p:cTn id="9" presetID="1" presetClass="entr" presetSubtype="0" fill="hold" nodeType="clickEffect">
+                                  <p:stCondLst>
+                                    <p:cond delay="0"/>
+                                  </p:stCondLst>
+                                  <p:childTnLst>
+                                    <p:set>
+                                      <p:cBhvr>
+                                        <p:cTn id="10" dur="1" fill="hold">
+                                          <p:stCondLst>
+                                            <p:cond delay="0"/>
+                                          </p:stCondLst>
+                                        </p:cTn>
+                                        <p:tgtEl>
+                                          <p:spTgt spid="11"/>
+                                        </p:tgtEl>
+                                        <p:attrNameLst>
+                                          <p:attrName>style.visibility</p:attrName>
+                                        </p:attrNameLst>
+                                      </p:cBhvr>
+                                      <p:to>
+                                        <p:strVal val="visible"/>
+                                      </p:to>
+                                    </p:set>
+                                  </p:childTnLst>
+                                </p:cTn>
+                              </p:par>
+                            </p:childTnLst>
+                          </p:cTn>
+                        </p:par>
+                      </p:childTnLst>
+                    </p:cTn>
+                  </p:par>
+                  <p:par>
+                    <p:cTn id="11" fill="hold">
+                      <p:stCondLst>
+                        <p:cond delay="indefinite"/>
+                      </p:stCondLst>
+                      <p:childTnLst>
+                        <p:par>
+                          <p:cTn id="12" fill="hold">
+                            <p:stCondLst>
+                              <p:cond delay="0"/>
+                            </p:stCondLst>
+                            <p:childTnLst>
+                              <p:par>
+                                <p:cTn id="13" presetID="1" presetClass="entr" presetSubtype="0" fill="hold" nodeType="clickEffect">
+                                  <p:stCondLst>
+                                    <p:cond delay="0"/>
+                                  </p:stCondLst>
+                                  <p:childTnLst>
+                                    <p:set>
+                                      <p:cBhvr>
+                                        <p:cTn id="14" dur="1" fill="hold">
+                                          <p:stCondLst>
+                                            <p:cond delay="0"/>
+                                          </p:stCondLst>
+                                        </p:cTn>
+                                        <p:tgtEl>
+                                          <p:spTgt spid="12"/>
+                                        </p:tgtEl>
+                                        <p:attrNameLst>
+                                          <p:attrName>style.visibility</p:attrName>
+                                        </p:attrNameLst>
+                                      </p:cBhvr>
+                                      <p:to>
+                                        <p:strVal val="visible"/>
+                                      </p:to>
+                                    </p:set>
+                                  </p:childTnLst>
+                                </p:cTn>
+                              </p:par>
+                            </p:childTnLst>
+                          </p:cTn>
+                        </p:par>
+                      </p:childTnLst>
+                    </p:cTn>
+                  </p:par>
+                </p:childTnLst>
+              </p:cTn>
+              <p:prevCondLst>
+                <p:cond evt="onPrev" delay="0">
+                  <p:tgtEl>
+                    <p:sldTgt/>
+                  </p:tgtEl>
+                </p:cond>
+              </p:prevCondLst>
+              <p:nextCondLst>
+                <p:cond evt="onNext" delay="0">
+                  <p:tgtEl>
+                    <p:sldTgt/>
+                  </p:tgtEl>
+                </p:cond>
+              </p:nextCondLst>
+            </p:seq>
+          </p:childTnLst>
+        </p:cTn>
+      </p:par>
+    </p:tnLst>
+  </p:timing>
+</p:sld>
+</file>
+
+<file path=ppt/slides/slide6.xml><?xml version="1.0" encoding="utf-8"?>
+<p:sld xmlns:a="http://schemas.openxmlformats.org/drawingml/2006/main" xmlns:r="http://schemas.openxmlformats.org/officeDocument/2006/relationships" xmlns:p="http://schemas.openxmlformats.org/presentationml/2006/main">
+  <p:cSld>
+    <p:spTree>
+      <p:nvGrpSpPr>
+        <p:cNvPr id="1" name=""/>
+        <p:cNvGrpSpPr/>
+        <p:nvPr/>
+      </p:nvGrpSpPr>
+      <p:grpSpPr>
+        <a:xfrm>
+          <a:off x="0" y="0"/>
+          <a:ext cx="0" cy="0"/>
+          <a:chOff x="0" y="0"/>
+          <a:chExt cx="0" cy="0"/>
+        </a:xfrm>
+      </p:grpSpPr>
+      <p:sp>
+        <p:nvSpPr>
+          <p:cNvPr id="2" name="Title 1">
+            <a:extLst>
+              <a:ext uri="{FF2B5EF4-FFF2-40B4-BE49-F238E27FC236}">
+                <a16:creationId xmlns:a16="http://schemas.microsoft.com/office/drawing/2014/main" id="{222D992D-0BEB-B645-A684-31C4B21AE82A}"/>
+              </a:ext>
+            </a:extLst>
+          </p:cNvPr>
+          <p:cNvSpPr>
+            <a:spLocks noGrp="1"/>
+          </p:cNvSpPr>
+          <p:nvPr>
+            <p:ph type="title"/>
+          </p:nvPr>
+        </p:nvSpPr>
+        <p:spPr/>
+        <p:txBody>
+          <a:bodyPr/>
+          <a:lstStyle/>
+          <a:p>
+            <a:r>
+              <a:rPr lang="en-US" dirty="0"/>
+              <a:t>Visualizing the key elements</a:t>
+            </a:r>
+          </a:p>
+        </p:txBody>
+      </p:sp>
+      <p:sp>
+        <p:nvSpPr>
+          <p:cNvPr id="3" name="Text Placeholder 2">
+            <a:extLst>
+              <a:ext uri="{FF2B5EF4-FFF2-40B4-BE49-F238E27FC236}">
+                <a16:creationId xmlns:a16="http://schemas.microsoft.com/office/drawing/2014/main" id="{8B9241F4-6B21-764C-BDD5-4B27BB42919A}"/>
+              </a:ext>
+            </a:extLst>
+          </p:cNvPr>
+          <p:cNvSpPr>
+            <a:spLocks noGrp="1"/>
+          </p:cNvSpPr>
+          <p:nvPr>
+            <p:ph type="body" idx="1"/>
+          </p:nvPr>
+        </p:nvSpPr>
+        <p:spPr/>
+        <p:txBody>
+          <a:bodyPr/>
+          <a:lstStyle/>
+          <a:p>
+            <a:endParaRPr lang="en-US"/>
+          </a:p>
+        </p:txBody>
+      </p:sp>
+    </p:spTree>
+    <p:extLst>
+      <p:ext uri="{BB962C8B-B14F-4D97-AF65-F5344CB8AC3E}">
+        <p14:creationId xmlns:p14="http://schemas.microsoft.com/office/powerpoint/2010/main" val="2003439136"/>
+      </p:ext>
+    </p:extLst>
+  </p:cSld>
+  <p:clrMapOvr>
+    <a:masterClrMapping/>
+  </p:clrMapOvr>
+</p:sld>
+</file>
+
+<file path=ppt/slides/slide7.xml><?xml version="1.0" encoding="utf-8"?>
+<p:sld xmlns:a="http://schemas.openxmlformats.org/drawingml/2006/main" xmlns:r="http://schemas.openxmlformats.org/officeDocument/2006/relationships" xmlns:p="http://schemas.openxmlformats.org/presentationml/2006/main">
+  <p:cSld>
+    <p:spTree>
+      <p:nvGrpSpPr>
+        <p:cNvPr id="1" name=""/>
+        <p:cNvGrpSpPr/>
+        <p:nvPr/>
+      </p:nvGrpSpPr>
+      <p:grpSpPr>
+        <a:xfrm>
+          <a:off x="0" y="0"/>
+          <a:ext cx="0" cy="0"/>
+          <a:chOff x="0" y="0"/>
+          <a:chExt cx="0" cy="0"/>
+        </a:xfrm>
+      </p:grpSpPr>
+      <p:sp>
+        <p:nvSpPr>
+          <p:cNvPr id="2" name="Title 1">
+            <a:extLst>
+              <a:ext uri="{FF2B5EF4-FFF2-40B4-BE49-F238E27FC236}">
+                <a16:creationId xmlns:a16="http://schemas.microsoft.com/office/drawing/2014/main" id="{46490CDA-0C60-104E-8F46-1AF6F41B1782}"/>
+              </a:ext>
+            </a:extLst>
+          </p:cNvPr>
+          <p:cNvSpPr>
+            <a:spLocks noGrp="1"/>
+          </p:cNvSpPr>
+          <p:nvPr>
+            <p:ph type="title"/>
+          </p:nvPr>
+        </p:nvSpPr>
+        <p:spPr/>
+        <p:txBody>
+          <a:bodyPr/>
+          <a:lstStyle/>
+          <a:p>
+            <a:r>
+              <a:rPr lang="en-US" dirty="0"/>
+              <a:t>How to lead a fulfilling life by being dissatisfied</a:t>
+            </a:r>
+          </a:p>
+        </p:txBody>
+      </p:sp>
+      <p:sp>
+        <p:nvSpPr>
+          <p:cNvPr id="3" name="Text Placeholder 2">
+            <a:extLst>
+              <a:ext uri="{FF2B5EF4-FFF2-40B4-BE49-F238E27FC236}">
+                <a16:creationId xmlns:a16="http://schemas.microsoft.com/office/drawing/2014/main" id="{7EE3660A-4739-A141-9F76-1D37F3007AF4}"/>
+              </a:ext>
+            </a:extLst>
+          </p:cNvPr>
+          <p:cNvSpPr>
+            <a:spLocks noGrp="1"/>
+          </p:cNvSpPr>
+          <p:nvPr>
+            <p:ph type="body" idx="1"/>
+          </p:nvPr>
+        </p:nvSpPr>
+        <p:spPr/>
+        <p:txBody>
+          <a:bodyPr/>
+          <a:lstStyle/>
+          <a:p>
+            <a:endParaRPr lang="en-US" dirty="0"/>
+          </a:p>
+        </p:txBody>
+      </p:sp>
+    </p:spTree>
+    <p:extLst>
+      <p:ext uri="{BB962C8B-B14F-4D97-AF65-F5344CB8AC3E}">
+        <p14:creationId xmlns:p14="http://schemas.microsoft.com/office/powerpoint/2010/main" val="2622688664"/>
+      </p:ext>
+    </p:extLst>
+  </p:cSld>
+  <p:clrMapOvr>
+    <a:masterClrMapping/>
+  </p:clrMapOvr>
+</p:sld>
+</file>
+
+<file path=ppt/slides/slide8.xml><?xml version="1.0" encoding="utf-8"?>
+<p:sld xmlns:a="http://schemas.openxmlformats.org/drawingml/2006/main" xmlns:r="http://schemas.openxmlformats.org/officeDocument/2006/relationships" xmlns:p="http://schemas.openxmlformats.org/presentationml/2006/main">
+  <p:cSld>
+    <p:spTree>
+      <p:nvGrpSpPr>
+        <p:cNvPr id="1" name=""/>
+        <p:cNvGrpSpPr/>
+        <p:nvPr/>
+      </p:nvGrpSpPr>
+      <p:grpSpPr>
+        <a:xfrm>
+          <a:off x="0" y="0"/>
+          <a:ext cx="0" cy="0"/>
+          <a:chOff x="0" y="0"/>
+          <a:chExt cx="0" cy="0"/>
+        </a:xfrm>
+      </p:grpSpPr>
+      <p:sp>
+        <p:nvSpPr>
+          <p:cNvPr id="2" name="Title 1">
+            <a:extLst>
+              <a:ext uri="{FF2B5EF4-FFF2-40B4-BE49-F238E27FC236}">
+                <a16:creationId xmlns:a16="http://schemas.microsoft.com/office/drawing/2014/main" id="{61162354-30E5-0446-BECA-83AF4A3FCC7E}"/>
+              </a:ext>
+            </a:extLst>
+          </p:cNvPr>
+          <p:cNvSpPr>
+            <a:spLocks noGrp="1"/>
+          </p:cNvSpPr>
+          <p:nvPr>
+            <p:ph type="title"/>
+          </p:nvPr>
+        </p:nvSpPr>
+        <p:spPr/>
+        <p:txBody>
+          <a:bodyPr>
+            <a:normAutofit/>
+          </a:bodyPr>
+          <a:lstStyle/>
+          <a:p>
+            <a:r>
+              <a:rPr lang="en-US" sz="4000" dirty="0"/>
+              <a:t>“The reasonable [wo]man adapts [</a:t>
+            </a:r>
+            <a:r>
+              <a:rPr lang="en-US" sz="4000" dirty="0" err="1"/>
+              <a:t>her|him</a:t>
+            </a:r>
+            <a:r>
+              <a:rPr lang="en-US" sz="4000" dirty="0"/>
+              <a:t>]self to the world: the unreasonable one persists in trying to adapt the world to [</a:t>
+            </a:r>
+            <a:r>
+              <a:rPr lang="en-US" sz="4000" dirty="0" err="1"/>
+              <a:t>her|him</a:t>
+            </a:r>
+            <a:r>
+              <a:rPr lang="en-US" sz="4000" dirty="0"/>
+              <a:t>]self. Therefore all progress depends on the unreasonable [wo]man.”</a:t>
+            </a:r>
+          </a:p>
+        </p:txBody>
+      </p:sp>
+      <p:sp>
+        <p:nvSpPr>
+          <p:cNvPr id="3" name="Text Placeholder 2">
+            <a:extLst>
+              <a:ext uri="{FF2B5EF4-FFF2-40B4-BE49-F238E27FC236}">
+                <a16:creationId xmlns:a16="http://schemas.microsoft.com/office/drawing/2014/main" id="{CF7EA135-BF18-F741-82F8-3580BFA36660}"/>
+              </a:ext>
+            </a:extLst>
+          </p:cNvPr>
+          <p:cNvSpPr>
+            <a:spLocks noGrp="1"/>
+          </p:cNvSpPr>
+          <p:nvPr>
+            <p:ph type="body" idx="1"/>
+          </p:nvPr>
+        </p:nvSpPr>
+        <p:spPr/>
+        <p:txBody>
+          <a:bodyPr>
+            <a:normAutofit/>
+          </a:bodyPr>
+          <a:lstStyle/>
+          <a:p>
+            <a:r>
+              <a:rPr lang="en-US" sz="2800" dirty="0"/>
+              <a:t>― George Bernard Shaw</a:t>
+            </a:r>
+          </a:p>
+        </p:txBody>
+      </p:sp>
+    </p:spTree>
+    <p:extLst>
+      <p:ext uri="{BB962C8B-B14F-4D97-AF65-F5344CB8AC3E}">
+        <p14:creationId xmlns:p14="http://schemas.microsoft.com/office/powerpoint/2010/main" val="3247780600"/>
+      </p:ext>
+    </p:extLst>
+  </p:cSld>
+  <p:clrMapOvr>
+    <a:masterClrMapping/>
+  </p:clrMapOvr>
+</p:sld>
+</file>
+
+<file path=ppt/slides/slide9.xml><?xml version="1.0" encoding="utf-8"?>
+<p:sld xmlns:a="http://schemas.openxmlformats.org/drawingml/2006/main" xmlns:r="http://schemas.openxmlformats.org/officeDocument/2006/relationships" xmlns:p="http://schemas.openxmlformats.org/presentationml/2006/main">
+  <p:cSld>
+    <p:spTree>
+      <p:nvGrpSpPr>
+        <p:cNvPr id="1" name=""/>
+        <p:cNvGrpSpPr/>
+        <p:nvPr/>
+      </p:nvGrpSpPr>
+      <p:grpSpPr>
+        <a:xfrm>
+          <a:off x="0" y="0"/>
+          <a:ext cx="0" cy="0"/>
+          <a:chOff x="0" y="0"/>
+          <a:chExt cx="0" cy="0"/>
+        </a:xfrm>
+      </p:grpSpPr>
+      <p:sp>
+        <p:nvSpPr>
+          <p:cNvPr id="2" name="Title 1">
+            <a:extLst>
+              <a:ext uri="{FF2B5EF4-FFF2-40B4-BE49-F238E27FC236}">
+                <a16:creationId xmlns:a16="http://schemas.microsoft.com/office/drawing/2014/main" id="{65017265-5029-E744-86FA-8B4811D03D54}"/>
+              </a:ext>
+            </a:extLst>
+          </p:cNvPr>
+          <p:cNvSpPr>
+            <a:spLocks noGrp="1"/>
+          </p:cNvSpPr>
+          <p:nvPr>
+            <p:ph type="title"/>
+          </p:nvPr>
+        </p:nvSpPr>
+        <p:spPr/>
+        <p:txBody>
+          <a:bodyPr/>
+          <a:lstStyle/>
+          <a:p>
+            <a:r>
+              <a:rPr lang="en-US" dirty="0"/>
+              <a:t>Be unreasonably dissatisfied</a:t>
+            </a:r>
+          </a:p>
+        </p:txBody>
+      </p:sp>
+      <p:sp>
+        <p:nvSpPr>
+          <p:cNvPr id="3" name="Content Placeholder 2">
+            <a:extLst>
+              <a:ext uri="{FF2B5EF4-FFF2-40B4-BE49-F238E27FC236}">
+                <a16:creationId xmlns:a16="http://schemas.microsoft.com/office/drawing/2014/main" id="{32A3EAE0-056C-C147-8C97-2D852716EFB7}"/>
+              </a:ext>
+            </a:extLst>
+          </p:cNvPr>
+          <p:cNvSpPr>
+            <a:spLocks noGrp="1"/>
+          </p:cNvSpPr>
+          <p:nvPr>
+            <p:ph idx="1"/>
+          </p:nvPr>
+        </p:nvSpPr>
+        <p:spPr/>
+        <p:txBody>
+          <a:bodyPr/>
+          <a:lstStyle/>
+          <a:p>
+            <a:r>
+              <a:rPr lang="en-US" dirty="0"/>
+              <a:t>Be offended by bad software or unsatisfying experiences</a:t>
+            </a:r>
+          </a:p>
+          <a:p>
+            <a:r>
+              <a:rPr lang="en-US" dirty="0"/>
+              <a:t>Crave beauty</a:t>
+            </a:r>
+          </a:p>
+          <a:p>
+            <a:r>
+              <a:rPr lang="en-US" dirty="0"/>
+              <a:t>Make the world a better place for others</a:t>
+            </a:r>
+          </a:p>
+          <a:p>
+            <a:r>
+              <a:rPr lang="en-US" dirty="0"/>
+              <a:t>Obsess about the details (pick colors, outline of </a:t>
+            </a:r>
+            <a:r>
+              <a:rPr lang="en-US" dirty="0" err="1"/>
+              <a:t>planes,boxes</a:t>
+            </a:r>
+            <a:r>
+              <a:rPr lang="en-US" dirty="0"/>
+              <a:t>)</a:t>
+            </a:r>
+          </a:p>
+          <a:p>
+            <a:r>
+              <a:rPr lang="en-US" dirty="0"/>
+              <a:t>Cost: high on you and those in “blast radius”, but awesome for everyone else</a:t>
+            </a:r>
+          </a:p>
+        </p:txBody>
+      </p:sp>
+    </p:spTree>
+    <p:extLst>
+      <p:ext uri="{BB962C8B-B14F-4D97-AF65-F5344CB8AC3E}">
+        <p14:creationId xmlns:p14="http://schemas.microsoft.com/office/powerpoint/2010/main" val="1731428235"/>
       </p:ext>
     </p:extLst>
   </p:cSld>

--- a/talk/dtreeviz.pptx
+++ b/talk/dtreeviz.pptx
@@ -118,6 +118,14 @@
       </a:defRPr>
     </a:lvl9pPr>
   </p:defaultTextStyle>
+  <p:extLst>
+    <p:ext uri="{EFAFB233-063F-42B5-8137-9DF3F51BA10A}">
+      <p15:sldGuideLst xmlns:p15="http://schemas.microsoft.com/office/powerpoint/2012/main"/>
+    </p:ext>
+    <p:ext uri="{2D200454-40CA-4A62-9FC3-DE9A4176ACB9}">
+      <p15:notesGuideLst xmlns:p15="http://schemas.microsoft.com/office/powerpoint/2012/main"/>
+    </p:ext>
+  </p:extLst>
 </p:presentation>
 </file>
 
@@ -522,7 +530,7 @@
           <p:cNvPr id="2" name="Title 1">
             <a:extLst>
               <a:ext uri="{FF2B5EF4-FFF2-40B4-BE49-F238E27FC236}">
-                <a16:creationId xmlns:a16="http://schemas.microsoft.com/office/drawing/2014/main" id="{7F52FB7A-F12B-CD4D-8559-650F4868E982}"/>
+                <a16:creationId xmlns:a16="http://schemas.microsoft.com/office/drawing/2014/main" xmlns="" id="{7F52FB7A-F12B-CD4D-8559-650F4868E982}"/>
               </a:ext>
             </a:extLst>
           </p:cNvPr>
@@ -559,7 +567,7 @@
           <p:cNvPr id="3" name="Subtitle 2">
             <a:extLst>
               <a:ext uri="{FF2B5EF4-FFF2-40B4-BE49-F238E27FC236}">
-                <a16:creationId xmlns:a16="http://schemas.microsoft.com/office/drawing/2014/main" id="{688CBB88-B56E-EA42-A61B-D3AB7F012C62}"/>
+                <a16:creationId xmlns:a16="http://schemas.microsoft.com/office/drawing/2014/main" xmlns="" id="{688CBB88-B56E-EA42-A61B-D3AB7F012C62}"/>
               </a:ext>
             </a:extLst>
           </p:cNvPr>
@@ -629,7 +637,7 @@
           <p:cNvPr id="4" name="Date Placeholder 3">
             <a:extLst>
               <a:ext uri="{FF2B5EF4-FFF2-40B4-BE49-F238E27FC236}">
-                <a16:creationId xmlns:a16="http://schemas.microsoft.com/office/drawing/2014/main" id="{D39696A1-F8B2-954E-A5DA-2331840D05E7}"/>
+                <a16:creationId xmlns:a16="http://schemas.microsoft.com/office/drawing/2014/main" xmlns="" id="{D39696A1-F8B2-954E-A5DA-2331840D05E7}"/>
               </a:ext>
             </a:extLst>
           </p:cNvPr>
@@ -658,7 +666,7 @@
           <p:cNvPr id="9" name="Picture 8">
             <a:extLst>
               <a:ext uri="{FF2B5EF4-FFF2-40B4-BE49-F238E27FC236}">
-                <a16:creationId xmlns:a16="http://schemas.microsoft.com/office/drawing/2014/main" id="{D37D1E7E-83ED-BD4B-A5AF-D8AC09D68B82}"/>
+                <a16:creationId xmlns:a16="http://schemas.microsoft.com/office/drawing/2014/main" xmlns="" id="{D37D1E7E-83ED-BD4B-A5AF-D8AC09D68B82}"/>
               </a:ext>
             </a:extLst>
           </p:cNvPr>
@@ -688,7 +696,7 @@
           <p:cNvPr id="5" name="Footer Placeholder 4">
             <a:extLst>
               <a:ext uri="{FF2B5EF4-FFF2-40B4-BE49-F238E27FC236}">
-                <a16:creationId xmlns:a16="http://schemas.microsoft.com/office/drawing/2014/main" id="{09C0CB5C-B84A-514A-A5A0-C5AC9E73E00D}"/>
+                <a16:creationId xmlns:a16="http://schemas.microsoft.com/office/drawing/2014/main" xmlns="" id="{09C0CB5C-B84A-514A-A5A0-C5AC9E73E00D}"/>
               </a:ext>
             </a:extLst>
           </p:cNvPr>
@@ -713,7 +721,7 @@
           <p:cNvPr id="6" name="Slide Number Placeholder 5">
             <a:extLst>
               <a:ext uri="{FF2B5EF4-FFF2-40B4-BE49-F238E27FC236}">
-                <a16:creationId xmlns:a16="http://schemas.microsoft.com/office/drawing/2014/main" id="{DE574622-2C96-C042-83BF-1A726042196F}"/>
+                <a16:creationId xmlns:a16="http://schemas.microsoft.com/office/drawing/2014/main" xmlns="" id="{DE574622-2C96-C042-83BF-1A726042196F}"/>
               </a:ext>
             </a:extLst>
           </p:cNvPr>
@@ -772,7 +780,7 @@
           <p:cNvPr id="2" name="Title 1">
             <a:extLst>
               <a:ext uri="{FF2B5EF4-FFF2-40B4-BE49-F238E27FC236}">
-                <a16:creationId xmlns:a16="http://schemas.microsoft.com/office/drawing/2014/main" id="{54AD0108-3981-1549-A4CB-4D0FE6FDB89F}"/>
+                <a16:creationId xmlns:a16="http://schemas.microsoft.com/office/drawing/2014/main" xmlns="" id="{54AD0108-3981-1549-A4CB-4D0FE6FDB89F}"/>
               </a:ext>
             </a:extLst>
           </p:cNvPr>
@@ -800,7 +808,7 @@
           <p:cNvPr id="3" name="Vertical Text Placeholder 2">
             <a:extLst>
               <a:ext uri="{FF2B5EF4-FFF2-40B4-BE49-F238E27FC236}">
-                <a16:creationId xmlns:a16="http://schemas.microsoft.com/office/drawing/2014/main" id="{8BE5A093-2AD2-9349-B50A-B7B88209B5BA}"/>
+                <a16:creationId xmlns:a16="http://schemas.microsoft.com/office/drawing/2014/main" xmlns="" id="{8BE5A093-2AD2-9349-B50A-B7B88209B5BA}"/>
               </a:ext>
             </a:extLst>
           </p:cNvPr>
@@ -857,7 +865,7 @@
           <p:cNvPr id="4" name="Date Placeholder 3">
             <a:extLst>
               <a:ext uri="{FF2B5EF4-FFF2-40B4-BE49-F238E27FC236}">
-                <a16:creationId xmlns:a16="http://schemas.microsoft.com/office/drawing/2014/main" id="{0AF4A06B-5DBB-424F-86C1-EE1F0C6A2ABE}"/>
+                <a16:creationId xmlns:a16="http://schemas.microsoft.com/office/drawing/2014/main" xmlns="" id="{0AF4A06B-5DBB-424F-86C1-EE1F0C6A2ABE}"/>
               </a:ext>
             </a:extLst>
           </p:cNvPr>
@@ -886,7 +894,7 @@
           <p:cNvPr id="5" name="Footer Placeholder 4">
             <a:extLst>
               <a:ext uri="{FF2B5EF4-FFF2-40B4-BE49-F238E27FC236}">
-                <a16:creationId xmlns:a16="http://schemas.microsoft.com/office/drawing/2014/main" id="{9613209C-1F52-C646-8EE1-58E8EB857566}"/>
+                <a16:creationId xmlns:a16="http://schemas.microsoft.com/office/drawing/2014/main" xmlns="" id="{9613209C-1F52-C646-8EE1-58E8EB857566}"/>
               </a:ext>
             </a:extLst>
           </p:cNvPr>
@@ -911,7 +919,7 @@
           <p:cNvPr id="6" name="Slide Number Placeholder 5">
             <a:extLst>
               <a:ext uri="{FF2B5EF4-FFF2-40B4-BE49-F238E27FC236}">
-                <a16:creationId xmlns:a16="http://schemas.microsoft.com/office/drawing/2014/main" id="{FE82EF7B-DC76-6F4E-8772-BDFDBF4B2998}"/>
+                <a16:creationId xmlns:a16="http://schemas.microsoft.com/office/drawing/2014/main" xmlns="" id="{FE82EF7B-DC76-6F4E-8772-BDFDBF4B2998}"/>
               </a:ext>
             </a:extLst>
           </p:cNvPr>
@@ -970,7 +978,7 @@
           <p:cNvPr id="2" name="Vertical Title 1">
             <a:extLst>
               <a:ext uri="{FF2B5EF4-FFF2-40B4-BE49-F238E27FC236}">
-                <a16:creationId xmlns:a16="http://schemas.microsoft.com/office/drawing/2014/main" id="{840C42BC-E1BF-794A-BEEC-437117636224}"/>
+                <a16:creationId xmlns:a16="http://schemas.microsoft.com/office/drawing/2014/main" xmlns="" id="{840C42BC-E1BF-794A-BEEC-437117636224}"/>
               </a:ext>
             </a:extLst>
           </p:cNvPr>
@@ -1003,7 +1011,7 @@
           <p:cNvPr id="3" name="Vertical Text Placeholder 2">
             <a:extLst>
               <a:ext uri="{FF2B5EF4-FFF2-40B4-BE49-F238E27FC236}">
-                <a16:creationId xmlns:a16="http://schemas.microsoft.com/office/drawing/2014/main" id="{64FC45AD-B77B-694D-92CA-D4FA914DE835}"/>
+                <a16:creationId xmlns:a16="http://schemas.microsoft.com/office/drawing/2014/main" xmlns="" id="{64FC45AD-B77B-694D-92CA-D4FA914DE835}"/>
               </a:ext>
             </a:extLst>
           </p:cNvPr>
@@ -1065,7 +1073,7 @@
           <p:cNvPr id="4" name="Date Placeholder 3">
             <a:extLst>
               <a:ext uri="{FF2B5EF4-FFF2-40B4-BE49-F238E27FC236}">
-                <a16:creationId xmlns:a16="http://schemas.microsoft.com/office/drawing/2014/main" id="{B58149C7-B7AF-EE43-98CF-1D7CBDC4C51C}"/>
+                <a16:creationId xmlns:a16="http://schemas.microsoft.com/office/drawing/2014/main" xmlns="" id="{B58149C7-B7AF-EE43-98CF-1D7CBDC4C51C}"/>
               </a:ext>
             </a:extLst>
           </p:cNvPr>
@@ -1094,7 +1102,7 @@
           <p:cNvPr id="5" name="Footer Placeholder 4">
             <a:extLst>
               <a:ext uri="{FF2B5EF4-FFF2-40B4-BE49-F238E27FC236}">
-                <a16:creationId xmlns:a16="http://schemas.microsoft.com/office/drawing/2014/main" id="{8AE26FA7-F97E-754E-B4CA-D37F6E57F82F}"/>
+                <a16:creationId xmlns:a16="http://schemas.microsoft.com/office/drawing/2014/main" xmlns="" id="{8AE26FA7-F97E-754E-B4CA-D37F6E57F82F}"/>
               </a:ext>
             </a:extLst>
           </p:cNvPr>
@@ -1119,7 +1127,7 @@
           <p:cNvPr id="6" name="Slide Number Placeholder 5">
             <a:extLst>
               <a:ext uri="{FF2B5EF4-FFF2-40B4-BE49-F238E27FC236}">
-                <a16:creationId xmlns:a16="http://schemas.microsoft.com/office/drawing/2014/main" id="{B97E1139-0060-E346-9F3F-28F3A5272DF9}"/>
+                <a16:creationId xmlns:a16="http://schemas.microsoft.com/office/drawing/2014/main" xmlns="" id="{B97E1139-0060-E346-9F3F-28F3A5272DF9}"/>
               </a:ext>
             </a:extLst>
           </p:cNvPr>
@@ -1178,7 +1186,7 @@
           <p:cNvPr id="2" name="Title 1">
             <a:extLst>
               <a:ext uri="{FF2B5EF4-FFF2-40B4-BE49-F238E27FC236}">
-                <a16:creationId xmlns:a16="http://schemas.microsoft.com/office/drawing/2014/main" id="{DE8803A6-7D46-8F41-8AFA-F2DCEB5BCD6E}"/>
+                <a16:creationId xmlns:a16="http://schemas.microsoft.com/office/drawing/2014/main" xmlns="" id="{DE8803A6-7D46-8F41-8AFA-F2DCEB5BCD6E}"/>
               </a:ext>
             </a:extLst>
           </p:cNvPr>
@@ -1206,7 +1214,7 @@
           <p:cNvPr id="3" name="Content Placeholder 2">
             <a:extLst>
               <a:ext uri="{FF2B5EF4-FFF2-40B4-BE49-F238E27FC236}">
-                <a16:creationId xmlns:a16="http://schemas.microsoft.com/office/drawing/2014/main" id="{66CB9CE8-C78D-C445-BCD6-A816A89CE00B}"/>
+                <a16:creationId xmlns:a16="http://schemas.microsoft.com/office/drawing/2014/main" xmlns="" id="{66CB9CE8-C78D-C445-BCD6-A816A89CE00B}"/>
               </a:ext>
             </a:extLst>
           </p:cNvPr>
@@ -1263,7 +1271,7 @@
           <p:cNvPr id="4" name="Date Placeholder 3">
             <a:extLst>
               <a:ext uri="{FF2B5EF4-FFF2-40B4-BE49-F238E27FC236}">
-                <a16:creationId xmlns:a16="http://schemas.microsoft.com/office/drawing/2014/main" id="{578F461B-9225-E941-B67E-F1CFC15D204F}"/>
+                <a16:creationId xmlns:a16="http://schemas.microsoft.com/office/drawing/2014/main" xmlns="" id="{578F461B-9225-E941-B67E-F1CFC15D204F}"/>
               </a:ext>
             </a:extLst>
           </p:cNvPr>
@@ -1292,7 +1300,7 @@
           <p:cNvPr id="5" name="Footer Placeholder 4">
             <a:extLst>
               <a:ext uri="{FF2B5EF4-FFF2-40B4-BE49-F238E27FC236}">
-                <a16:creationId xmlns:a16="http://schemas.microsoft.com/office/drawing/2014/main" id="{DEAF1779-EEC5-F146-A237-56494528F2A0}"/>
+                <a16:creationId xmlns:a16="http://schemas.microsoft.com/office/drawing/2014/main" xmlns="" id="{DEAF1779-EEC5-F146-A237-56494528F2A0}"/>
               </a:ext>
             </a:extLst>
           </p:cNvPr>
@@ -1317,7 +1325,7 @@
           <p:cNvPr id="6" name="Slide Number Placeholder 5">
             <a:extLst>
               <a:ext uri="{FF2B5EF4-FFF2-40B4-BE49-F238E27FC236}">
-                <a16:creationId xmlns:a16="http://schemas.microsoft.com/office/drawing/2014/main" id="{BFDDC0FB-2EE9-7F42-B0DF-CFF627C92561}"/>
+                <a16:creationId xmlns:a16="http://schemas.microsoft.com/office/drawing/2014/main" xmlns="" id="{BFDDC0FB-2EE9-7F42-B0DF-CFF627C92561}"/>
               </a:ext>
             </a:extLst>
           </p:cNvPr>
@@ -1376,7 +1384,7 @@
           <p:cNvPr id="2" name="Title 1">
             <a:extLst>
               <a:ext uri="{FF2B5EF4-FFF2-40B4-BE49-F238E27FC236}">
-                <a16:creationId xmlns:a16="http://schemas.microsoft.com/office/drawing/2014/main" id="{F356AC19-07B6-0644-A04B-3160E5287583}"/>
+                <a16:creationId xmlns:a16="http://schemas.microsoft.com/office/drawing/2014/main" xmlns="" id="{F356AC19-07B6-0644-A04B-3160E5287583}"/>
               </a:ext>
             </a:extLst>
           </p:cNvPr>
@@ -1413,7 +1421,7 @@
           <p:cNvPr id="3" name="Text Placeholder 2">
             <a:extLst>
               <a:ext uri="{FF2B5EF4-FFF2-40B4-BE49-F238E27FC236}">
-                <a16:creationId xmlns:a16="http://schemas.microsoft.com/office/drawing/2014/main" id="{47B01923-58A4-F843-9053-52A8CD139D11}"/>
+                <a16:creationId xmlns:a16="http://schemas.microsoft.com/office/drawing/2014/main" xmlns="" id="{47B01923-58A4-F843-9053-52A8CD139D11}"/>
               </a:ext>
             </a:extLst>
           </p:cNvPr>
@@ -1538,7 +1546,7 @@
           <p:cNvPr id="4" name="Date Placeholder 3">
             <a:extLst>
               <a:ext uri="{FF2B5EF4-FFF2-40B4-BE49-F238E27FC236}">
-                <a16:creationId xmlns:a16="http://schemas.microsoft.com/office/drawing/2014/main" id="{BC87314D-7828-F741-9D95-55EC91A61391}"/>
+                <a16:creationId xmlns:a16="http://schemas.microsoft.com/office/drawing/2014/main" xmlns="" id="{BC87314D-7828-F741-9D95-55EC91A61391}"/>
               </a:ext>
             </a:extLst>
           </p:cNvPr>
@@ -1567,7 +1575,7 @@
           <p:cNvPr id="5" name="Footer Placeholder 4">
             <a:extLst>
               <a:ext uri="{FF2B5EF4-FFF2-40B4-BE49-F238E27FC236}">
-                <a16:creationId xmlns:a16="http://schemas.microsoft.com/office/drawing/2014/main" id="{C32D0851-13E6-424D-9C2E-1FAE4644C813}"/>
+                <a16:creationId xmlns:a16="http://schemas.microsoft.com/office/drawing/2014/main" xmlns="" id="{C32D0851-13E6-424D-9C2E-1FAE4644C813}"/>
               </a:ext>
             </a:extLst>
           </p:cNvPr>
@@ -1592,7 +1600,7 @@
           <p:cNvPr id="6" name="Slide Number Placeholder 5">
             <a:extLst>
               <a:ext uri="{FF2B5EF4-FFF2-40B4-BE49-F238E27FC236}">
-                <a16:creationId xmlns:a16="http://schemas.microsoft.com/office/drawing/2014/main" id="{E90D49C9-EC39-7F42-A3C5-326D1EF2DF29}"/>
+                <a16:creationId xmlns:a16="http://schemas.microsoft.com/office/drawing/2014/main" xmlns="" id="{E90D49C9-EC39-7F42-A3C5-326D1EF2DF29}"/>
               </a:ext>
             </a:extLst>
           </p:cNvPr>
@@ -1651,7 +1659,7 @@
           <p:cNvPr id="2" name="Title 1">
             <a:extLst>
               <a:ext uri="{FF2B5EF4-FFF2-40B4-BE49-F238E27FC236}">
-                <a16:creationId xmlns:a16="http://schemas.microsoft.com/office/drawing/2014/main" id="{07AA3E1F-D8B9-BF42-8A66-0B4BB621D4EE}"/>
+                <a16:creationId xmlns:a16="http://schemas.microsoft.com/office/drawing/2014/main" xmlns="" id="{07AA3E1F-D8B9-BF42-8A66-0B4BB621D4EE}"/>
               </a:ext>
             </a:extLst>
           </p:cNvPr>
@@ -1679,7 +1687,7 @@
           <p:cNvPr id="3" name="Content Placeholder 2">
             <a:extLst>
               <a:ext uri="{FF2B5EF4-FFF2-40B4-BE49-F238E27FC236}">
-                <a16:creationId xmlns:a16="http://schemas.microsoft.com/office/drawing/2014/main" id="{98FF2411-0A6B-CE40-888E-DF6851057E2E}"/>
+                <a16:creationId xmlns:a16="http://schemas.microsoft.com/office/drawing/2014/main" xmlns="" id="{98FF2411-0A6B-CE40-888E-DF6851057E2E}"/>
               </a:ext>
             </a:extLst>
           </p:cNvPr>
@@ -1741,7 +1749,7 @@
           <p:cNvPr id="4" name="Content Placeholder 3">
             <a:extLst>
               <a:ext uri="{FF2B5EF4-FFF2-40B4-BE49-F238E27FC236}">
-                <a16:creationId xmlns:a16="http://schemas.microsoft.com/office/drawing/2014/main" id="{9BA4D581-7115-1543-BEFA-9BDA990CC539}"/>
+                <a16:creationId xmlns:a16="http://schemas.microsoft.com/office/drawing/2014/main" xmlns="" id="{9BA4D581-7115-1543-BEFA-9BDA990CC539}"/>
               </a:ext>
             </a:extLst>
           </p:cNvPr>
@@ -1803,7 +1811,7 @@
           <p:cNvPr id="5" name="Date Placeholder 4">
             <a:extLst>
               <a:ext uri="{FF2B5EF4-FFF2-40B4-BE49-F238E27FC236}">
-                <a16:creationId xmlns:a16="http://schemas.microsoft.com/office/drawing/2014/main" id="{0E2641F9-C3D3-084B-B988-17CA1EABF878}"/>
+                <a16:creationId xmlns:a16="http://schemas.microsoft.com/office/drawing/2014/main" xmlns="" id="{0E2641F9-C3D3-084B-B988-17CA1EABF878}"/>
               </a:ext>
             </a:extLst>
           </p:cNvPr>
@@ -1832,7 +1840,7 @@
           <p:cNvPr id="6" name="Footer Placeholder 5">
             <a:extLst>
               <a:ext uri="{FF2B5EF4-FFF2-40B4-BE49-F238E27FC236}">
-                <a16:creationId xmlns:a16="http://schemas.microsoft.com/office/drawing/2014/main" id="{AAD4858C-8C04-8743-B0F9-F00677985506}"/>
+                <a16:creationId xmlns:a16="http://schemas.microsoft.com/office/drawing/2014/main" xmlns="" id="{AAD4858C-8C04-8743-B0F9-F00677985506}"/>
               </a:ext>
             </a:extLst>
           </p:cNvPr>
@@ -1857,7 +1865,7 @@
           <p:cNvPr id="7" name="Slide Number Placeholder 6">
             <a:extLst>
               <a:ext uri="{FF2B5EF4-FFF2-40B4-BE49-F238E27FC236}">
-                <a16:creationId xmlns:a16="http://schemas.microsoft.com/office/drawing/2014/main" id="{39361CAC-0734-F24D-9D05-BAA72489F4AF}"/>
+                <a16:creationId xmlns:a16="http://schemas.microsoft.com/office/drawing/2014/main" xmlns="" id="{39361CAC-0734-F24D-9D05-BAA72489F4AF}"/>
               </a:ext>
             </a:extLst>
           </p:cNvPr>
@@ -1916,7 +1924,7 @@
           <p:cNvPr id="2" name="Title 1">
             <a:extLst>
               <a:ext uri="{FF2B5EF4-FFF2-40B4-BE49-F238E27FC236}">
-                <a16:creationId xmlns:a16="http://schemas.microsoft.com/office/drawing/2014/main" id="{3C8E1E6B-81D0-B64C-A830-30B6E4083065}"/>
+                <a16:creationId xmlns:a16="http://schemas.microsoft.com/office/drawing/2014/main" xmlns="" id="{3C8E1E6B-81D0-B64C-A830-30B6E4083065}"/>
               </a:ext>
             </a:extLst>
           </p:cNvPr>
@@ -1949,7 +1957,7 @@
           <p:cNvPr id="3" name="Text Placeholder 2">
             <a:extLst>
               <a:ext uri="{FF2B5EF4-FFF2-40B4-BE49-F238E27FC236}">
-                <a16:creationId xmlns:a16="http://schemas.microsoft.com/office/drawing/2014/main" id="{29B405A4-EAA4-5447-AAB9-39AC9B0B5FB4}"/>
+                <a16:creationId xmlns:a16="http://schemas.microsoft.com/office/drawing/2014/main" xmlns="" id="{29B405A4-EAA4-5447-AAB9-39AC9B0B5FB4}"/>
               </a:ext>
             </a:extLst>
           </p:cNvPr>
@@ -2020,7 +2028,7 @@
           <p:cNvPr id="4" name="Content Placeholder 3">
             <a:extLst>
               <a:ext uri="{FF2B5EF4-FFF2-40B4-BE49-F238E27FC236}">
-                <a16:creationId xmlns:a16="http://schemas.microsoft.com/office/drawing/2014/main" id="{BC6A46CB-5940-1340-AE42-99C42BBA88F7}"/>
+                <a16:creationId xmlns:a16="http://schemas.microsoft.com/office/drawing/2014/main" xmlns="" id="{BC6A46CB-5940-1340-AE42-99C42BBA88F7}"/>
               </a:ext>
             </a:extLst>
           </p:cNvPr>
@@ -2082,7 +2090,7 @@
           <p:cNvPr id="5" name="Text Placeholder 4">
             <a:extLst>
               <a:ext uri="{FF2B5EF4-FFF2-40B4-BE49-F238E27FC236}">
-                <a16:creationId xmlns:a16="http://schemas.microsoft.com/office/drawing/2014/main" id="{5AABB1F0-6F50-BD42-93D9-BCBB5339B228}"/>
+                <a16:creationId xmlns:a16="http://schemas.microsoft.com/office/drawing/2014/main" xmlns="" id="{5AABB1F0-6F50-BD42-93D9-BCBB5339B228}"/>
               </a:ext>
             </a:extLst>
           </p:cNvPr>
@@ -2153,7 +2161,7 @@
           <p:cNvPr id="6" name="Content Placeholder 5">
             <a:extLst>
               <a:ext uri="{FF2B5EF4-FFF2-40B4-BE49-F238E27FC236}">
-                <a16:creationId xmlns:a16="http://schemas.microsoft.com/office/drawing/2014/main" id="{026D6CE6-9799-C543-AE82-CE9E9ED9B5AC}"/>
+                <a16:creationId xmlns:a16="http://schemas.microsoft.com/office/drawing/2014/main" xmlns="" id="{026D6CE6-9799-C543-AE82-CE9E9ED9B5AC}"/>
               </a:ext>
             </a:extLst>
           </p:cNvPr>
@@ -2215,7 +2223,7 @@
           <p:cNvPr id="7" name="Date Placeholder 6">
             <a:extLst>
               <a:ext uri="{FF2B5EF4-FFF2-40B4-BE49-F238E27FC236}">
-                <a16:creationId xmlns:a16="http://schemas.microsoft.com/office/drawing/2014/main" id="{95E3C5AE-6923-5E44-AA54-47980E1298C1}"/>
+                <a16:creationId xmlns:a16="http://schemas.microsoft.com/office/drawing/2014/main" xmlns="" id="{95E3C5AE-6923-5E44-AA54-47980E1298C1}"/>
               </a:ext>
             </a:extLst>
           </p:cNvPr>
@@ -2244,7 +2252,7 @@
           <p:cNvPr id="8" name="Footer Placeholder 7">
             <a:extLst>
               <a:ext uri="{FF2B5EF4-FFF2-40B4-BE49-F238E27FC236}">
-                <a16:creationId xmlns:a16="http://schemas.microsoft.com/office/drawing/2014/main" id="{F4AFB1E3-6828-E94D-AAA8-F7B6244938AD}"/>
+                <a16:creationId xmlns:a16="http://schemas.microsoft.com/office/drawing/2014/main" xmlns="" id="{F4AFB1E3-6828-E94D-AAA8-F7B6244938AD}"/>
               </a:ext>
             </a:extLst>
           </p:cNvPr>
@@ -2269,7 +2277,7 @@
           <p:cNvPr id="9" name="Slide Number Placeholder 8">
             <a:extLst>
               <a:ext uri="{FF2B5EF4-FFF2-40B4-BE49-F238E27FC236}">
-                <a16:creationId xmlns:a16="http://schemas.microsoft.com/office/drawing/2014/main" id="{D81DD239-2AB5-E34B-9A56-32C9F61E1CE1}"/>
+                <a16:creationId xmlns:a16="http://schemas.microsoft.com/office/drawing/2014/main" xmlns="" id="{D81DD239-2AB5-E34B-9A56-32C9F61E1CE1}"/>
               </a:ext>
             </a:extLst>
           </p:cNvPr>
@@ -2328,7 +2336,7 @@
           <p:cNvPr id="2" name="Title 1">
             <a:extLst>
               <a:ext uri="{FF2B5EF4-FFF2-40B4-BE49-F238E27FC236}">
-                <a16:creationId xmlns:a16="http://schemas.microsoft.com/office/drawing/2014/main" id="{80FD57B6-4625-2149-BB04-012454937A75}"/>
+                <a16:creationId xmlns:a16="http://schemas.microsoft.com/office/drawing/2014/main" xmlns="" id="{80FD57B6-4625-2149-BB04-012454937A75}"/>
               </a:ext>
             </a:extLst>
           </p:cNvPr>
@@ -2356,7 +2364,7 @@
           <p:cNvPr id="3" name="Date Placeholder 2">
             <a:extLst>
               <a:ext uri="{FF2B5EF4-FFF2-40B4-BE49-F238E27FC236}">
-                <a16:creationId xmlns:a16="http://schemas.microsoft.com/office/drawing/2014/main" id="{7067FAF0-5A46-1542-A59B-4155824CAB3A}"/>
+                <a16:creationId xmlns:a16="http://schemas.microsoft.com/office/drawing/2014/main" xmlns="" id="{7067FAF0-5A46-1542-A59B-4155824CAB3A}"/>
               </a:ext>
             </a:extLst>
           </p:cNvPr>
@@ -2385,7 +2393,7 @@
           <p:cNvPr id="4" name="Footer Placeholder 3">
             <a:extLst>
               <a:ext uri="{FF2B5EF4-FFF2-40B4-BE49-F238E27FC236}">
-                <a16:creationId xmlns:a16="http://schemas.microsoft.com/office/drawing/2014/main" id="{6561CD37-7AB8-114F-B8A6-411954022946}"/>
+                <a16:creationId xmlns:a16="http://schemas.microsoft.com/office/drawing/2014/main" xmlns="" id="{6561CD37-7AB8-114F-B8A6-411954022946}"/>
               </a:ext>
             </a:extLst>
           </p:cNvPr>
@@ -2410,7 +2418,7 @@
           <p:cNvPr id="5" name="Slide Number Placeholder 4">
             <a:extLst>
               <a:ext uri="{FF2B5EF4-FFF2-40B4-BE49-F238E27FC236}">
-                <a16:creationId xmlns:a16="http://schemas.microsoft.com/office/drawing/2014/main" id="{874264D7-8895-EE45-9658-C5FF8F42DA51}"/>
+                <a16:creationId xmlns:a16="http://schemas.microsoft.com/office/drawing/2014/main" xmlns="" id="{874264D7-8895-EE45-9658-C5FF8F42DA51}"/>
               </a:ext>
             </a:extLst>
           </p:cNvPr>
@@ -2469,7 +2477,7 @@
           <p:cNvPr id="2" name="Date Placeholder 1">
             <a:extLst>
               <a:ext uri="{FF2B5EF4-FFF2-40B4-BE49-F238E27FC236}">
-                <a16:creationId xmlns:a16="http://schemas.microsoft.com/office/drawing/2014/main" id="{EF8BB7FA-2258-C64B-9A1D-816834763FBE}"/>
+                <a16:creationId xmlns:a16="http://schemas.microsoft.com/office/drawing/2014/main" xmlns="" id="{EF8BB7FA-2258-C64B-9A1D-816834763FBE}"/>
               </a:ext>
             </a:extLst>
           </p:cNvPr>
@@ -2498,7 +2506,7 @@
           <p:cNvPr id="3" name="Footer Placeholder 2">
             <a:extLst>
               <a:ext uri="{FF2B5EF4-FFF2-40B4-BE49-F238E27FC236}">
-                <a16:creationId xmlns:a16="http://schemas.microsoft.com/office/drawing/2014/main" id="{307C2AD0-8E67-9E4C-A046-98757BA7AE48}"/>
+                <a16:creationId xmlns:a16="http://schemas.microsoft.com/office/drawing/2014/main" xmlns="" id="{307C2AD0-8E67-9E4C-A046-98757BA7AE48}"/>
               </a:ext>
             </a:extLst>
           </p:cNvPr>
@@ -2523,7 +2531,7 @@
           <p:cNvPr id="4" name="Slide Number Placeholder 3">
             <a:extLst>
               <a:ext uri="{FF2B5EF4-FFF2-40B4-BE49-F238E27FC236}">
-                <a16:creationId xmlns:a16="http://schemas.microsoft.com/office/drawing/2014/main" id="{909EE54A-96EF-5D44-ABA5-5EDA7C0F21A7}"/>
+                <a16:creationId xmlns:a16="http://schemas.microsoft.com/office/drawing/2014/main" xmlns="" id="{909EE54A-96EF-5D44-ABA5-5EDA7C0F21A7}"/>
               </a:ext>
             </a:extLst>
           </p:cNvPr>
@@ -2582,7 +2590,7 @@
           <p:cNvPr id="2" name="Title 1">
             <a:extLst>
               <a:ext uri="{FF2B5EF4-FFF2-40B4-BE49-F238E27FC236}">
-                <a16:creationId xmlns:a16="http://schemas.microsoft.com/office/drawing/2014/main" id="{000CAFB7-F9F1-984C-8249-31FF41D0C8D2}"/>
+                <a16:creationId xmlns:a16="http://schemas.microsoft.com/office/drawing/2014/main" xmlns="" id="{000CAFB7-F9F1-984C-8249-31FF41D0C8D2}"/>
               </a:ext>
             </a:extLst>
           </p:cNvPr>
@@ -2619,7 +2627,7 @@
           <p:cNvPr id="3" name="Content Placeholder 2">
             <a:extLst>
               <a:ext uri="{FF2B5EF4-FFF2-40B4-BE49-F238E27FC236}">
-                <a16:creationId xmlns:a16="http://schemas.microsoft.com/office/drawing/2014/main" id="{06B2E12F-F459-C348-A8E3-36E8F0A40AD4}"/>
+                <a16:creationId xmlns:a16="http://schemas.microsoft.com/office/drawing/2014/main" xmlns="" id="{06B2E12F-F459-C348-A8E3-36E8F0A40AD4}"/>
               </a:ext>
             </a:extLst>
           </p:cNvPr>
@@ -2709,7 +2717,7 @@
           <p:cNvPr id="4" name="Text Placeholder 3">
             <a:extLst>
               <a:ext uri="{FF2B5EF4-FFF2-40B4-BE49-F238E27FC236}">
-                <a16:creationId xmlns:a16="http://schemas.microsoft.com/office/drawing/2014/main" id="{4399425A-00AD-904F-AB89-EDD4C258BDD8}"/>
+                <a16:creationId xmlns:a16="http://schemas.microsoft.com/office/drawing/2014/main" xmlns="" id="{4399425A-00AD-904F-AB89-EDD4C258BDD8}"/>
               </a:ext>
             </a:extLst>
           </p:cNvPr>
@@ -2780,7 +2788,7 @@
           <p:cNvPr id="5" name="Date Placeholder 4">
             <a:extLst>
               <a:ext uri="{FF2B5EF4-FFF2-40B4-BE49-F238E27FC236}">
-                <a16:creationId xmlns:a16="http://schemas.microsoft.com/office/drawing/2014/main" id="{293D3BF2-FBC9-5649-9190-E1C778FEB9B3}"/>
+                <a16:creationId xmlns:a16="http://schemas.microsoft.com/office/drawing/2014/main" xmlns="" id="{293D3BF2-FBC9-5649-9190-E1C778FEB9B3}"/>
               </a:ext>
             </a:extLst>
           </p:cNvPr>
@@ -2809,7 +2817,7 @@
           <p:cNvPr id="6" name="Footer Placeholder 5">
             <a:extLst>
               <a:ext uri="{FF2B5EF4-FFF2-40B4-BE49-F238E27FC236}">
-                <a16:creationId xmlns:a16="http://schemas.microsoft.com/office/drawing/2014/main" id="{DE4A4D89-3A9B-2B45-87F5-3F69071351CB}"/>
+                <a16:creationId xmlns:a16="http://schemas.microsoft.com/office/drawing/2014/main" xmlns="" id="{DE4A4D89-3A9B-2B45-87F5-3F69071351CB}"/>
               </a:ext>
             </a:extLst>
           </p:cNvPr>
@@ -2834,7 +2842,7 @@
           <p:cNvPr id="7" name="Slide Number Placeholder 6">
             <a:extLst>
               <a:ext uri="{FF2B5EF4-FFF2-40B4-BE49-F238E27FC236}">
-                <a16:creationId xmlns:a16="http://schemas.microsoft.com/office/drawing/2014/main" id="{0977A05E-3521-3141-96F8-AC86CB2FDB94}"/>
+                <a16:creationId xmlns:a16="http://schemas.microsoft.com/office/drawing/2014/main" xmlns="" id="{0977A05E-3521-3141-96F8-AC86CB2FDB94}"/>
               </a:ext>
             </a:extLst>
           </p:cNvPr>
@@ -2893,7 +2901,7 @@
           <p:cNvPr id="2" name="Title 1">
             <a:extLst>
               <a:ext uri="{FF2B5EF4-FFF2-40B4-BE49-F238E27FC236}">
-                <a16:creationId xmlns:a16="http://schemas.microsoft.com/office/drawing/2014/main" id="{B159E5D8-D804-C44E-9873-BF2EF3C22647}"/>
+                <a16:creationId xmlns:a16="http://schemas.microsoft.com/office/drawing/2014/main" xmlns="" id="{B159E5D8-D804-C44E-9873-BF2EF3C22647}"/>
               </a:ext>
             </a:extLst>
           </p:cNvPr>
@@ -2930,7 +2938,7 @@
           <p:cNvPr id="3" name="Picture Placeholder 2">
             <a:extLst>
               <a:ext uri="{FF2B5EF4-FFF2-40B4-BE49-F238E27FC236}">
-                <a16:creationId xmlns:a16="http://schemas.microsoft.com/office/drawing/2014/main" id="{8DE226E2-A399-FD45-ACF1-DBE31FCC2871}"/>
+                <a16:creationId xmlns:a16="http://schemas.microsoft.com/office/drawing/2014/main" xmlns="" id="{8DE226E2-A399-FD45-ACF1-DBE31FCC2871}"/>
               </a:ext>
             </a:extLst>
           </p:cNvPr>
@@ -2997,7 +3005,7 @@
           <p:cNvPr id="4" name="Text Placeholder 3">
             <a:extLst>
               <a:ext uri="{FF2B5EF4-FFF2-40B4-BE49-F238E27FC236}">
-                <a16:creationId xmlns:a16="http://schemas.microsoft.com/office/drawing/2014/main" id="{45132876-E772-7942-AF60-F9248CEB991E}"/>
+                <a16:creationId xmlns:a16="http://schemas.microsoft.com/office/drawing/2014/main" xmlns="" id="{45132876-E772-7942-AF60-F9248CEB991E}"/>
               </a:ext>
             </a:extLst>
           </p:cNvPr>
@@ -3068,7 +3076,7 @@
           <p:cNvPr id="5" name="Date Placeholder 4">
             <a:extLst>
               <a:ext uri="{FF2B5EF4-FFF2-40B4-BE49-F238E27FC236}">
-                <a16:creationId xmlns:a16="http://schemas.microsoft.com/office/drawing/2014/main" id="{19E69457-B63D-0B4C-BD6B-44AC10E73E08}"/>
+                <a16:creationId xmlns:a16="http://schemas.microsoft.com/office/drawing/2014/main" xmlns="" id="{19E69457-B63D-0B4C-BD6B-44AC10E73E08}"/>
               </a:ext>
             </a:extLst>
           </p:cNvPr>
@@ -3097,7 +3105,7 @@
           <p:cNvPr id="6" name="Footer Placeholder 5">
             <a:extLst>
               <a:ext uri="{FF2B5EF4-FFF2-40B4-BE49-F238E27FC236}">
-                <a16:creationId xmlns:a16="http://schemas.microsoft.com/office/drawing/2014/main" id="{B58CAADF-CF61-2C42-B5B5-FB24616F2E9E}"/>
+                <a16:creationId xmlns:a16="http://schemas.microsoft.com/office/drawing/2014/main" xmlns="" id="{B58CAADF-CF61-2C42-B5B5-FB24616F2E9E}"/>
               </a:ext>
             </a:extLst>
           </p:cNvPr>
@@ -3122,7 +3130,7 @@
           <p:cNvPr id="7" name="Slide Number Placeholder 6">
             <a:extLst>
               <a:ext uri="{FF2B5EF4-FFF2-40B4-BE49-F238E27FC236}">
-                <a16:creationId xmlns:a16="http://schemas.microsoft.com/office/drawing/2014/main" id="{65966FA6-0481-E74C-B020-CE2EC5AD4553}"/>
+                <a16:creationId xmlns:a16="http://schemas.microsoft.com/office/drawing/2014/main" xmlns="" id="{65966FA6-0481-E74C-B020-CE2EC5AD4553}"/>
               </a:ext>
             </a:extLst>
           </p:cNvPr>
@@ -3211,7 +3219,7 @@
           <p:cNvPr id="2" name="Title Placeholder 1">
             <a:extLst>
               <a:ext uri="{FF2B5EF4-FFF2-40B4-BE49-F238E27FC236}">
-                <a16:creationId xmlns:a16="http://schemas.microsoft.com/office/drawing/2014/main" id="{CD2DEF36-CDDB-4C49-A6CD-A99D898F90A8}"/>
+                <a16:creationId xmlns:a16="http://schemas.microsoft.com/office/drawing/2014/main" xmlns="" id="{CD2DEF36-CDDB-4C49-A6CD-A99D898F90A8}"/>
               </a:ext>
             </a:extLst>
           </p:cNvPr>
@@ -3249,7 +3257,7 @@
           <p:cNvPr id="3" name="Text Placeholder 2">
             <a:extLst>
               <a:ext uri="{FF2B5EF4-FFF2-40B4-BE49-F238E27FC236}">
-                <a16:creationId xmlns:a16="http://schemas.microsoft.com/office/drawing/2014/main" id="{064B4B30-356C-9846-B509-AC7C68F5C235}"/>
+                <a16:creationId xmlns:a16="http://schemas.microsoft.com/office/drawing/2014/main" xmlns="" id="{064B4B30-356C-9846-B509-AC7C68F5C235}"/>
               </a:ext>
             </a:extLst>
           </p:cNvPr>
@@ -3316,7 +3324,7 @@
           <p:cNvPr id="4" name="Date Placeholder 3">
             <a:extLst>
               <a:ext uri="{FF2B5EF4-FFF2-40B4-BE49-F238E27FC236}">
-                <a16:creationId xmlns:a16="http://schemas.microsoft.com/office/drawing/2014/main" id="{B31B3BF9-B9A0-8240-889B-D82F503CEA58}"/>
+                <a16:creationId xmlns:a16="http://schemas.microsoft.com/office/drawing/2014/main" xmlns="" id="{B31B3BF9-B9A0-8240-889B-D82F503CEA58}"/>
               </a:ext>
             </a:extLst>
           </p:cNvPr>
@@ -3363,7 +3371,7 @@
           <p:cNvPr id="5" name="Footer Placeholder 4">
             <a:extLst>
               <a:ext uri="{FF2B5EF4-FFF2-40B4-BE49-F238E27FC236}">
-                <a16:creationId xmlns:a16="http://schemas.microsoft.com/office/drawing/2014/main" id="{A7B03E69-EC06-8B44-9E5D-DAAB988B584E}"/>
+                <a16:creationId xmlns:a16="http://schemas.microsoft.com/office/drawing/2014/main" xmlns="" id="{A7B03E69-EC06-8B44-9E5D-DAAB988B584E}"/>
               </a:ext>
             </a:extLst>
           </p:cNvPr>
@@ -3406,7 +3414,7 @@
           <p:cNvPr id="6" name="Slide Number Placeholder 5">
             <a:extLst>
               <a:ext uri="{FF2B5EF4-FFF2-40B4-BE49-F238E27FC236}">
-                <a16:creationId xmlns:a16="http://schemas.microsoft.com/office/drawing/2014/main" id="{7CC6A4C2-258B-1E46-850A-BA76C2CB7B7E}"/>
+                <a16:creationId xmlns:a16="http://schemas.microsoft.com/office/drawing/2014/main" xmlns="" id="{7CC6A4C2-258B-1E46-850A-BA76C2CB7B7E}"/>
               </a:ext>
             </a:extLst>
           </p:cNvPr>
@@ -3453,7 +3461,7 @@
           <p:cNvPr id="7" name="Picture 6">
             <a:extLst>
               <a:ext uri="{FF2B5EF4-FFF2-40B4-BE49-F238E27FC236}">
-                <a16:creationId xmlns:a16="http://schemas.microsoft.com/office/drawing/2014/main" id="{F606D4DA-1395-A54D-AB1D-F496808E6208}"/>
+                <a16:creationId xmlns:a16="http://schemas.microsoft.com/office/drawing/2014/main" xmlns="" id="{F606D4DA-1395-A54D-AB1D-F496808E6208}"/>
               </a:ext>
             </a:extLst>
           </p:cNvPr>
@@ -3804,7 +3812,7 @@
           <p:cNvPr id="2" name="Title 1">
             <a:extLst>
               <a:ext uri="{FF2B5EF4-FFF2-40B4-BE49-F238E27FC236}">
-                <a16:creationId xmlns:a16="http://schemas.microsoft.com/office/drawing/2014/main" id="{DDB4A5C5-CE37-5241-A9FF-85F98EF1E91E}"/>
+                <a16:creationId xmlns:a16="http://schemas.microsoft.com/office/drawing/2014/main" xmlns="" id="{DDB4A5C5-CE37-5241-A9FF-85F98EF1E91E}"/>
               </a:ext>
             </a:extLst>
           </p:cNvPr>
@@ -3836,7 +3844,7 @@
           <p:cNvPr id="3" name="Subtitle 2">
             <a:extLst>
               <a:ext uri="{FF2B5EF4-FFF2-40B4-BE49-F238E27FC236}">
-                <a16:creationId xmlns:a16="http://schemas.microsoft.com/office/drawing/2014/main" id="{5EF75859-F09F-414F-8571-4D3854CD3C44}"/>
+                <a16:creationId xmlns:a16="http://schemas.microsoft.com/office/drawing/2014/main" xmlns="" id="{5EF75859-F09F-414F-8571-4D3854CD3C44}"/>
               </a:ext>
             </a:extLst>
           </p:cNvPr>
@@ -3876,7 +3884,7 @@
           <p:cNvPr id="5" name="Rectangle 4">
             <a:extLst>
               <a:ext uri="{FF2B5EF4-FFF2-40B4-BE49-F238E27FC236}">
-                <a16:creationId xmlns:a16="http://schemas.microsoft.com/office/drawing/2014/main" id="{39D37F11-0EC0-C645-ADE9-CE8BFDF0B2D4}"/>
+                <a16:creationId xmlns:a16="http://schemas.microsoft.com/office/drawing/2014/main" xmlns="" id="{39D37F11-0EC0-C645-ADE9-CE8BFDF0B2D4}"/>
               </a:ext>
             </a:extLst>
           </p:cNvPr>
@@ -3908,6 +3916,10 @@
             <a:r>
               <a:rPr lang="en-US" b="1" dirty="0"/>
               <a:t>University of San Francisco</a:t>
+            </a:r>
+            <a:r>
+              <a:rPr lang="en-US" dirty="0"/>
+              <a:t/>
             </a:r>
             <a:br>
               <a:rPr lang="en-US" dirty="0"/>
@@ -3939,6 +3951,13 @@
   <p:clrMapOvr>
     <a:masterClrMapping/>
   </p:clrMapOvr>
+  <p:timing>
+    <p:tnLst>
+      <p:par>
+        <p:cTn id="1" dur="indefinite" restart="never" nodeType="tmRoot"/>
+      </p:par>
+    </p:tnLst>
+  </p:timing>
 </p:sld>
 </file>
 
@@ -3964,7 +3983,7 @@
           <p:cNvPr id="2" name="Title 1">
             <a:extLst>
               <a:ext uri="{FF2B5EF4-FFF2-40B4-BE49-F238E27FC236}">
-                <a16:creationId xmlns:a16="http://schemas.microsoft.com/office/drawing/2014/main" id="{24D88B2F-1763-0844-AA1F-F51EA7806F68}"/>
+                <a16:creationId xmlns:a16="http://schemas.microsoft.com/office/drawing/2014/main" xmlns="" id="{24D88B2F-1763-0844-AA1F-F51EA7806F68}"/>
               </a:ext>
             </a:extLst>
           </p:cNvPr>
@@ -3992,7 +4011,7 @@
           <p:cNvPr id="3" name="Content Placeholder 2">
             <a:extLst>
               <a:ext uri="{FF2B5EF4-FFF2-40B4-BE49-F238E27FC236}">
-                <a16:creationId xmlns:a16="http://schemas.microsoft.com/office/drawing/2014/main" id="{863524B9-BE6F-6D44-8B7F-DBD4F355BA6F}"/>
+                <a16:creationId xmlns:a16="http://schemas.microsoft.com/office/drawing/2014/main" xmlns="" id="{863524B9-BE6F-6D44-8B7F-DBD4F355BA6F}"/>
               </a:ext>
             </a:extLst>
           </p:cNvPr>
@@ -4073,7 +4092,7 @@
           <p:cNvPr id="2" name="Title 1">
             <a:extLst>
               <a:ext uri="{FF2B5EF4-FFF2-40B4-BE49-F238E27FC236}">
-                <a16:creationId xmlns:a16="http://schemas.microsoft.com/office/drawing/2014/main" id="{7FD57E0C-5A20-444B-9961-DECFF85B1B5B}"/>
+                <a16:creationId xmlns:a16="http://schemas.microsoft.com/office/drawing/2014/main" xmlns="" id="{7FD57E0C-5A20-444B-9961-DECFF85B1B5B}"/>
               </a:ext>
             </a:extLst>
           </p:cNvPr>
@@ -4103,7 +4122,7 @@
           <p:cNvPr id="3" name="Content Placeholder 2">
             <a:extLst>
               <a:ext uri="{FF2B5EF4-FFF2-40B4-BE49-F238E27FC236}">
-                <a16:creationId xmlns:a16="http://schemas.microsoft.com/office/drawing/2014/main" id="{72C91041-5C8E-EA40-B673-0BB872B78EF6}"/>
+                <a16:creationId xmlns:a16="http://schemas.microsoft.com/office/drawing/2014/main" xmlns="" id="{72C91041-5C8E-EA40-B673-0BB872B78EF6}"/>
               </a:ext>
             </a:extLst>
           </p:cNvPr>
@@ -4214,7 +4233,7 @@
           <p:cNvPr id="2" name="Title 1">
             <a:extLst>
               <a:ext uri="{FF2B5EF4-FFF2-40B4-BE49-F238E27FC236}">
-                <a16:creationId xmlns:a16="http://schemas.microsoft.com/office/drawing/2014/main" id="{0DAF806B-5FB5-3749-9CAC-2892B9632D7A}"/>
+                <a16:creationId xmlns:a16="http://schemas.microsoft.com/office/drawing/2014/main" xmlns="" id="{0DAF806B-5FB5-3749-9CAC-2892B9632D7A}"/>
               </a:ext>
             </a:extLst>
           </p:cNvPr>
@@ -4244,7 +4263,7 @@
           <p:cNvPr id="3" name="Content Placeholder 2">
             <a:extLst>
               <a:ext uri="{FF2B5EF4-FFF2-40B4-BE49-F238E27FC236}">
-                <a16:creationId xmlns:a16="http://schemas.microsoft.com/office/drawing/2014/main" id="{9AEEAA17-8A89-4742-BC81-C603F17BA925}"/>
+                <a16:creationId xmlns:a16="http://schemas.microsoft.com/office/drawing/2014/main" xmlns="" id="{9AEEAA17-8A89-4742-BC81-C603F17BA925}"/>
               </a:ext>
             </a:extLst>
           </p:cNvPr>
@@ -4338,7 +4357,7 @@
           <p:cNvPr id="2" name="Title 1">
             <a:extLst>
               <a:ext uri="{FF2B5EF4-FFF2-40B4-BE49-F238E27FC236}">
-                <a16:creationId xmlns:a16="http://schemas.microsoft.com/office/drawing/2014/main" id="{A185EBC6-4BD2-BC44-A1AC-AF91420A6115}"/>
+                <a16:creationId xmlns:a16="http://schemas.microsoft.com/office/drawing/2014/main" xmlns="" id="{A185EBC6-4BD2-BC44-A1AC-AF91420A6115}"/>
               </a:ext>
             </a:extLst>
           </p:cNvPr>
@@ -4366,7 +4385,7 @@
           <p:cNvPr id="3" name="Content Placeholder 2">
             <a:extLst>
               <a:ext uri="{FF2B5EF4-FFF2-40B4-BE49-F238E27FC236}">
-                <a16:creationId xmlns:a16="http://schemas.microsoft.com/office/drawing/2014/main" id="{6E86806C-58D4-C149-BBDA-6F730B8C6887}"/>
+                <a16:creationId xmlns:a16="http://schemas.microsoft.com/office/drawing/2014/main" xmlns="" id="{6E86806C-58D4-C149-BBDA-6F730B8C6887}"/>
               </a:ext>
             </a:extLst>
           </p:cNvPr>
@@ -4417,6 +4436,13 @@
   <p:clrMapOvr>
     <a:masterClrMapping/>
   </p:clrMapOvr>
+  <p:timing>
+    <p:tnLst>
+      <p:par>
+        <p:cTn id="1" dur="indefinite" restart="never" nodeType="tmRoot"/>
+      </p:par>
+    </p:tnLst>
+  </p:timing>
 </p:sld>
 </file>
 
@@ -4442,7 +4468,7 @@
           <p:cNvPr id="2" name="Title 1">
             <a:extLst>
               <a:ext uri="{FF2B5EF4-FFF2-40B4-BE49-F238E27FC236}">
-                <a16:creationId xmlns:a16="http://schemas.microsoft.com/office/drawing/2014/main" id="{15B653DF-196F-B948-A99F-64195A19F661}"/>
+                <a16:creationId xmlns:a16="http://schemas.microsoft.com/office/drawing/2014/main" xmlns="" id="{15B653DF-196F-B948-A99F-64195A19F661}"/>
               </a:ext>
             </a:extLst>
           </p:cNvPr>
@@ -4470,7 +4496,7 @@
           <p:cNvPr id="3" name="Text Placeholder 2">
             <a:extLst>
               <a:ext uri="{FF2B5EF4-FFF2-40B4-BE49-F238E27FC236}">
-                <a16:creationId xmlns:a16="http://schemas.microsoft.com/office/drawing/2014/main" id="{A130551D-F101-0A4F-AFCF-264470ACE062}"/>
+                <a16:creationId xmlns:a16="http://schemas.microsoft.com/office/drawing/2014/main" xmlns="" id="{A130551D-F101-0A4F-AFCF-264470ACE062}"/>
               </a:ext>
             </a:extLst>
           </p:cNvPr>
@@ -4500,6 +4526,13 @@
   <p:clrMapOvr>
     <a:masterClrMapping/>
   </p:clrMapOvr>
+  <p:timing>
+    <p:tnLst>
+      <p:par>
+        <p:cTn id="1" dur="indefinite" restart="never" nodeType="tmRoot"/>
+      </p:par>
+    </p:tnLst>
+  </p:timing>
 </p:sld>
 </file>
 
@@ -4520,55 +4553,19 @@
           <a:chExt cx="0" cy="0"/>
         </a:xfrm>
       </p:grpSpPr>
-      <p:sp>
-        <p:nvSpPr>
-          <p:cNvPr id="2" name="Title 1">
-            <a:extLst>
-              <a:ext uri="{FF2B5EF4-FFF2-40B4-BE49-F238E27FC236}">
-                <a16:creationId xmlns:a16="http://schemas.microsoft.com/office/drawing/2014/main" id="{A635CC5E-35CB-EE4F-92B1-28E459CFA7DA}"/>
-              </a:ext>
-            </a:extLst>
-          </p:cNvPr>
-          <p:cNvSpPr>
-            <a:spLocks noGrp="1"/>
-          </p:cNvSpPr>
-          <p:nvPr>
-            <p:ph type="title"/>
-          </p:nvPr>
-        </p:nvSpPr>
-        <p:spPr/>
-        <p:txBody>
-          <a:bodyPr/>
-          <a:lstStyle/>
-          <a:p>
-            <a:r>
-              <a:rPr lang="en-US" dirty="0"/>
-              <a:t>Regression versus classification</a:t>
-            </a:r>
-          </a:p>
-        </p:txBody>
-      </p:sp>
       <p:pic>
         <p:nvPicPr>
-          <p:cNvPr id="5" name="Content Placeholder 4">
-            <a:extLst>
-              <a:ext uri="{FF2B5EF4-FFF2-40B4-BE49-F238E27FC236}">
-                <a16:creationId xmlns:a16="http://schemas.microsoft.com/office/drawing/2014/main" id="{5B308111-CB40-1C45-B55F-80D564C132D0}"/>
-              </a:ext>
-            </a:extLst>
-          </p:cNvPr>
+          <p:cNvPr id="23" name="Picture 22"/>
           <p:cNvPicPr>
-            <a:picLocks noGrp="1" noChangeAspect="1"/>
+            <a:picLocks noChangeAspect="1"/>
           </p:cNvPicPr>
-          <p:nvPr>
-            <p:ph idx="1"/>
-          </p:nvPr>
+          <p:nvPr/>
         </p:nvPicPr>
         <p:blipFill>
           <a:blip r:embed="rId2">
             <a:extLst>
-              <a:ext uri="{96DAC541-7B7A-43D3-8B79-37D633B846F1}">
-                <asvg:svgBlip xmlns:asvg="http://schemas.microsoft.com/office/drawing/2016/SVG/main" r:embed="rId3"/>
+              <a:ext uri="{28A0092B-C50C-407E-A947-70E740481C1C}">
+                <a14:useLocalDpi xmlns:a14="http://schemas.microsoft.com/office/drawing/2010/main" val="0"/>
               </a:ext>
             </a:extLst>
           </a:blip>
@@ -4578,30 +4575,29 @@
         </p:blipFill>
         <p:spPr>
           <a:xfrm>
-            <a:off x="838200" y="2024732"/>
-            <a:ext cx="4800600" cy="3644900"/>
+            <a:off x="6281352" y="1970446"/>
+            <a:ext cx="4981118" cy="3320745"/>
           </a:xfrm>
+          <a:prstGeom prst="rect">
+            <a:avLst/>
+          </a:prstGeom>
         </p:spPr>
       </p:pic>
       <p:pic>
         <p:nvPicPr>
-          <p:cNvPr id="7" name="Graphic 6">
-            <a:extLst>
-              <a:ext uri="{FF2B5EF4-FFF2-40B4-BE49-F238E27FC236}">
-                <a16:creationId xmlns:a16="http://schemas.microsoft.com/office/drawing/2014/main" id="{F04910F3-FE41-ED44-9479-7F3693826501}"/>
-              </a:ext>
-            </a:extLst>
-          </p:cNvPr>
+          <p:cNvPr id="8" name="Content Placeholder 7"/>
           <p:cNvPicPr>
-            <a:picLocks noChangeAspect="1"/>
+            <a:picLocks noGrp="1" noChangeAspect="1"/>
           </p:cNvPicPr>
-          <p:nvPr/>
+          <p:nvPr>
+            <p:ph idx="1"/>
+          </p:nvPr>
         </p:nvPicPr>
         <p:blipFill>
-          <a:blip r:embed="rId4">
-            <a:extLst>
-              <a:ext uri="{96DAC541-7B7A-43D3-8B79-37D633B846F1}">
-                <asvg:svgBlip xmlns:asvg="http://schemas.microsoft.com/office/drawing/2016/SVG/main" r:embed="rId5"/>
+          <a:blip r:embed="rId3">
+            <a:extLst>
+              <a:ext uri="{28A0092B-C50C-407E-A947-70E740481C1C}">
+                <a14:useLocalDpi xmlns:a14="http://schemas.microsoft.com/office/drawing/2010/main" val="0"/>
               </a:ext>
             </a:extLst>
           </a:blip>
@@ -4611,20 +4607,45 @@
         </p:blipFill>
         <p:spPr>
           <a:xfrm>
-            <a:off x="6243691" y="2024732"/>
-            <a:ext cx="4800600" cy="3644900"/>
+            <a:off x="840858" y="1970446"/>
+            <a:ext cx="4981118" cy="3320745"/>
           </a:xfrm>
-          <a:prstGeom prst="rect">
-            <a:avLst/>
-          </a:prstGeom>
         </p:spPr>
       </p:pic>
+      <p:sp>
+        <p:nvSpPr>
+          <p:cNvPr id="2" name="Title 1">
+            <a:extLst>
+              <a:ext uri="{FF2B5EF4-FFF2-40B4-BE49-F238E27FC236}">
+                <a16:creationId xmlns:a16="http://schemas.microsoft.com/office/drawing/2014/main" xmlns="" id="{A635CC5E-35CB-EE4F-92B1-28E459CFA7DA}"/>
+              </a:ext>
+            </a:extLst>
+          </p:cNvPr>
+          <p:cNvSpPr>
+            <a:spLocks noGrp="1"/>
+          </p:cNvSpPr>
+          <p:nvPr>
+            <p:ph type="title"/>
+          </p:nvPr>
+        </p:nvSpPr>
+        <p:spPr/>
+        <p:txBody>
+          <a:bodyPr/>
+          <a:lstStyle/>
+          <a:p>
+            <a:r>
+              <a:rPr lang="en-US" dirty="0"/>
+              <a:t>Regression versus classification</a:t>
+            </a:r>
+          </a:p>
+        </p:txBody>
+      </p:sp>
       <p:cxnSp>
         <p:nvCxnSpPr>
           <p:cNvPr id="9" name="Straight Connector 8">
             <a:extLst>
               <a:ext uri="{FF2B5EF4-FFF2-40B4-BE49-F238E27FC236}">
-                <a16:creationId xmlns:a16="http://schemas.microsoft.com/office/drawing/2014/main" id="{1C398277-4A09-274F-98DC-FCFB458935D0}"/>
+                <a16:creationId xmlns:a16="http://schemas.microsoft.com/office/drawing/2014/main" xmlns="" id="{1C398277-4A09-274F-98DC-FCFB458935D0}"/>
               </a:ext>
             </a:extLst>
           </p:cNvPr>
@@ -4632,9 +4653,9 @@
           <p:nvPr/>
         </p:nvCxnSpPr>
         <p:spPr>
-          <a:xfrm flipV="1">
-            <a:off x="1240077" y="2655518"/>
-            <a:ext cx="4196220" cy="2655517"/>
+          <a:xfrm>
+            <a:off x="1391478" y="2782957"/>
+            <a:ext cx="3697357" cy="1963972"/>
           </a:xfrm>
           <a:prstGeom prst="line">
             <a:avLst/>
@@ -4665,7 +4686,7 @@
           <p:cNvPr id="10" name="Straight Connector 9">
             <a:extLst>
               <a:ext uri="{FF2B5EF4-FFF2-40B4-BE49-F238E27FC236}">
-                <a16:creationId xmlns:a16="http://schemas.microsoft.com/office/drawing/2014/main" id="{D5D96E86-3AB1-5741-AA39-F4810086B9CB}"/>
+                <a16:creationId xmlns:a16="http://schemas.microsoft.com/office/drawing/2014/main" xmlns="" id="{D5D96E86-3AB1-5741-AA39-F4810086B9CB}"/>
               </a:ext>
             </a:extLst>
           </p:cNvPr>
@@ -4675,9 +4696,9 @@
           <p:nvPr/>
         </p:nvCxnSpPr>
         <p:spPr>
-          <a:xfrm flipV="1">
-            <a:off x="8432105" y="2918564"/>
-            <a:ext cx="1589749" cy="1160110"/>
+          <a:xfrm>
+            <a:off x="8372723" y="4052427"/>
+            <a:ext cx="2707653" cy="447855"/>
           </a:xfrm>
           <a:prstGeom prst="line">
             <a:avLst/>
@@ -4708,7 +4729,7 @@
           <p:cNvPr id="12" name="Straight Connector 11">
             <a:extLst>
               <a:ext uri="{FF2B5EF4-FFF2-40B4-BE49-F238E27FC236}">
-                <a16:creationId xmlns:a16="http://schemas.microsoft.com/office/drawing/2014/main" id="{4930BD2F-E716-B14A-8F4A-92DA3A73813C}"/>
+                <a16:creationId xmlns:a16="http://schemas.microsoft.com/office/drawing/2014/main" xmlns="" id="{4930BD2F-E716-B14A-8F4A-92DA3A73813C}"/>
               </a:ext>
             </a:extLst>
           </p:cNvPr>
@@ -4719,8 +4740,8 @@
         </p:nvCxnSpPr>
         <p:spPr>
           <a:xfrm>
-            <a:off x="6751529" y="2818356"/>
-            <a:ext cx="1680576" cy="1260318"/>
+            <a:off x="7871791" y="2138901"/>
+            <a:ext cx="500932" cy="1913526"/>
           </a:xfrm>
           <a:prstGeom prst="line">
             <a:avLst/>
@@ -4751,7 +4772,7 @@
           <p:cNvPr id="15" name="Straight Connector 14">
             <a:extLst>
               <a:ext uri="{FF2B5EF4-FFF2-40B4-BE49-F238E27FC236}">
-                <a16:creationId xmlns:a16="http://schemas.microsoft.com/office/drawing/2014/main" id="{C29C7BD4-D042-2A4A-8057-5F1BACF60250}"/>
+                <a16:creationId xmlns:a16="http://schemas.microsoft.com/office/drawing/2014/main" xmlns="" id="{C29C7BD4-D042-2A4A-8057-5F1BACF60250}"/>
               </a:ext>
             </a:extLst>
           </p:cNvPr>
@@ -4761,9 +4782,9 @@
           <p:nvPr/>
         </p:nvCxnSpPr>
         <p:spPr>
-          <a:xfrm flipH="1" flipV="1">
-            <a:off x="8432104" y="4078674"/>
-            <a:ext cx="1" cy="1395200"/>
+          <a:xfrm flipV="1">
+            <a:off x="6750121" y="4052427"/>
+            <a:ext cx="1622602" cy="192826"/>
           </a:xfrm>
           <a:prstGeom prst="line">
             <a:avLst/>
@@ -4789,6 +4810,68 @@
           </a:fontRef>
         </p:style>
       </p:cxnSp>
+      <p:sp>
+        <p:nvSpPr>
+          <p:cNvPr id="31" name="Rectangle 30"/>
+          <p:cNvSpPr/>
+          <p:nvPr/>
+        </p:nvSpPr>
+        <p:spPr>
+          <a:xfrm>
+            <a:off x="1725085" y="1576743"/>
+            <a:ext cx="3403496" cy="369332"/>
+          </a:xfrm>
+          <a:prstGeom prst="rect">
+            <a:avLst/>
+          </a:prstGeom>
+        </p:spPr>
+        <p:txBody>
+          <a:bodyPr wrap="none">
+            <a:spAutoFit/>
+          </a:bodyPr>
+          <a:lstStyle/>
+          <a:p>
+            <a:r>
+              <a:rPr lang="en-US" dirty="0" err="1" smtClean="0"/>
+              <a:t>Regressors</a:t>
+            </a:r>
+            <a:r>
+              <a:rPr lang="en-US" dirty="0" smtClean="0"/>
+              <a:t> draw through data</a:t>
+            </a:r>
+            <a:endParaRPr lang="en-US" dirty="0"/>
+          </a:p>
+        </p:txBody>
+      </p:sp>
+      <p:sp>
+        <p:nvSpPr>
+          <p:cNvPr id="32" name="Rectangle 31"/>
+          <p:cNvSpPr/>
+          <p:nvPr/>
+        </p:nvSpPr>
+        <p:spPr>
+          <a:xfrm>
+            <a:off x="6806506" y="1576743"/>
+            <a:ext cx="4121641" cy="369332"/>
+          </a:xfrm>
+          <a:prstGeom prst="rect">
+            <a:avLst/>
+          </a:prstGeom>
+        </p:spPr>
+        <p:txBody>
+          <a:bodyPr wrap="none">
+            <a:spAutoFit/>
+          </a:bodyPr>
+          <a:lstStyle/>
+          <a:p>
+            <a:r>
+              <a:rPr lang="en-US" dirty="0" smtClean="0"/>
+              <a:t>Classifiers draw between data clusters</a:t>
+            </a:r>
+            <a:endParaRPr lang="en-US" dirty="0"/>
+          </a:p>
+        </p:txBody>
+      </p:sp>
     </p:spTree>
     <p:extLst>
       <p:ext uri="{BB962C8B-B14F-4D97-AF65-F5344CB8AC3E}">
@@ -4846,78 +4929,15 @@
                                   </p:childTnLst>
                                 </p:cTn>
                               </p:par>
-                            </p:childTnLst>
-                          </p:cTn>
-                        </p:par>
-                      </p:childTnLst>
-                    </p:cTn>
-                  </p:par>
-                  <p:par>
-                    <p:cTn id="7" fill="hold">
-                      <p:stCondLst>
-                        <p:cond delay="indefinite"/>
-                      </p:stCondLst>
-                      <p:childTnLst>
-                        <p:par>
-                          <p:cTn id="8" fill="hold">
-                            <p:stCondLst>
-                              <p:cond delay="0"/>
-                            </p:stCondLst>
-                            <p:childTnLst>
                               <p:par>
-                                <p:cTn id="9" presetID="1" presetClass="entr" presetSubtype="0" fill="hold" nodeType="clickEffect">
+                                <p:cTn id="7" presetID="1" presetClass="entr" presetSubtype="0" fill="hold" nodeType="withEffect">
                                   <p:stCondLst>
                                     <p:cond delay="0"/>
                                   </p:stCondLst>
                                   <p:childTnLst>
                                     <p:set>
                                       <p:cBhvr>
-                                        <p:cTn id="10" dur="1" fill="hold">
-                                          <p:stCondLst>
-                                            <p:cond delay="0"/>
-                                          </p:stCondLst>
-                                        </p:cTn>
-                                        <p:tgtEl>
-                                          <p:spTgt spid="10"/>
-                                        </p:tgtEl>
-                                        <p:attrNameLst>
-                                          <p:attrName>style.visibility</p:attrName>
-                                        </p:attrNameLst>
-                                      </p:cBhvr>
-                                      <p:to>
-                                        <p:strVal val="visible"/>
-                                      </p:to>
-                                    </p:set>
-                                  </p:childTnLst>
-                                </p:cTn>
-                              </p:par>
-                            </p:childTnLst>
-                          </p:cTn>
-                        </p:par>
-                      </p:childTnLst>
-                    </p:cTn>
-                  </p:par>
-                  <p:par>
-                    <p:cTn id="11" fill="hold">
-                      <p:stCondLst>
-                        <p:cond delay="indefinite"/>
-                      </p:stCondLst>
-                      <p:childTnLst>
-                        <p:par>
-                          <p:cTn id="12" fill="hold">
-                            <p:stCondLst>
-                              <p:cond delay="0"/>
-                            </p:stCondLst>
-                            <p:childTnLst>
-                              <p:par>
-                                <p:cTn id="13" presetID="1" presetClass="entr" presetSubtype="0" fill="hold" nodeType="clickEffect">
-                                  <p:stCondLst>
-                                    <p:cond delay="0"/>
-                                  </p:stCondLst>
-                                  <p:childTnLst>
-                                    <p:set>
-                                      <p:cBhvr>
-                                        <p:cTn id="14" dur="1" fill="hold">
+                                        <p:cTn id="8" dur="1" fill="hold">
                                           <p:stCondLst>
                                             <p:cond delay="0"/>
                                           </p:stCondLst>
@@ -4936,39 +4956,48 @@
                                   </p:childTnLst>
                                 </p:cTn>
                               </p:par>
-                            </p:childTnLst>
-                          </p:cTn>
-                        </p:par>
-                      </p:childTnLst>
-                    </p:cTn>
-                  </p:par>
-                  <p:par>
-                    <p:cTn id="15" fill="hold">
-                      <p:stCondLst>
-                        <p:cond delay="indefinite"/>
-                      </p:stCondLst>
-                      <p:childTnLst>
-                        <p:par>
-                          <p:cTn id="16" fill="hold">
-                            <p:stCondLst>
-                              <p:cond delay="0"/>
-                            </p:stCondLst>
-                            <p:childTnLst>
                               <p:par>
-                                <p:cTn id="17" presetID="1" presetClass="entr" presetSubtype="0" fill="hold" nodeType="clickEffect">
+                                <p:cTn id="9" presetID="1" presetClass="entr" presetSubtype="0" fill="hold" nodeType="withEffect">
                                   <p:stCondLst>
                                     <p:cond delay="0"/>
                                   </p:stCondLst>
                                   <p:childTnLst>
                                     <p:set>
                                       <p:cBhvr>
-                                        <p:cTn id="18" dur="1" fill="hold">
+                                        <p:cTn id="10" dur="1" fill="hold">
                                           <p:stCondLst>
                                             <p:cond delay="0"/>
                                           </p:stCondLst>
                                         </p:cTn>
                                         <p:tgtEl>
                                           <p:spTgt spid="15"/>
+                                        </p:tgtEl>
+                                        <p:attrNameLst>
+                                          <p:attrName>style.visibility</p:attrName>
+                                        </p:attrNameLst>
+                                      </p:cBhvr>
+                                      <p:to>
+                                        <p:strVal val="visible"/>
+                                      </p:to>
+                                    </p:set>
+                                  </p:childTnLst>
+                                </p:cTn>
+                              </p:par>
+                              <p:par>
+                                <p:cTn id="11" presetID="1" presetClass="entr" presetSubtype="0" fill="hold" nodeType="withEffect">
+                                  <p:stCondLst>
+                                    <p:cond delay="0"/>
+                                  </p:stCondLst>
+                                  <p:childTnLst>
+                                    <p:set>
+                                      <p:cBhvr>
+                                        <p:cTn id="12" dur="1" fill="hold">
+                                          <p:stCondLst>
+                                            <p:cond delay="0"/>
+                                          </p:stCondLst>
+                                        </p:cTn>
+                                        <p:tgtEl>
+                                          <p:spTgt spid="10"/>
                                         </p:tgtEl>
                                         <p:attrNameLst>
                                           <p:attrName>style.visibility</p:attrName>
@@ -5029,68 +5058,9 @@
           <a:chExt cx="0" cy="0"/>
         </a:xfrm>
       </p:grpSpPr>
-      <p:sp>
-        <p:nvSpPr>
-          <p:cNvPr id="2" name="Title 1">
-            <a:extLst>
-              <a:ext uri="{FF2B5EF4-FFF2-40B4-BE49-F238E27FC236}">
-                <a16:creationId xmlns:a16="http://schemas.microsoft.com/office/drawing/2014/main" id="{A1632F17-CD50-E541-ACE7-C9011B18B66E}"/>
-              </a:ext>
-            </a:extLst>
-          </p:cNvPr>
-          <p:cNvSpPr>
-            <a:spLocks noGrp="1"/>
-          </p:cNvSpPr>
-          <p:nvPr>
-            <p:ph type="title"/>
-          </p:nvPr>
-        </p:nvSpPr>
-        <p:spPr/>
-        <p:txBody>
-          <a:bodyPr/>
-          <a:lstStyle/>
-          <a:p>
-            <a:r>
-              <a:rPr lang="en-US" dirty="0"/>
-              <a:t>Different models have different surfaces</a:t>
-            </a:r>
-          </a:p>
-        </p:txBody>
-      </p:sp>
-      <p:sp>
-        <p:nvSpPr>
-          <p:cNvPr id="3" name="Content Placeholder 2">
-            <a:extLst>
-              <a:ext uri="{FF2B5EF4-FFF2-40B4-BE49-F238E27FC236}">
-                <a16:creationId xmlns:a16="http://schemas.microsoft.com/office/drawing/2014/main" id="{FF92918F-36D7-7243-8504-C54FBE7E76AC}"/>
-              </a:ext>
-            </a:extLst>
-          </p:cNvPr>
-          <p:cNvSpPr>
-            <a:spLocks noGrp="1"/>
-          </p:cNvSpPr>
-          <p:nvPr>
-            <p:ph idx="1"/>
-          </p:nvPr>
-        </p:nvSpPr>
-        <p:spPr/>
-        <p:txBody>
-          <a:bodyPr/>
-          <a:lstStyle/>
-          <a:p>
-            <a:endParaRPr lang="en-US"/>
-          </a:p>
-        </p:txBody>
-      </p:sp>
       <p:pic>
         <p:nvPicPr>
-          <p:cNvPr id="4" name="Content Placeholder 4">
-            <a:extLst>
-              <a:ext uri="{FF2B5EF4-FFF2-40B4-BE49-F238E27FC236}">
-                <a16:creationId xmlns:a16="http://schemas.microsoft.com/office/drawing/2014/main" id="{EC20AB06-9D09-1D4F-826B-71425FC9B4C3}"/>
-              </a:ext>
-            </a:extLst>
-          </p:cNvPr>
+          <p:cNvPr id="13" name="Content Placeholder 7"/>
           <p:cNvPicPr>
             <a:picLocks noChangeAspect="1"/>
           </p:cNvPicPr>
@@ -5099,8 +5069,8 @@
         <p:blipFill>
           <a:blip r:embed="rId2">
             <a:extLst>
-              <a:ext uri="{96DAC541-7B7A-43D3-8B79-37D633B846F1}">
-                <asvg:svgBlip xmlns:asvg="http://schemas.microsoft.com/office/drawing/2016/SVG/main" r:embed="rId3"/>
+              <a:ext uri="{28A0092B-C50C-407E-A947-70E740481C1C}">
+                <a14:useLocalDpi xmlns:a14="http://schemas.microsoft.com/office/drawing/2010/main" val="0"/>
               </a:ext>
             </a:extLst>
           </a:blip>
@@ -5110,8 +5080,8 @@
         </p:blipFill>
         <p:spPr>
           <a:xfrm>
-            <a:off x="838200" y="2024732"/>
-            <a:ext cx="4800600" cy="3644900"/>
+            <a:off x="840858" y="1970446"/>
+            <a:ext cx="4981118" cy="3320745"/>
           </a:xfrm>
           <a:prstGeom prst="rect">
             <a:avLst/>
@@ -5120,23 +5090,17 @@
       </p:pic>
       <p:pic>
         <p:nvPicPr>
-          <p:cNvPr id="5" name="Graphic 4">
-            <a:extLst>
-              <a:ext uri="{FF2B5EF4-FFF2-40B4-BE49-F238E27FC236}">
-                <a16:creationId xmlns:a16="http://schemas.microsoft.com/office/drawing/2014/main" id="{F07266C4-CAF6-5D4C-8E6E-242B714FF98E}"/>
-              </a:ext>
-            </a:extLst>
-          </p:cNvPr>
+          <p:cNvPr id="10" name="Picture 9"/>
           <p:cNvPicPr>
             <a:picLocks noChangeAspect="1"/>
           </p:cNvPicPr>
           <p:nvPr/>
         </p:nvPicPr>
         <p:blipFill>
-          <a:blip r:embed="rId4">
-            <a:extLst>
-              <a:ext uri="{96DAC541-7B7A-43D3-8B79-37D633B846F1}">
-                <asvg:svgBlip xmlns:asvg="http://schemas.microsoft.com/office/drawing/2016/SVG/main" r:embed="rId5"/>
+          <a:blip r:embed="rId3">
+            <a:extLst>
+              <a:ext uri="{28A0092B-C50C-407E-A947-70E740481C1C}">
+                <a14:useLocalDpi xmlns:a14="http://schemas.microsoft.com/office/drawing/2010/main" val="0"/>
               </a:ext>
             </a:extLst>
           </a:blip>
@@ -5146,20 +5110,48 @@
         </p:blipFill>
         <p:spPr>
           <a:xfrm>
-            <a:off x="6243691" y="2024732"/>
-            <a:ext cx="4800600" cy="3644900"/>
+            <a:off x="6281352" y="1970446"/>
+            <a:ext cx="4981118" cy="3320745"/>
           </a:xfrm>
           <a:prstGeom prst="rect">
             <a:avLst/>
           </a:prstGeom>
         </p:spPr>
       </p:pic>
+      <p:sp>
+        <p:nvSpPr>
+          <p:cNvPr id="2" name="Title 1">
+            <a:extLst>
+              <a:ext uri="{FF2B5EF4-FFF2-40B4-BE49-F238E27FC236}">
+                <a16:creationId xmlns:a16="http://schemas.microsoft.com/office/drawing/2014/main" xmlns="" id="{A1632F17-CD50-E541-ACE7-C9011B18B66E}"/>
+              </a:ext>
+            </a:extLst>
+          </p:cNvPr>
+          <p:cNvSpPr>
+            <a:spLocks noGrp="1"/>
+          </p:cNvSpPr>
+          <p:nvPr>
+            <p:ph type="title"/>
+          </p:nvPr>
+        </p:nvSpPr>
+        <p:spPr/>
+        <p:txBody>
+          <a:bodyPr/>
+          <a:lstStyle/>
+          <a:p>
+            <a:r>
+              <a:rPr lang="en-US" dirty="0"/>
+              <a:t>Different models have different surfaces</a:t>
+            </a:r>
+          </a:p>
+        </p:txBody>
+      </p:sp>
       <p:cxnSp>
         <p:nvCxnSpPr>
           <p:cNvPr id="9" name="Straight Connector 8">
             <a:extLst>
               <a:ext uri="{FF2B5EF4-FFF2-40B4-BE49-F238E27FC236}">
-                <a16:creationId xmlns:a16="http://schemas.microsoft.com/office/drawing/2014/main" id="{2D75FB2A-A45A-304C-B403-0AE6A9B31E70}"/>
+                <a16:creationId xmlns:a16="http://schemas.microsoft.com/office/drawing/2014/main" xmlns="" id="{2D75FB2A-A45A-304C-B403-0AE6A9B31E70}"/>
               </a:ext>
             </a:extLst>
           </p:cNvPr>
@@ -5169,9 +5161,9 @@
           <p:nvPr/>
         </p:nvCxnSpPr>
         <p:spPr>
-          <a:xfrm flipV="1">
-            <a:off x="1129431" y="4709786"/>
-            <a:ext cx="1526087" cy="633457"/>
+          <a:xfrm>
+            <a:off x="1541929" y="2268071"/>
+            <a:ext cx="842683" cy="1272988"/>
           </a:xfrm>
           <a:prstGeom prst="line">
             <a:avLst/>
@@ -5202,7 +5194,7 @@
           <p:cNvPr id="11" name="Straight Connector 10">
             <a:extLst>
               <a:ext uri="{FF2B5EF4-FFF2-40B4-BE49-F238E27FC236}">
-                <a16:creationId xmlns:a16="http://schemas.microsoft.com/office/drawing/2014/main" id="{9C94E913-6FF0-724D-9664-EA6EF68B45D3}"/>
+                <a16:creationId xmlns:a16="http://schemas.microsoft.com/office/drawing/2014/main" xmlns="" id="{9C94E913-6FF0-724D-9664-EA6EF68B45D3}"/>
               </a:ext>
             </a:extLst>
           </p:cNvPr>
@@ -5212,9 +5204,9 @@
           <p:nvPr/>
         </p:nvCxnSpPr>
         <p:spPr>
-          <a:xfrm flipV="1">
-            <a:off x="2655518" y="3549676"/>
-            <a:ext cx="1589749" cy="1160110"/>
+          <a:xfrm>
+            <a:off x="2384612" y="3541059"/>
+            <a:ext cx="1401279" cy="627529"/>
           </a:xfrm>
           <a:prstGeom prst="line">
             <a:avLst/>
@@ -5245,7 +5237,7 @@
           <p:cNvPr id="12" name="Straight Connector 11">
             <a:extLst>
               <a:ext uri="{FF2B5EF4-FFF2-40B4-BE49-F238E27FC236}">
-                <a16:creationId xmlns:a16="http://schemas.microsoft.com/office/drawing/2014/main" id="{B1813A5C-4367-C943-92B4-C329EF04E05F}"/>
+                <a16:creationId xmlns:a16="http://schemas.microsoft.com/office/drawing/2014/main" xmlns="" id="{B1813A5C-4367-C943-92B4-C329EF04E05F}"/>
               </a:ext>
             </a:extLst>
           </p:cNvPr>
@@ -5255,9 +5247,9 @@
           <p:nvPr/>
         </p:nvCxnSpPr>
         <p:spPr>
-          <a:xfrm flipV="1">
-            <a:off x="4245267" y="2329841"/>
-            <a:ext cx="990612" cy="1219835"/>
+          <a:xfrm>
+            <a:off x="3785891" y="4168589"/>
+            <a:ext cx="1816667" cy="399936"/>
           </a:xfrm>
           <a:prstGeom prst="line">
             <a:avLst/>
@@ -5285,34 +5277,182 @@
       </p:cxnSp>
       <p:sp>
         <p:nvSpPr>
-          <p:cNvPr id="15" name="Freeform 14">
-            <a:extLst>
-              <a:ext uri="{FF2B5EF4-FFF2-40B4-BE49-F238E27FC236}">
-                <a16:creationId xmlns:a16="http://schemas.microsoft.com/office/drawing/2014/main" id="{E3E9B221-CBB8-814B-AF62-CBF2C19C951D}"/>
-              </a:ext>
-            </a:extLst>
-          </p:cNvPr>
+          <p:cNvPr id="21" name="Freeform 20"/>
           <p:cNvSpPr/>
           <p:nvPr/>
         </p:nvSpPr>
         <p:spPr>
           <a:xfrm>
-            <a:off x="6926893" y="3219189"/>
-            <a:ext cx="1579190" cy="2267211"/>
+            <a:off x="6762307" y="4100198"/>
+            <a:ext cx="2174959" cy="662633"/>
           </a:xfrm>
           <a:custGeom>
             <a:avLst/>
             <a:gdLst>
-              <a:gd name="connsiteX0" fmla="*/ 0 w 1579190"/>
-              <a:gd name="connsiteY0" fmla="*/ 0 h 2267211"/>
-              <a:gd name="connsiteX1" fmla="*/ 726510 w 1579190"/>
-              <a:gd name="connsiteY1" fmla="*/ 601249 h 2267211"/>
-              <a:gd name="connsiteX2" fmla="*/ 1327759 w 1579190"/>
-              <a:gd name="connsiteY2" fmla="*/ 926926 h 2267211"/>
-              <a:gd name="connsiteX3" fmla="*/ 1540702 w 1579190"/>
-              <a:gd name="connsiteY3" fmla="*/ 1478071 h 2267211"/>
-              <a:gd name="connsiteX4" fmla="*/ 1578280 w 1579190"/>
-              <a:gd name="connsiteY4" fmla="*/ 2267211 h 2267211"/>
+              <a:gd name="connsiteX0" fmla="*/ 2119423 w 2119423"/>
+              <a:gd name="connsiteY0" fmla="*/ 660712 h 660712"/>
+              <a:gd name="connsiteX1" fmla="*/ 1708298 w 2119423"/>
+              <a:gd name="connsiteY1" fmla="*/ 185791 h 660712"/>
+              <a:gd name="connsiteX2" fmla="*/ 1197935 w 2119423"/>
+              <a:gd name="connsiteY2" fmla="*/ 1494 h 660712"/>
+              <a:gd name="connsiteX3" fmla="*/ 0 w 2119423"/>
+              <a:gd name="connsiteY3" fmla="*/ 270852 h 660712"/>
+              <a:gd name="connsiteX0" fmla="*/ 2119423 w 2119423"/>
+              <a:gd name="connsiteY0" fmla="*/ 660408 h 660408"/>
+              <a:gd name="connsiteX1" fmla="*/ 1708298 w 2119423"/>
+              <a:gd name="connsiteY1" fmla="*/ 185487 h 660408"/>
+              <a:gd name="connsiteX2" fmla="*/ 1499270 w 2119423"/>
+              <a:gd name="connsiteY2" fmla="*/ 172510 h 660408"/>
+              <a:gd name="connsiteX3" fmla="*/ 1197935 w 2119423"/>
+              <a:gd name="connsiteY3" fmla="*/ 1190 h 660408"/>
+              <a:gd name="connsiteX4" fmla="*/ 0 w 2119423"/>
+              <a:gd name="connsiteY4" fmla="*/ 270548 h 660408"/>
+              <a:gd name="connsiteX0" fmla="*/ 2119423 w 2119423"/>
+              <a:gd name="connsiteY0" fmla="*/ 621211 h 621211"/>
+              <a:gd name="connsiteX1" fmla="*/ 1708298 w 2119423"/>
+              <a:gd name="connsiteY1" fmla="*/ 146290 h 621211"/>
+              <a:gd name="connsiteX2" fmla="*/ 1499270 w 2119423"/>
+              <a:gd name="connsiteY2" fmla="*/ 133313 h 621211"/>
+              <a:gd name="connsiteX3" fmla="*/ 1041194 w 2119423"/>
+              <a:gd name="connsiteY3" fmla="*/ 1552 h 621211"/>
+              <a:gd name="connsiteX4" fmla="*/ 0 w 2119423"/>
+              <a:gd name="connsiteY4" fmla="*/ 231351 h 621211"/>
+              <a:gd name="connsiteX0" fmla="*/ 2119423 w 2119423"/>
+              <a:gd name="connsiteY0" fmla="*/ 649830 h 649830"/>
+              <a:gd name="connsiteX1" fmla="*/ 1708298 w 2119423"/>
+              <a:gd name="connsiteY1" fmla="*/ 174909 h 649830"/>
+              <a:gd name="connsiteX2" fmla="*/ 1499270 w 2119423"/>
+              <a:gd name="connsiteY2" fmla="*/ 161932 h 649830"/>
+              <a:gd name="connsiteX3" fmla="*/ 1281194 w 2119423"/>
+              <a:gd name="connsiteY3" fmla="*/ 16880 h 649830"/>
+              <a:gd name="connsiteX4" fmla="*/ 1041194 w 2119423"/>
+              <a:gd name="connsiteY4" fmla="*/ 30171 h 649830"/>
+              <a:gd name="connsiteX5" fmla="*/ 0 w 2119423"/>
+              <a:gd name="connsiteY5" fmla="*/ 259970 h 649830"/>
+              <a:gd name="connsiteX0" fmla="*/ 2119423 w 2119423"/>
+              <a:gd name="connsiteY0" fmla="*/ 649830 h 649830"/>
+              <a:gd name="connsiteX1" fmla="*/ 1708298 w 2119423"/>
+              <a:gd name="connsiteY1" fmla="*/ 174909 h 649830"/>
+              <a:gd name="connsiteX2" fmla="*/ 1444751 w 2119423"/>
+              <a:gd name="connsiteY2" fmla="*/ 168525 h 649830"/>
+              <a:gd name="connsiteX3" fmla="*/ 1281194 w 2119423"/>
+              <a:gd name="connsiteY3" fmla="*/ 16880 h 649830"/>
+              <a:gd name="connsiteX4" fmla="*/ 1041194 w 2119423"/>
+              <a:gd name="connsiteY4" fmla="*/ 30171 h 649830"/>
+              <a:gd name="connsiteX5" fmla="*/ 0 w 2119423"/>
+              <a:gd name="connsiteY5" fmla="*/ 259970 h 649830"/>
+            </a:gdLst>
+            <a:ahLst/>
+            <a:cxnLst>
+              <a:cxn ang="0">
+                <a:pos x="connsiteX0" y="connsiteY0"/>
+              </a:cxn>
+              <a:cxn ang="0">
+                <a:pos x="connsiteX1" y="connsiteY1"/>
+              </a:cxn>
+              <a:cxn ang="0">
+                <a:pos x="connsiteX2" y="connsiteY2"/>
+              </a:cxn>
+              <a:cxn ang="0">
+                <a:pos x="connsiteX3" y="connsiteY3"/>
+              </a:cxn>
+              <a:cxn ang="0">
+                <a:pos x="connsiteX4" y="connsiteY4"/>
+              </a:cxn>
+              <a:cxn ang="0">
+                <a:pos x="connsiteX5" y="connsiteY5"/>
+              </a:cxn>
+            </a:cxnLst>
+            <a:rect l="l" t="t" r="r" b="b"/>
+            <a:pathLst>
+              <a:path w="2119423" h="649830">
+                <a:moveTo>
+                  <a:pt x="2119423" y="649830"/>
+                </a:moveTo>
+                <a:cubicBezTo>
+                  <a:pt x="1990651" y="467304"/>
+                  <a:pt x="1820743" y="255126"/>
+                  <a:pt x="1708298" y="174909"/>
+                </a:cubicBezTo>
+                <a:cubicBezTo>
+                  <a:pt x="1595853" y="94692"/>
+                  <a:pt x="1513663" y="188270"/>
+                  <a:pt x="1444751" y="168525"/>
+                </a:cubicBezTo>
+                <a:cubicBezTo>
+                  <a:pt x="1375839" y="148780"/>
+                  <a:pt x="1357540" y="38840"/>
+                  <a:pt x="1281194" y="16880"/>
+                </a:cubicBezTo>
+                <a:cubicBezTo>
+                  <a:pt x="1204848" y="-5080"/>
+                  <a:pt x="1254726" y="-10344"/>
+                  <a:pt x="1041194" y="30171"/>
+                </a:cubicBezTo>
+                <a:cubicBezTo>
+                  <a:pt x="827662" y="70686"/>
+                  <a:pt x="456609" y="132379"/>
+                  <a:pt x="0" y="259970"/>
+                </a:cubicBezTo>
+              </a:path>
+            </a:pathLst>
+          </a:custGeom>
+          <a:noFill/>
+          <a:ln w="22225">
+            <a:solidFill>
+              <a:srgbClr val="C00000"/>
+            </a:solidFill>
+          </a:ln>
+        </p:spPr>
+        <p:style>
+          <a:lnRef idx="2">
+            <a:schemeClr val="accent1">
+              <a:shade val="50000"/>
+            </a:schemeClr>
+          </a:lnRef>
+          <a:fillRef idx="1">
+            <a:schemeClr val="accent1"/>
+          </a:fillRef>
+          <a:effectRef idx="0">
+            <a:schemeClr val="accent1"/>
+          </a:effectRef>
+          <a:fontRef idx="minor">
+            <a:schemeClr val="lt1"/>
+          </a:fontRef>
+        </p:style>
+        <p:txBody>
+          <a:bodyPr rtlCol="0" anchor="ctr"/>
+          <a:lstStyle/>
+          <a:p>
+            <a:pPr algn="ctr"/>
+            <a:endParaRPr lang="en-US"/>
+          </a:p>
+        </p:txBody>
+      </p:sp>
+      <p:sp>
+        <p:nvSpPr>
+          <p:cNvPr id="22" name="Freeform 21"/>
+          <p:cNvSpPr/>
+          <p:nvPr/>
+        </p:nvSpPr>
+        <p:spPr>
+          <a:xfrm>
+            <a:off x="8190387" y="2126512"/>
+            <a:ext cx="2910003" cy="1779182"/>
+          </a:xfrm>
+          <a:custGeom>
+            <a:avLst/>
+            <a:gdLst>
+              <a:gd name="connsiteX0" fmla="*/ 315659 w 1782952"/>
+              <a:gd name="connsiteY0" fmla="*/ 0 h 1726132"/>
+              <a:gd name="connsiteX1" fmla="*/ 10859 w 1782952"/>
+              <a:gd name="connsiteY1" fmla="*/ 971107 h 1726132"/>
+              <a:gd name="connsiteX2" fmla="*/ 103007 w 1782952"/>
+              <a:gd name="connsiteY2" fmla="*/ 1516911 h 1726132"/>
+              <a:gd name="connsiteX3" fmla="*/ 436161 w 1782952"/>
+              <a:gd name="connsiteY3" fmla="*/ 1715386 h 1726132"/>
+              <a:gd name="connsiteX4" fmla="*/ 1782952 w 1782952"/>
+              <a:gd name="connsiteY4" fmla="*/ 1701209 h 1726132"/>
             </a:gdLst>
             <a:ahLst/>
             <a:cxnLst>
@@ -5334,34 +5474,39 @@
             </a:cxnLst>
             <a:rect l="l" t="t" r="r" b="b"/>
             <a:pathLst>
-              <a:path w="1579190" h="2267211">
+              <a:path w="1782952" h="1726132">
                 <a:moveTo>
-                  <a:pt x="0" y="0"/>
+                  <a:pt x="315659" y="0"/>
                 </a:moveTo>
                 <a:cubicBezTo>
-                  <a:pt x="252608" y="223380"/>
-                  <a:pt x="505217" y="446761"/>
-                  <a:pt x="726510" y="601249"/>
+                  <a:pt x="180980" y="359144"/>
+                  <a:pt x="46301" y="718289"/>
+                  <a:pt x="10859" y="971107"/>
                 </a:cubicBezTo>
                 <a:cubicBezTo>
-                  <a:pt x="947803" y="755737"/>
-                  <a:pt x="1192060" y="780789"/>
-                  <a:pt x="1327759" y="926926"/>
+                  <a:pt x="-24583" y="1223925"/>
+                  <a:pt x="32123" y="1392865"/>
+                  <a:pt x="103007" y="1516911"/>
                 </a:cubicBezTo>
                 <a:cubicBezTo>
-                  <a:pt x="1463458" y="1073063"/>
-                  <a:pt x="1498949" y="1254690"/>
-                  <a:pt x="1540702" y="1478071"/>
+                  <a:pt x="173891" y="1640957"/>
+                  <a:pt x="156170" y="1684670"/>
+                  <a:pt x="436161" y="1715386"/>
                 </a:cubicBezTo>
                 <a:cubicBezTo>
-                  <a:pt x="1582455" y="1701452"/>
-                  <a:pt x="1580367" y="1984331"/>
-                  <a:pt x="1578280" y="2267211"/>
+                  <a:pt x="716152" y="1746102"/>
+                  <a:pt x="1782952" y="1701209"/>
+                  <a:pt x="1782952" y="1701209"/>
                 </a:cubicBezTo>
               </a:path>
             </a:pathLst>
           </a:custGeom>
           <a:noFill/>
+          <a:ln w="22225">
+            <a:solidFill>
+              <a:srgbClr val="C00000"/>
+            </a:solidFill>
+          </a:ln>
         </p:spPr>
         <p:style>
           <a:lnRef idx="2">
@@ -5384,7 +5529,11 @@
           <a:lstStyle/>
           <a:p>
             <a:pPr algn="ctr"/>
-            <a:endParaRPr lang="en-US"/>
+            <a:endParaRPr lang="en-US">
+              <a:solidFill>
+                <a:srgbClr val="C00000"/>
+              </a:solidFill>
+            </a:endParaRPr>
           </a:p>
         </p:txBody>
       </p:sp>
@@ -5401,165 +5550,7 @@
   <p:timing>
     <p:tnLst>
       <p:par>
-        <p:cTn id="1" dur="indefinite" restart="never" nodeType="tmRoot">
-          <p:childTnLst>
-            <p:seq concurrent="1" nextAc="seek">
-              <p:cTn id="2" dur="indefinite" nodeType="mainSeq">
-                <p:childTnLst>
-                  <p:par>
-                    <p:cTn id="3" fill="hold">
-                      <p:stCondLst>
-                        <p:cond delay="indefinite"/>
-                      </p:stCondLst>
-                      <p:childTnLst>
-                        <p:par>
-                          <p:cTn id="4" fill="hold">
-                            <p:stCondLst>
-                              <p:cond delay="0"/>
-                            </p:stCondLst>
-                            <p:childTnLst>
-                              <p:par>
-                                <p:cTn id="5" presetID="1" presetClass="entr" presetSubtype="0" fill="hold" nodeType="clickEffect">
-                                  <p:stCondLst>
-                                    <p:cond delay="0"/>
-                                  </p:stCondLst>
-                                  <p:childTnLst>
-                                    <p:set>
-                                      <p:cBhvr>
-                                        <p:cTn id="6" dur="1" fill="hold">
-                                          <p:stCondLst>
-                                            <p:cond delay="0"/>
-                                          </p:stCondLst>
-                                        </p:cTn>
-                                        <p:tgtEl>
-                                          <p:spTgt spid="9"/>
-                                        </p:tgtEl>
-                                        <p:attrNameLst>
-                                          <p:attrName>style.visibility</p:attrName>
-                                        </p:attrNameLst>
-                                      </p:cBhvr>
-                                      <p:to>
-                                        <p:strVal val="visible"/>
-                                      </p:to>
-                                    </p:set>
-                                  </p:childTnLst>
-                                </p:cTn>
-                              </p:par>
-                            </p:childTnLst>
-                          </p:cTn>
-                        </p:par>
-                      </p:childTnLst>
-                    </p:cTn>
-                  </p:par>
-                  <p:par>
-                    <p:cTn id="7" fill="hold">
-                      <p:stCondLst>
-                        <p:cond delay="indefinite"/>
-                      </p:stCondLst>
-                      <p:childTnLst>
-                        <p:par>
-                          <p:cTn id="8" fill="hold">
-                            <p:stCondLst>
-                              <p:cond delay="0"/>
-                            </p:stCondLst>
-                            <p:childTnLst>
-                              <p:par>
-                                <p:cTn id="9" presetID="1" presetClass="entr" presetSubtype="0" fill="hold" nodeType="clickEffect">
-                                  <p:stCondLst>
-                                    <p:cond delay="0"/>
-                                  </p:stCondLst>
-                                  <p:childTnLst>
-                                    <p:set>
-                                      <p:cBhvr>
-                                        <p:cTn id="10" dur="1" fill="hold">
-                                          <p:stCondLst>
-                                            <p:cond delay="0"/>
-                                          </p:stCondLst>
-                                        </p:cTn>
-                                        <p:tgtEl>
-                                          <p:spTgt spid="11"/>
-                                        </p:tgtEl>
-                                        <p:attrNameLst>
-                                          <p:attrName>style.visibility</p:attrName>
-                                        </p:attrNameLst>
-                                      </p:cBhvr>
-                                      <p:to>
-                                        <p:strVal val="visible"/>
-                                      </p:to>
-                                    </p:set>
-                                  </p:childTnLst>
-                                </p:cTn>
-                              </p:par>
-                            </p:childTnLst>
-                          </p:cTn>
-                        </p:par>
-                      </p:childTnLst>
-                    </p:cTn>
-                  </p:par>
-                  <p:par>
-                    <p:cTn id="11" fill="hold">
-                      <p:stCondLst>
-                        <p:cond delay="indefinite"/>
-                      </p:stCondLst>
-                      <p:childTnLst>
-                        <p:par>
-                          <p:cTn id="12" fill="hold">
-                            <p:stCondLst>
-                              <p:cond delay="0"/>
-                            </p:stCondLst>
-                            <p:childTnLst>
-                              <p:par>
-                                <p:cTn id="13" presetID="1" presetClass="entr" presetSubtype="0" fill="hold" nodeType="clickEffect">
-                                  <p:stCondLst>
-                                    <p:cond delay="0"/>
-                                  </p:stCondLst>
-                                  <p:childTnLst>
-                                    <p:set>
-                                      <p:cBhvr>
-                                        <p:cTn id="14" dur="1" fill="hold">
-                                          <p:stCondLst>
-                                            <p:cond delay="0"/>
-                                          </p:stCondLst>
-                                        </p:cTn>
-                                        <p:tgtEl>
-                                          <p:spTgt spid="12"/>
-                                        </p:tgtEl>
-                                        <p:attrNameLst>
-                                          <p:attrName>style.visibility</p:attrName>
-                                        </p:attrNameLst>
-                                      </p:cBhvr>
-                                      <p:to>
-                                        <p:strVal val="visible"/>
-                                      </p:to>
-                                    </p:set>
-                                  </p:childTnLst>
-                                </p:cTn>
-                              </p:par>
-                            </p:childTnLst>
-                          </p:cTn>
-                        </p:par>
-                      </p:childTnLst>
-                    </p:cTn>
-                  </p:par>
-                </p:childTnLst>
-              </p:cTn>
-              <p:prevCondLst>
-                <p:cond evt="onPrev" delay="0">
-                  <p:tgtEl>
-                    <p:sldTgt/>
-                  </p:tgtEl>
-                </p:cond>
-              </p:prevCondLst>
-              <p:nextCondLst>
-                <p:cond evt="onNext" delay="0">
-                  <p:tgtEl>
-                    <p:sldTgt/>
-                  </p:tgtEl>
-                </p:cond>
-              </p:nextCondLst>
-            </p:seq>
-          </p:childTnLst>
-        </p:cTn>
+        <p:cTn id="1" dur="indefinite" restart="never" nodeType="tmRoot"/>
       </p:par>
     </p:tnLst>
   </p:timing>
@@ -5588,7 +5579,7 @@
           <p:cNvPr id="2" name="Title 1">
             <a:extLst>
               <a:ext uri="{FF2B5EF4-FFF2-40B4-BE49-F238E27FC236}">
-                <a16:creationId xmlns:a16="http://schemas.microsoft.com/office/drawing/2014/main" id="{222D992D-0BEB-B645-A684-31C4B21AE82A}"/>
+                <a16:creationId xmlns:a16="http://schemas.microsoft.com/office/drawing/2014/main" xmlns="" id="{222D992D-0BEB-B645-A684-31C4B21AE82A}"/>
               </a:ext>
             </a:extLst>
           </p:cNvPr>
@@ -5616,7 +5607,7 @@
           <p:cNvPr id="3" name="Text Placeholder 2">
             <a:extLst>
               <a:ext uri="{FF2B5EF4-FFF2-40B4-BE49-F238E27FC236}">
-                <a16:creationId xmlns:a16="http://schemas.microsoft.com/office/drawing/2014/main" id="{8B9241F4-6B21-764C-BDD5-4B27BB42919A}"/>
+                <a16:creationId xmlns:a16="http://schemas.microsoft.com/office/drawing/2014/main" xmlns="" id="{8B9241F4-6B21-764C-BDD5-4B27BB42919A}"/>
               </a:ext>
             </a:extLst>
           </p:cNvPr>
@@ -5646,6 +5637,13 @@
   <p:clrMapOvr>
     <a:masterClrMapping/>
   </p:clrMapOvr>
+  <p:timing>
+    <p:tnLst>
+      <p:par>
+        <p:cTn id="1" dur="indefinite" restart="never" nodeType="tmRoot"/>
+      </p:par>
+    </p:tnLst>
+  </p:timing>
 </p:sld>
 </file>
 
@@ -5671,7 +5669,7 @@
           <p:cNvPr id="2" name="Title 1">
             <a:extLst>
               <a:ext uri="{FF2B5EF4-FFF2-40B4-BE49-F238E27FC236}">
-                <a16:creationId xmlns:a16="http://schemas.microsoft.com/office/drawing/2014/main" id="{46490CDA-0C60-104E-8F46-1AF6F41B1782}"/>
+                <a16:creationId xmlns:a16="http://schemas.microsoft.com/office/drawing/2014/main" xmlns="" id="{46490CDA-0C60-104E-8F46-1AF6F41B1782}"/>
               </a:ext>
             </a:extLst>
           </p:cNvPr>
@@ -5699,7 +5697,7 @@
           <p:cNvPr id="3" name="Text Placeholder 2">
             <a:extLst>
               <a:ext uri="{FF2B5EF4-FFF2-40B4-BE49-F238E27FC236}">
-                <a16:creationId xmlns:a16="http://schemas.microsoft.com/office/drawing/2014/main" id="{7EE3660A-4739-A141-9F76-1D37F3007AF4}"/>
+                <a16:creationId xmlns:a16="http://schemas.microsoft.com/office/drawing/2014/main" xmlns="" id="{7EE3660A-4739-A141-9F76-1D37F3007AF4}"/>
               </a:ext>
             </a:extLst>
           </p:cNvPr>
@@ -5754,7 +5752,7 @@
           <p:cNvPr id="2" name="Title 1">
             <a:extLst>
               <a:ext uri="{FF2B5EF4-FFF2-40B4-BE49-F238E27FC236}">
-                <a16:creationId xmlns:a16="http://schemas.microsoft.com/office/drawing/2014/main" id="{61162354-30E5-0446-BECA-83AF4A3FCC7E}"/>
+                <a16:creationId xmlns:a16="http://schemas.microsoft.com/office/drawing/2014/main" xmlns="" id="{61162354-30E5-0446-BECA-83AF4A3FCC7E}"/>
               </a:ext>
             </a:extLst>
           </p:cNvPr>
@@ -5800,7 +5798,7 @@
           <p:cNvPr id="3" name="Text Placeholder 2">
             <a:extLst>
               <a:ext uri="{FF2B5EF4-FFF2-40B4-BE49-F238E27FC236}">
-                <a16:creationId xmlns:a16="http://schemas.microsoft.com/office/drawing/2014/main" id="{CF7EA135-BF18-F741-82F8-3580BFA36660}"/>
+                <a16:creationId xmlns:a16="http://schemas.microsoft.com/office/drawing/2014/main" xmlns="" id="{CF7EA135-BF18-F741-82F8-3580BFA36660}"/>
               </a:ext>
             </a:extLst>
           </p:cNvPr>
@@ -5860,7 +5858,7 @@
           <p:cNvPr id="2" name="Title 1">
             <a:extLst>
               <a:ext uri="{FF2B5EF4-FFF2-40B4-BE49-F238E27FC236}">
-                <a16:creationId xmlns:a16="http://schemas.microsoft.com/office/drawing/2014/main" id="{65017265-5029-E744-86FA-8B4811D03D54}"/>
+                <a16:creationId xmlns:a16="http://schemas.microsoft.com/office/drawing/2014/main" xmlns="" id="{65017265-5029-E744-86FA-8B4811D03D54}"/>
               </a:ext>
             </a:extLst>
           </p:cNvPr>
@@ -5888,7 +5886,7 @@
           <p:cNvPr id="3" name="Content Placeholder 2">
             <a:extLst>
               <a:ext uri="{FF2B5EF4-FFF2-40B4-BE49-F238E27FC236}">
-                <a16:creationId xmlns:a16="http://schemas.microsoft.com/office/drawing/2014/main" id="{32A3EAE0-056C-C147-8C97-2D852716EFB7}"/>
+                <a16:creationId xmlns:a16="http://schemas.microsoft.com/office/drawing/2014/main" xmlns="" id="{32A3EAE0-056C-C147-8C97-2D852716EFB7}"/>
               </a:ext>
             </a:extLst>
           </p:cNvPr>

--- a/talk/dtreeviz.pptx
+++ b/talk/dtreeviz.pptx
@@ -5,7 +5,7 @@
     <p:sldMasterId id="2147483648" r:id="rId1"/>
   </p:sldMasterIdLst>
   <p:notesMasterIdLst>
-    <p:notesMasterId r:id="rId14"/>
+    <p:notesMasterId r:id="rId16"/>
   </p:notesMasterIdLst>
   <p:sldIdLst>
     <p:sldId id="256" r:id="rId2"/>
@@ -13,13 +13,15 @@
     <p:sldId id="263" r:id="rId4"/>
     <p:sldId id="266" r:id="rId5"/>
     <p:sldId id="267" r:id="rId6"/>
-    <p:sldId id="264" r:id="rId7"/>
-    <p:sldId id="259" r:id="rId8"/>
-    <p:sldId id="261" r:id="rId9"/>
-    <p:sldId id="260" r:id="rId10"/>
-    <p:sldId id="262" r:id="rId11"/>
-    <p:sldId id="258" r:id="rId12"/>
-    <p:sldId id="265" r:id="rId13"/>
+    <p:sldId id="269" r:id="rId7"/>
+    <p:sldId id="268" r:id="rId8"/>
+    <p:sldId id="264" r:id="rId9"/>
+    <p:sldId id="259" r:id="rId10"/>
+    <p:sldId id="261" r:id="rId11"/>
+    <p:sldId id="260" r:id="rId12"/>
+    <p:sldId id="262" r:id="rId13"/>
+    <p:sldId id="258" r:id="rId14"/>
+    <p:sldId id="265" r:id="rId15"/>
   </p:sldIdLst>
   <p:sldSz cx="12192000" cy="6858000"/>
   <p:notesSz cx="6858000" cy="9144000"/>
@@ -3983,7 +3985,7 @@
           <p:cNvPr id="2" name="Title 1">
             <a:extLst>
               <a:ext uri="{FF2B5EF4-FFF2-40B4-BE49-F238E27FC236}">
-                <a16:creationId xmlns:a16="http://schemas.microsoft.com/office/drawing/2014/main" xmlns="" id="{24D88B2F-1763-0844-AA1F-F51EA7806F68}"/>
+                <a16:creationId xmlns:a16="http://schemas.microsoft.com/office/drawing/2014/main" xmlns="" id="{61162354-30E5-0446-BECA-83AF4A3FCC7E}"/>
               </a:ext>
             </a:extLst>
           </p:cNvPr>
@@ -3996,71 +3998,68 @@
         </p:nvSpPr>
         <p:spPr/>
         <p:txBody>
-          <a:bodyPr/>
-          <a:lstStyle/>
-          <a:p>
-            <a:r>
-              <a:rPr lang="en-US" dirty="0"/>
-              <a:t>Be unreasonably tenacious</a:t>
-            </a:r>
-          </a:p>
-        </p:txBody>
-      </p:sp>
-      <p:sp>
-        <p:nvSpPr>
-          <p:cNvPr id="3" name="Content Placeholder 2">
-            <a:extLst>
-              <a:ext uri="{FF2B5EF4-FFF2-40B4-BE49-F238E27FC236}">
-                <a16:creationId xmlns:a16="http://schemas.microsoft.com/office/drawing/2014/main" xmlns="" id="{863524B9-BE6F-6D44-8B7F-DBD4F355BA6F}"/>
-              </a:ext>
-            </a:extLst>
-          </p:cNvPr>
-          <p:cNvSpPr>
-            <a:spLocks noGrp="1"/>
-          </p:cNvSpPr>
-          <p:nvPr>
-            <p:ph idx="1"/>
+          <a:bodyPr>
+            <a:normAutofit/>
+          </a:bodyPr>
+          <a:lstStyle/>
+          <a:p>
+            <a:r>
+              <a:rPr lang="en-US" sz="4000" dirty="0"/>
+              <a:t>“The reasonable [wo]man adapts [</a:t>
+            </a:r>
+            <a:r>
+              <a:rPr lang="en-US" sz="4000" dirty="0" err="1"/>
+              <a:t>her|him</a:t>
+            </a:r>
+            <a:r>
+              <a:rPr lang="en-US" sz="4000" dirty="0"/>
+              <a:t>]self to the world: the unreasonable one persists in trying to adapt the world to [</a:t>
+            </a:r>
+            <a:r>
+              <a:rPr lang="en-US" sz="4000" dirty="0" err="1"/>
+              <a:t>her|him</a:t>
+            </a:r>
+            <a:r>
+              <a:rPr lang="en-US" sz="4000" dirty="0"/>
+              <a:t>]self. Therefore all progress depends on the unreasonable [wo]man.”</a:t>
+            </a:r>
+          </a:p>
+        </p:txBody>
+      </p:sp>
+      <p:sp>
+        <p:nvSpPr>
+          <p:cNvPr id="3" name="Text Placeholder 2">
+            <a:extLst>
+              <a:ext uri="{FF2B5EF4-FFF2-40B4-BE49-F238E27FC236}">
+                <a16:creationId xmlns:a16="http://schemas.microsoft.com/office/drawing/2014/main" xmlns="" id="{CF7EA135-BF18-F741-82F8-3580BFA36660}"/>
+              </a:ext>
+            </a:extLst>
+          </p:cNvPr>
+          <p:cNvSpPr>
+            <a:spLocks noGrp="1"/>
+          </p:cNvSpPr>
+          <p:nvPr>
+            <p:ph type="body" idx="1"/>
           </p:nvPr>
         </p:nvSpPr>
         <p:spPr/>
         <p:txBody>
-          <a:bodyPr/>
-          <a:lstStyle/>
-          <a:p>
-            <a:r>
-              <a:rPr lang="en-US" dirty="0"/>
-              <a:t>Reagan</a:t>
-            </a:r>
-          </a:p>
-          <a:p>
-            <a:r>
-              <a:rPr lang="en-US" dirty="0"/>
-              <a:t>“Why program by hand in five days, …”</a:t>
-            </a:r>
-          </a:p>
-          <a:p>
-            <a:r>
-              <a:rPr lang="en-US" dirty="0"/>
-              <a:t>Matplotlib mashup</a:t>
-            </a:r>
-          </a:p>
-          <a:p>
-            <a:r>
-              <a:rPr lang="en-US" dirty="0"/>
-              <a:t>SVG not </a:t>
-            </a:r>
-            <a:r>
-              <a:rPr lang="en-US" dirty="0" err="1"/>
-              <a:t>png</a:t>
-            </a:r>
-            <a:endParaRPr lang="en-US" dirty="0"/>
+          <a:bodyPr>
+            <a:normAutofit/>
+          </a:bodyPr>
+          <a:lstStyle/>
+          <a:p>
+            <a:r>
+              <a:rPr lang="en-US" sz="2800" dirty="0"/>
+              <a:t>― George Bernard Shaw</a:t>
+            </a:r>
           </a:p>
         </p:txBody>
       </p:sp>
     </p:spTree>
     <p:extLst>
       <p:ext uri="{BB962C8B-B14F-4D97-AF65-F5344CB8AC3E}">
-        <p14:creationId xmlns:p14="http://schemas.microsoft.com/office/powerpoint/2010/main" val="1316979302"/>
+        <p14:creationId xmlns:p14="http://schemas.microsoft.com/office/powerpoint/2010/main" val="3247780600"/>
       </p:ext>
     </p:extLst>
   </p:cSld>
@@ -4092,6 +4091,233 @@
           <p:cNvPr id="2" name="Title 1">
             <a:extLst>
               <a:ext uri="{FF2B5EF4-FFF2-40B4-BE49-F238E27FC236}">
+                <a16:creationId xmlns:a16="http://schemas.microsoft.com/office/drawing/2014/main" xmlns="" id="{65017265-5029-E744-86FA-8B4811D03D54}"/>
+              </a:ext>
+            </a:extLst>
+          </p:cNvPr>
+          <p:cNvSpPr>
+            <a:spLocks noGrp="1"/>
+          </p:cNvSpPr>
+          <p:nvPr>
+            <p:ph type="title"/>
+          </p:nvPr>
+        </p:nvSpPr>
+        <p:spPr/>
+        <p:txBody>
+          <a:bodyPr/>
+          <a:lstStyle/>
+          <a:p>
+            <a:r>
+              <a:rPr lang="en-US" dirty="0"/>
+              <a:t>Be unreasonably dissatisfied</a:t>
+            </a:r>
+          </a:p>
+        </p:txBody>
+      </p:sp>
+      <p:sp>
+        <p:nvSpPr>
+          <p:cNvPr id="3" name="Content Placeholder 2">
+            <a:extLst>
+              <a:ext uri="{FF2B5EF4-FFF2-40B4-BE49-F238E27FC236}">
+                <a16:creationId xmlns:a16="http://schemas.microsoft.com/office/drawing/2014/main" xmlns="" id="{32A3EAE0-056C-C147-8C97-2D852716EFB7}"/>
+              </a:ext>
+            </a:extLst>
+          </p:cNvPr>
+          <p:cNvSpPr>
+            <a:spLocks noGrp="1"/>
+          </p:cNvSpPr>
+          <p:nvPr>
+            <p:ph idx="1"/>
+          </p:nvPr>
+        </p:nvSpPr>
+        <p:spPr/>
+        <p:txBody>
+          <a:bodyPr/>
+          <a:lstStyle/>
+          <a:p>
+            <a:r>
+              <a:rPr lang="en-US" dirty="0"/>
+              <a:t>Be offended by bad software or unsatisfying experiences</a:t>
+            </a:r>
+          </a:p>
+          <a:p>
+            <a:r>
+              <a:rPr lang="en-US" dirty="0"/>
+              <a:t>Crave beauty</a:t>
+            </a:r>
+          </a:p>
+          <a:p>
+            <a:r>
+              <a:rPr lang="en-US" dirty="0"/>
+              <a:t>Make the world a better place for others</a:t>
+            </a:r>
+          </a:p>
+          <a:p>
+            <a:r>
+              <a:rPr lang="en-US" dirty="0"/>
+              <a:t>Obsess about the details (pick colors, outline of </a:t>
+            </a:r>
+            <a:r>
+              <a:rPr lang="en-US" dirty="0" err="1"/>
+              <a:t>planes,boxes</a:t>
+            </a:r>
+            <a:r>
+              <a:rPr lang="en-US" dirty="0"/>
+              <a:t>)</a:t>
+            </a:r>
+          </a:p>
+          <a:p>
+            <a:r>
+              <a:rPr lang="en-US" dirty="0"/>
+              <a:t>Cost: high on you and those in “blast radius”, but awesome for everyone else</a:t>
+            </a:r>
+          </a:p>
+        </p:txBody>
+      </p:sp>
+    </p:spTree>
+    <p:extLst>
+      <p:ext uri="{BB962C8B-B14F-4D97-AF65-F5344CB8AC3E}">
+        <p14:creationId xmlns:p14="http://schemas.microsoft.com/office/powerpoint/2010/main" val="1731428235"/>
+      </p:ext>
+    </p:extLst>
+  </p:cSld>
+  <p:clrMapOvr>
+    <a:masterClrMapping/>
+  </p:clrMapOvr>
+</p:sld>
+</file>
+
+<file path=ppt/slides/slide12.xml><?xml version="1.0" encoding="utf-8"?>
+<p:sld xmlns:a="http://schemas.openxmlformats.org/drawingml/2006/main" xmlns:r="http://schemas.openxmlformats.org/officeDocument/2006/relationships" xmlns:p="http://schemas.openxmlformats.org/presentationml/2006/main">
+  <p:cSld>
+    <p:spTree>
+      <p:nvGrpSpPr>
+        <p:cNvPr id="1" name=""/>
+        <p:cNvGrpSpPr/>
+        <p:nvPr/>
+      </p:nvGrpSpPr>
+      <p:grpSpPr>
+        <a:xfrm>
+          <a:off x="0" y="0"/>
+          <a:ext cx="0" cy="0"/>
+          <a:chOff x="0" y="0"/>
+          <a:chExt cx="0" cy="0"/>
+        </a:xfrm>
+      </p:grpSpPr>
+      <p:sp>
+        <p:nvSpPr>
+          <p:cNvPr id="2" name="Title 1">
+            <a:extLst>
+              <a:ext uri="{FF2B5EF4-FFF2-40B4-BE49-F238E27FC236}">
+                <a16:creationId xmlns:a16="http://schemas.microsoft.com/office/drawing/2014/main" xmlns="" id="{24D88B2F-1763-0844-AA1F-F51EA7806F68}"/>
+              </a:ext>
+            </a:extLst>
+          </p:cNvPr>
+          <p:cNvSpPr>
+            <a:spLocks noGrp="1"/>
+          </p:cNvSpPr>
+          <p:nvPr>
+            <p:ph type="title"/>
+          </p:nvPr>
+        </p:nvSpPr>
+        <p:spPr/>
+        <p:txBody>
+          <a:bodyPr/>
+          <a:lstStyle/>
+          <a:p>
+            <a:r>
+              <a:rPr lang="en-US" dirty="0"/>
+              <a:t>Be unreasonably tenacious</a:t>
+            </a:r>
+          </a:p>
+        </p:txBody>
+      </p:sp>
+      <p:sp>
+        <p:nvSpPr>
+          <p:cNvPr id="3" name="Content Placeholder 2">
+            <a:extLst>
+              <a:ext uri="{FF2B5EF4-FFF2-40B4-BE49-F238E27FC236}">
+                <a16:creationId xmlns:a16="http://schemas.microsoft.com/office/drawing/2014/main" xmlns="" id="{863524B9-BE6F-6D44-8B7F-DBD4F355BA6F}"/>
+              </a:ext>
+            </a:extLst>
+          </p:cNvPr>
+          <p:cNvSpPr>
+            <a:spLocks noGrp="1"/>
+          </p:cNvSpPr>
+          <p:nvPr>
+            <p:ph idx="1"/>
+          </p:nvPr>
+        </p:nvSpPr>
+        <p:spPr/>
+        <p:txBody>
+          <a:bodyPr/>
+          <a:lstStyle/>
+          <a:p>
+            <a:r>
+              <a:rPr lang="en-US" dirty="0"/>
+              <a:t>Reagan</a:t>
+            </a:r>
+          </a:p>
+          <a:p>
+            <a:r>
+              <a:rPr lang="en-US" dirty="0"/>
+              <a:t>“Why program by hand in five days, …”</a:t>
+            </a:r>
+          </a:p>
+          <a:p>
+            <a:r>
+              <a:rPr lang="en-US" dirty="0"/>
+              <a:t>Matplotlib mashup</a:t>
+            </a:r>
+          </a:p>
+          <a:p>
+            <a:r>
+              <a:rPr lang="en-US" dirty="0"/>
+              <a:t>SVG not </a:t>
+            </a:r>
+            <a:r>
+              <a:rPr lang="en-US" dirty="0" err="1"/>
+              <a:t>png</a:t>
+            </a:r>
+            <a:endParaRPr lang="en-US" dirty="0"/>
+          </a:p>
+        </p:txBody>
+      </p:sp>
+    </p:spTree>
+    <p:extLst>
+      <p:ext uri="{BB962C8B-B14F-4D97-AF65-F5344CB8AC3E}">
+        <p14:creationId xmlns:p14="http://schemas.microsoft.com/office/powerpoint/2010/main" val="1316979302"/>
+      </p:ext>
+    </p:extLst>
+  </p:cSld>
+  <p:clrMapOvr>
+    <a:masterClrMapping/>
+  </p:clrMapOvr>
+</p:sld>
+</file>
+
+<file path=ppt/slides/slide13.xml><?xml version="1.0" encoding="utf-8"?>
+<p:sld xmlns:a="http://schemas.openxmlformats.org/drawingml/2006/main" xmlns:r="http://schemas.openxmlformats.org/officeDocument/2006/relationships" xmlns:p="http://schemas.openxmlformats.org/presentationml/2006/main">
+  <p:cSld>
+    <p:spTree>
+      <p:nvGrpSpPr>
+        <p:cNvPr id="1" name=""/>
+        <p:cNvGrpSpPr/>
+        <p:nvPr/>
+      </p:nvGrpSpPr>
+      <p:grpSpPr>
+        <a:xfrm>
+          <a:off x="0" y="0"/>
+          <a:ext cx="0" cy="0"/>
+          <a:chOff x="0" y="0"/>
+          <a:chExt cx="0" cy="0"/>
+        </a:xfrm>
+      </p:grpSpPr>
+      <p:sp>
+        <p:nvSpPr>
+          <p:cNvPr id="2" name="Title 1">
+            <a:extLst>
+              <a:ext uri="{FF2B5EF4-FFF2-40B4-BE49-F238E27FC236}">
                 <a16:creationId xmlns:a16="http://schemas.microsoft.com/office/drawing/2014/main" xmlns="" id="{7FD57E0C-5A20-444B-9961-DECFF85B1B5B}"/>
               </a:ext>
             </a:extLst>
@@ -4211,7 +4437,7 @@
 </p:sld>
 </file>
 
-<file path=ppt/slides/slide12.xml><?xml version="1.0" encoding="utf-8"?>
+<file path=ppt/slides/slide14.xml><?xml version="1.0" encoding="utf-8"?>
 <p:sld xmlns:a="http://schemas.openxmlformats.org/drawingml/2006/main" xmlns:r="http://schemas.openxmlformats.org/officeDocument/2006/relationships" xmlns:p="http://schemas.openxmlformats.org/presentationml/2006/main">
   <p:cSld>
     <p:spTree>
@@ -5574,15 +5800,39 @@
           <a:chExt cx="0" cy="0"/>
         </a:xfrm>
       </p:grpSpPr>
-      <p:sp>
-        <p:nvSpPr>
-          <p:cNvPr id="2" name="Title 1">
-            <a:extLst>
-              <a:ext uri="{FF2B5EF4-FFF2-40B4-BE49-F238E27FC236}">
-                <a16:creationId xmlns:a16="http://schemas.microsoft.com/office/drawing/2014/main" xmlns="" id="{222D992D-0BEB-B645-A684-31C4B21AE82A}"/>
-              </a:ext>
-            </a:extLst>
-          </p:cNvPr>
+      <p:pic>
+        <p:nvPicPr>
+          <p:cNvPr id="9" name="Picture 8"/>
+          <p:cNvPicPr>
+            <a:picLocks noChangeAspect="1"/>
+          </p:cNvPicPr>
+          <p:nvPr/>
+        </p:nvPicPr>
+        <p:blipFill>
+          <a:blip r:embed="rId2">
+            <a:extLst>
+              <a:ext uri="{28A0092B-C50C-407E-A947-70E740481C1C}">
+                <a14:useLocalDpi xmlns:a14="http://schemas.microsoft.com/office/drawing/2010/main" val="0"/>
+              </a:ext>
+            </a:extLst>
+          </a:blip>
+          <a:stretch>
+            <a:fillRect/>
+          </a:stretch>
+        </p:blipFill>
+        <p:spPr>
+          <a:xfrm>
+            <a:off x="2271250" y="1524818"/>
+            <a:ext cx="7020233" cy="4680155"/>
+          </a:xfrm>
+          <a:prstGeom prst="rect">
+            <a:avLst/>
+          </a:prstGeom>
+        </p:spPr>
+      </p:pic>
+      <p:sp>
+        <p:nvSpPr>
+          <p:cNvPr id="2" name="Title 1"/>
           <p:cNvSpPr>
             <a:spLocks noGrp="1"/>
           </p:cNvSpPr>
@@ -5595,42 +5845,74 @@
           <a:bodyPr/>
           <a:lstStyle/>
           <a:p>
-            <a:r>
-              <a:rPr lang="en-US" dirty="0"/>
-              <a:t>Visualizing the key elements</a:t>
-            </a:r>
-          </a:p>
-        </p:txBody>
-      </p:sp>
-      <p:sp>
-        <p:nvSpPr>
-          <p:cNvPr id="3" name="Text Placeholder 2">
-            <a:extLst>
-              <a:ext uri="{FF2B5EF4-FFF2-40B4-BE49-F238E27FC236}">
-                <a16:creationId xmlns:a16="http://schemas.microsoft.com/office/drawing/2014/main" xmlns="" id="{8B9241F4-6B21-764C-BDD5-4B27BB42919A}"/>
-              </a:ext>
-            </a:extLst>
-          </p:cNvPr>
-          <p:cNvSpPr>
-            <a:spLocks noGrp="1"/>
-          </p:cNvSpPr>
-          <p:nvPr>
-            <p:ph type="body" idx="1"/>
-          </p:nvPr>
-        </p:nvSpPr>
-        <p:spPr/>
-        <p:txBody>
-          <a:bodyPr/>
-          <a:lstStyle/>
-          <a:p>
-            <a:endParaRPr lang="en-US"/>
-          </a:p>
-        </p:txBody>
-      </p:sp>
+            <a:endParaRPr lang="en-US" dirty="0"/>
+          </a:p>
+        </p:txBody>
+      </p:sp>
+      <p:pic>
+        <p:nvPicPr>
+          <p:cNvPr id="8" name="Picture 7"/>
+          <p:cNvPicPr>
+            <a:picLocks noChangeAspect="1"/>
+          </p:cNvPicPr>
+          <p:nvPr/>
+        </p:nvPicPr>
+        <p:blipFill>
+          <a:blip r:embed="rId3">
+            <a:extLst>
+              <a:ext uri="{28A0092B-C50C-407E-A947-70E740481C1C}">
+                <a14:useLocalDpi xmlns:a14="http://schemas.microsoft.com/office/drawing/2010/main" val="0"/>
+              </a:ext>
+            </a:extLst>
+          </a:blip>
+          <a:stretch>
+            <a:fillRect/>
+          </a:stretch>
+        </p:blipFill>
+        <p:spPr>
+          <a:xfrm>
+            <a:off x="2276366" y="1528229"/>
+            <a:ext cx="7015117" cy="4676744"/>
+          </a:xfrm>
+          <a:prstGeom prst="rect">
+            <a:avLst/>
+          </a:prstGeom>
+        </p:spPr>
+      </p:pic>
+      <p:pic>
+        <p:nvPicPr>
+          <p:cNvPr id="10" name="Picture 9"/>
+          <p:cNvPicPr>
+            <a:picLocks noChangeAspect="1"/>
+          </p:cNvPicPr>
+          <p:nvPr/>
+        </p:nvPicPr>
+        <p:blipFill>
+          <a:blip r:embed="rId4">
+            <a:extLst>
+              <a:ext uri="{28A0092B-C50C-407E-A947-70E740481C1C}">
+                <a14:useLocalDpi xmlns:a14="http://schemas.microsoft.com/office/drawing/2010/main" val="0"/>
+              </a:ext>
+            </a:extLst>
+          </a:blip>
+          <a:stretch>
+            <a:fillRect/>
+          </a:stretch>
+        </p:blipFill>
+        <p:spPr>
+          <a:xfrm>
+            <a:off x="2271249" y="1524817"/>
+            <a:ext cx="7020233" cy="4680155"/>
+          </a:xfrm>
+          <a:prstGeom prst="rect">
+            <a:avLst/>
+          </a:prstGeom>
+        </p:spPr>
+      </p:pic>
     </p:spTree>
     <p:extLst>
       <p:ext uri="{BB962C8B-B14F-4D97-AF65-F5344CB8AC3E}">
-        <p14:creationId xmlns:p14="http://schemas.microsoft.com/office/powerpoint/2010/main" val="2003439136"/>
+        <p14:creationId xmlns:p14="http://schemas.microsoft.com/office/powerpoint/2010/main" val="734877016"/>
       </p:ext>
     </p:extLst>
   </p:cSld>
@@ -5640,7 +5922,120 @@
   <p:timing>
     <p:tnLst>
       <p:par>
-        <p:cTn id="1" dur="indefinite" restart="never" nodeType="tmRoot"/>
+        <p:cTn id="1" dur="indefinite" restart="never" nodeType="tmRoot">
+          <p:childTnLst>
+            <p:seq concurrent="1" nextAc="seek">
+              <p:cTn id="2" dur="indefinite" nodeType="mainSeq">
+                <p:childTnLst>
+                  <p:par>
+                    <p:cTn id="3" fill="hold">
+                      <p:stCondLst>
+                        <p:cond delay="indefinite"/>
+                      </p:stCondLst>
+                      <p:childTnLst>
+                        <p:par>
+                          <p:cTn id="4" fill="hold">
+                            <p:stCondLst>
+                              <p:cond delay="0"/>
+                            </p:stCondLst>
+                            <p:childTnLst>
+                              <p:par>
+                                <p:cTn id="5" presetID="1" presetClass="entr" presetSubtype="0" fill="hold" nodeType="clickEffect">
+                                  <p:stCondLst>
+                                    <p:cond delay="0"/>
+                                  </p:stCondLst>
+                                  <p:childTnLst>
+                                    <p:set>
+                                      <p:cBhvr>
+                                        <p:cTn id="6" dur="1" fill="hold">
+                                          <p:stCondLst>
+                                            <p:cond delay="0"/>
+                                          </p:stCondLst>
+                                        </p:cTn>
+                                        <p:tgtEl>
+                                          <p:spTgt spid="8"/>
+                                        </p:tgtEl>
+                                        <p:attrNameLst>
+                                          <p:attrName>style.visibility</p:attrName>
+                                        </p:attrNameLst>
+                                      </p:cBhvr>
+                                      <p:to>
+                                        <p:strVal val="visible"/>
+                                      </p:to>
+                                    </p:set>
+                                  </p:childTnLst>
+                                </p:cTn>
+                              </p:par>
+                            </p:childTnLst>
+                          </p:cTn>
+                        </p:par>
+                      </p:childTnLst>
+                    </p:cTn>
+                  </p:par>
+                  <p:par>
+                    <p:cTn id="7" fill="hold">
+                      <p:stCondLst>
+                        <p:cond delay="indefinite"/>
+                      </p:stCondLst>
+                      <p:childTnLst>
+                        <p:par>
+                          <p:cTn id="8" fill="hold">
+                            <p:stCondLst>
+                              <p:cond delay="0"/>
+                            </p:stCondLst>
+                            <p:childTnLst>
+                              <p:par>
+                                <p:cTn id="9" presetID="1" presetClass="entr" presetSubtype="0" fill="hold" nodeType="clickEffect">
+                                  <p:stCondLst>
+                                    <p:cond delay="0"/>
+                                  </p:stCondLst>
+                                  <p:childTnLst>
+                                    <p:set>
+                                      <p:cBhvr>
+                                        <p:cTn id="10" dur="1" fill="hold">
+                                          <p:stCondLst>
+                                            <p:cond delay="0"/>
+                                          </p:stCondLst>
+                                        </p:cTn>
+                                        <p:tgtEl>
+                                          <p:spTgt spid="10"/>
+                                        </p:tgtEl>
+                                        <p:attrNameLst>
+                                          <p:attrName>style.visibility</p:attrName>
+                                        </p:attrNameLst>
+                                      </p:cBhvr>
+                                      <p:to>
+                                        <p:strVal val="visible"/>
+                                      </p:to>
+                                    </p:set>
+                                  </p:childTnLst>
+                                </p:cTn>
+                              </p:par>
+                            </p:childTnLst>
+                          </p:cTn>
+                        </p:par>
+                      </p:childTnLst>
+                    </p:cTn>
+                  </p:par>
+                </p:childTnLst>
+              </p:cTn>
+              <p:prevCondLst>
+                <p:cond evt="onPrev" delay="0">
+                  <p:tgtEl>
+                    <p:sldTgt/>
+                  </p:tgtEl>
+                </p:cond>
+              </p:prevCondLst>
+              <p:nextCondLst>
+                <p:cond evt="onNext" delay="0">
+                  <p:tgtEl>
+                    <p:sldTgt/>
+                  </p:tgtEl>
+                </p:cond>
+              </p:nextCondLst>
+            </p:seq>
+          </p:childTnLst>
+        </p:cTn>
       </p:par>
     </p:tnLst>
   </p:timing>
@@ -5666,13 +6061,7 @@
       </p:grpSpPr>
       <p:sp>
         <p:nvSpPr>
-          <p:cNvPr id="2" name="Title 1">
-            <a:extLst>
-              <a:ext uri="{FF2B5EF4-FFF2-40B4-BE49-F238E27FC236}">
-                <a16:creationId xmlns:a16="http://schemas.microsoft.com/office/drawing/2014/main" xmlns="" id="{46490CDA-0C60-104E-8F46-1AF6F41B1782}"/>
-              </a:ext>
-            </a:extLst>
-          </p:cNvPr>
+          <p:cNvPr id="2" name="Title 1"/>
           <p:cNvSpPr>
             <a:spLocks noGrp="1"/>
           </p:cNvSpPr>
@@ -5685,48 +6074,57 @@
           <a:bodyPr/>
           <a:lstStyle/>
           <a:p>
-            <a:r>
-              <a:rPr lang="en-US" dirty="0"/>
-              <a:t>How to lead a fulfilling life by being dissatisfied</a:t>
-            </a:r>
-          </a:p>
-        </p:txBody>
-      </p:sp>
-      <p:sp>
-        <p:nvSpPr>
-          <p:cNvPr id="3" name="Text Placeholder 2">
-            <a:extLst>
-              <a:ext uri="{FF2B5EF4-FFF2-40B4-BE49-F238E27FC236}">
-                <a16:creationId xmlns:a16="http://schemas.microsoft.com/office/drawing/2014/main" xmlns="" id="{7EE3660A-4739-A141-9F76-1D37F3007AF4}"/>
-              </a:ext>
-            </a:extLst>
-          </p:cNvPr>
-          <p:cNvSpPr>
-            <a:spLocks noGrp="1"/>
-          </p:cNvSpPr>
-          <p:nvPr>
-            <p:ph type="body" idx="1"/>
-          </p:nvPr>
-        </p:nvSpPr>
-        <p:spPr/>
-        <p:txBody>
-          <a:bodyPr/>
-          <a:lstStyle/>
-          <a:p>
-            <a:endParaRPr lang="en-US" dirty="0"/>
-          </a:p>
-        </p:txBody>
-      </p:sp>
+            <a:endParaRPr lang="en-US"/>
+          </a:p>
+        </p:txBody>
+      </p:sp>
+      <p:pic>
+        <p:nvPicPr>
+          <p:cNvPr id="5" name="Picture 4"/>
+          <p:cNvPicPr>
+            <a:picLocks noChangeAspect="1"/>
+          </p:cNvPicPr>
+          <p:nvPr/>
+        </p:nvPicPr>
+        <p:blipFill>
+          <a:blip r:embed="rId2">
+            <a:extLst>
+              <a:ext uri="{28A0092B-C50C-407E-A947-70E740481C1C}">
+                <a14:useLocalDpi xmlns:a14="http://schemas.microsoft.com/office/drawing/2010/main" val="0"/>
+              </a:ext>
+            </a:extLst>
+          </a:blip>
+          <a:stretch>
+            <a:fillRect/>
+          </a:stretch>
+        </p:blipFill>
+        <p:spPr>
+          <a:xfrm>
+            <a:off x="838200" y="2080898"/>
+            <a:ext cx="10540971" cy="3513657"/>
+          </a:xfrm>
+          <a:prstGeom prst="rect">
+            <a:avLst/>
+          </a:prstGeom>
+        </p:spPr>
+      </p:pic>
     </p:spTree>
     <p:extLst>
       <p:ext uri="{BB962C8B-B14F-4D97-AF65-F5344CB8AC3E}">
-        <p14:creationId xmlns:p14="http://schemas.microsoft.com/office/powerpoint/2010/main" val="2622688664"/>
+        <p14:creationId xmlns:p14="http://schemas.microsoft.com/office/powerpoint/2010/main" val="1475815722"/>
       </p:ext>
     </p:extLst>
   </p:cSld>
   <p:clrMapOvr>
     <a:masterClrMapping/>
   </p:clrMapOvr>
+  <p:timing>
+    <p:tnLst>
+      <p:par>
+        <p:cTn id="1" dur="indefinite" restart="never" nodeType="tmRoot"/>
+      </p:par>
+    </p:tnLst>
+  </p:timing>
 </p:sld>
 </file>
 
@@ -5752,7 +6150,7 @@
           <p:cNvPr id="2" name="Title 1">
             <a:extLst>
               <a:ext uri="{FF2B5EF4-FFF2-40B4-BE49-F238E27FC236}">
-                <a16:creationId xmlns:a16="http://schemas.microsoft.com/office/drawing/2014/main" xmlns="" id="{61162354-30E5-0446-BECA-83AF4A3FCC7E}"/>
+                <a16:creationId xmlns:a16="http://schemas.microsoft.com/office/drawing/2014/main" xmlns="" id="{222D992D-0BEB-B645-A684-31C4B21AE82A}"/>
               </a:ext>
             </a:extLst>
           </p:cNvPr>
@@ -5765,30 +6163,12 @@
         </p:nvSpPr>
         <p:spPr/>
         <p:txBody>
-          <a:bodyPr>
-            <a:normAutofit/>
-          </a:bodyPr>
-          <a:lstStyle/>
-          <a:p>
-            <a:r>
-              <a:rPr lang="en-US" sz="4000" dirty="0"/>
-              <a:t>“The reasonable [wo]man adapts [</a:t>
-            </a:r>
-            <a:r>
-              <a:rPr lang="en-US" sz="4000" dirty="0" err="1"/>
-              <a:t>her|him</a:t>
-            </a:r>
-            <a:r>
-              <a:rPr lang="en-US" sz="4000" dirty="0"/>
-              <a:t>]self to the world: the unreasonable one persists in trying to adapt the world to [</a:t>
-            </a:r>
-            <a:r>
-              <a:rPr lang="en-US" sz="4000" dirty="0" err="1"/>
-              <a:t>her|him</a:t>
-            </a:r>
-            <a:r>
-              <a:rPr lang="en-US" sz="4000" dirty="0"/>
-              <a:t>]self. Therefore all progress depends on the unreasonable [wo]man.”</a:t>
+          <a:bodyPr/>
+          <a:lstStyle/>
+          <a:p>
+            <a:r>
+              <a:rPr lang="en-US" dirty="0"/>
+              <a:t>Visualizing the key elements</a:t>
             </a:r>
           </a:p>
         </p:txBody>
@@ -5798,7 +6178,7 @@
           <p:cNvPr id="3" name="Text Placeholder 2">
             <a:extLst>
               <a:ext uri="{FF2B5EF4-FFF2-40B4-BE49-F238E27FC236}">
-                <a16:creationId xmlns:a16="http://schemas.microsoft.com/office/drawing/2014/main" xmlns="" id="{CF7EA135-BF18-F741-82F8-3580BFA36660}"/>
+                <a16:creationId xmlns:a16="http://schemas.microsoft.com/office/drawing/2014/main" xmlns="" id="{8B9241F4-6B21-764C-BDD5-4B27BB42919A}"/>
               </a:ext>
             </a:extLst>
           </p:cNvPr>
@@ -5811,28 +6191,30 @@
         </p:nvSpPr>
         <p:spPr/>
         <p:txBody>
-          <a:bodyPr>
-            <a:normAutofit/>
-          </a:bodyPr>
-          <a:lstStyle/>
-          <a:p>
-            <a:r>
-              <a:rPr lang="en-US" sz="2800" dirty="0"/>
-              <a:t>― George Bernard Shaw</a:t>
-            </a:r>
+          <a:bodyPr/>
+          <a:lstStyle/>
+          <a:p>
+            <a:endParaRPr lang="en-US"/>
           </a:p>
         </p:txBody>
       </p:sp>
     </p:spTree>
     <p:extLst>
       <p:ext uri="{BB962C8B-B14F-4D97-AF65-F5344CB8AC3E}">
-        <p14:creationId xmlns:p14="http://schemas.microsoft.com/office/powerpoint/2010/main" val="3247780600"/>
+        <p14:creationId xmlns:p14="http://schemas.microsoft.com/office/powerpoint/2010/main" val="2003439136"/>
       </p:ext>
     </p:extLst>
   </p:cSld>
   <p:clrMapOvr>
     <a:masterClrMapping/>
   </p:clrMapOvr>
+  <p:timing>
+    <p:tnLst>
+      <p:par>
+        <p:cTn id="1" dur="indefinite" restart="never" nodeType="tmRoot"/>
+      </p:par>
+    </p:tnLst>
+  </p:timing>
 </p:sld>
 </file>
 
@@ -5858,7 +6240,7 @@
           <p:cNvPr id="2" name="Title 1">
             <a:extLst>
               <a:ext uri="{FF2B5EF4-FFF2-40B4-BE49-F238E27FC236}">
-                <a16:creationId xmlns:a16="http://schemas.microsoft.com/office/drawing/2014/main" xmlns="" id="{65017265-5029-E744-86FA-8B4811D03D54}"/>
+                <a16:creationId xmlns:a16="http://schemas.microsoft.com/office/drawing/2014/main" xmlns="" id="{46490CDA-0C60-104E-8F46-1AF6F41B1782}"/>
               </a:ext>
             </a:extLst>
           </p:cNvPr>
@@ -5876,25 +6258,25 @@
           <a:p>
             <a:r>
               <a:rPr lang="en-US" dirty="0"/>
-              <a:t>Be unreasonably dissatisfied</a:t>
-            </a:r>
-          </a:p>
-        </p:txBody>
-      </p:sp>
-      <p:sp>
-        <p:nvSpPr>
-          <p:cNvPr id="3" name="Content Placeholder 2">
-            <a:extLst>
-              <a:ext uri="{FF2B5EF4-FFF2-40B4-BE49-F238E27FC236}">
-                <a16:creationId xmlns:a16="http://schemas.microsoft.com/office/drawing/2014/main" xmlns="" id="{32A3EAE0-056C-C147-8C97-2D852716EFB7}"/>
-              </a:ext>
-            </a:extLst>
-          </p:cNvPr>
-          <p:cNvSpPr>
-            <a:spLocks noGrp="1"/>
-          </p:cNvSpPr>
-          <p:nvPr>
-            <p:ph idx="1"/>
+              <a:t>How to lead a fulfilling life by being dissatisfied</a:t>
+            </a:r>
+          </a:p>
+        </p:txBody>
+      </p:sp>
+      <p:sp>
+        <p:nvSpPr>
+          <p:cNvPr id="3" name="Text Placeholder 2">
+            <a:extLst>
+              <a:ext uri="{FF2B5EF4-FFF2-40B4-BE49-F238E27FC236}">
+                <a16:creationId xmlns:a16="http://schemas.microsoft.com/office/drawing/2014/main" xmlns="" id="{7EE3660A-4739-A141-9F76-1D37F3007AF4}"/>
+              </a:ext>
+            </a:extLst>
+          </p:cNvPr>
+          <p:cNvSpPr>
+            <a:spLocks noGrp="1"/>
+          </p:cNvSpPr>
+          <p:nvPr>
+            <p:ph type="body" idx="1"/>
           </p:nvPr>
         </p:nvSpPr>
         <p:spPr/>
@@ -5902,49 +6284,14 @@
           <a:bodyPr/>
           <a:lstStyle/>
           <a:p>
-            <a:r>
-              <a:rPr lang="en-US" dirty="0"/>
-              <a:t>Be offended by bad software or unsatisfying experiences</a:t>
-            </a:r>
-          </a:p>
-          <a:p>
-            <a:r>
-              <a:rPr lang="en-US" dirty="0"/>
-              <a:t>Crave beauty</a:t>
-            </a:r>
-          </a:p>
-          <a:p>
-            <a:r>
-              <a:rPr lang="en-US" dirty="0"/>
-              <a:t>Make the world a better place for others</a:t>
-            </a:r>
-          </a:p>
-          <a:p>
-            <a:r>
-              <a:rPr lang="en-US" dirty="0"/>
-              <a:t>Obsess about the details (pick colors, outline of </a:t>
-            </a:r>
-            <a:r>
-              <a:rPr lang="en-US" dirty="0" err="1"/>
-              <a:t>planes,boxes</a:t>
-            </a:r>
-            <a:r>
-              <a:rPr lang="en-US" dirty="0"/>
-              <a:t>)</a:t>
-            </a:r>
-          </a:p>
-          <a:p>
-            <a:r>
-              <a:rPr lang="en-US" dirty="0"/>
-              <a:t>Cost: high on you and those in “blast radius”, but awesome for everyone else</a:t>
-            </a:r>
+            <a:endParaRPr lang="en-US" dirty="0"/>
           </a:p>
         </p:txBody>
       </p:sp>
     </p:spTree>
     <p:extLst>
       <p:ext uri="{BB962C8B-B14F-4D97-AF65-F5344CB8AC3E}">
-        <p14:creationId xmlns:p14="http://schemas.microsoft.com/office/powerpoint/2010/main" val="1731428235"/>
+        <p14:creationId xmlns:p14="http://schemas.microsoft.com/office/powerpoint/2010/main" val="2622688664"/>
       </p:ext>
     </p:extLst>
   </p:cSld>

--- a/talk/dtreeviz.pptx
+++ b/talk/dtreeviz.pptx
@@ -6184,20 +6184,13 @@
         </p:spPr>
         <p:txBody>
           <a:bodyPr>
-            <a:normAutofit/>
+            <a:normAutofit fontScale="90000"/>
           </a:bodyPr>
           <a:lstStyle/>
           <a:p>
             <a:r>
               <a:rPr lang="en-US" sz="3600" dirty="0"/>
-              <a:t>Improve predictions:</a:t>
-            </a:r>
-            <a:br>
-              <a:rPr lang="en-US" sz="3600" dirty="0"/>
-            </a:br>
-            <a:r>
-              <a:rPr lang="en-US" sz="3600" dirty="0"/>
-              <a:t>Split 2D feature</a:t>
+              <a:t>Improve predictions: Use 2 features and split 2D feature</a:t>
             </a:r>
             <a:br>
               <a:rPr lang="en-US" sz="3600" dirty="0"/>
@@ -7085,7 +7078,7 @@
           <a:p>
             <a:r>
               <a:rPr lang="en-US" dirty="0"/>
-              <a:t>We can also split 2D feature space into regions for regressors</a:t>
+              <a:t>We can also split regressor 2D feature space into regions to improve accuracy</a:t>
             </a:r>
           </a:p>
         </p:txBody>
